--- a/Securing ASP.NET.pptx
+++ b/Securing ASP.NET.pptx
@@ -4,37 +4,41 @@
   <p:sldMasterIdLst>
     <p:sldMasterId id="2147483648" r:id="rId1"/>
   </p:sldMasterIdLst>
+  <p:notesMasterIdLst>
+    <p:notesMasterId r:id="rId33"/>
+  </p:notesMasterIdLst>
   <p:sldIdLst>
     <p:sldId id="256" r:id="rId2"/>
     <p:sldId id="257" r:id="rId3"/>
     <p:sldId id="258" r:id="rId4"/>
-    <p:sldId id="259" r:id="rId5"/>
-    <p:sldId id="260" r:id="rId6"/>
-    <p:sldId id="262" r:id="rId7"/>
-    <p:sldId id="261" r:id="rId8"/>
-    <p:sldId id="263" r:id="rId9"/>
-    <p:sldId id="264" r:id="rId10"/>
-    <p:sldId id="265" r:id="rId11"/>
-    <p:sldId id="266" r:id="rId12"/>
-    <p:sldId id="267" r:id="rId13"/>
-    <p:sldId id="268" r:id="rId14"/>
-    <p:sldId id="271" r:id="rId15"/>
-    <p:sldId id="269" r:id="rId16"/>
-    <p:sldId id="270" r:id="rId17"/>
-    <p:sldId id="272" r:id="rId18"/>
-    <p:sldId id="273" r:id="rId19"/>
-    <p:sldId id="274" r:id="rId20"/>
-    <p:sldId id="275" r:id="rId21"/>
-    <p:sldId id="276" r:id="rId22"/>
-    <p:sldId id="277" r:id="rId23"/>
-    <p:sldId id="278" r:id="rId24"/>
-    <p:sldId id="279" r:id="rId25"/>
-    <p:sldId id="280" r:id="rId26"/>
-    <p:sldId id="281" r:id="rId27"/>
-    <p:sldId id="282" r:id="rId28"/>
-    <p:sldId id="283" r:id="rId29"/>
-    <p:sldId id="284" r:id="rId30"/>
-    <p:sldId id="285" r:id="rId31"/>
+    <p:sldId id="291" r:id="rId5"/>
+    <p:sldId id="259" r:id="rId6"/>
+    <p:sldId id="260" r:id="rId7"/>
+    <p:sldId id="262" r:id="rId8"/>
+    <p:sldId id="261" r:id="rId9"/>
+    <p:sldId id="263" r:id="rId10"/>
+    <p:sldId id="264" r:id="rId11"/>
+    <p:sldId id="265" r:id="rId12"/>
+    <p:sldId id="266" r:id="rId13"/>
+    <p:sldId id="267" r:id="rId14"/>
+    <p:sldId id="268" r:id="rId15"/>
+    <p:sldId id="271" r:id="rId16"/>
+    <p:sldId id="269" r:id="rId17"/>
+    <p:sldId id="270" r:id="rId18"/>
+    <p:sldId id="272" r:id="rId19"/>
+    <p:sldId id="273" r:id="rId20"/>
+    <p:sldId id="274" r:id="rId21"/>
+    <p:sldId id="275" r:id="rId22"/>
+    <p:sldId id="276" r:id="rId23"/>
+    <p:sldId id="277" r:id="rId24"/>
+    <p:sldId id="278" r:id="rId25"/>
+    <p:sldId id="279" r:id="rId26"/>
+    <p:sldId id="280" r:id="rId27"/>
+    <p:sldId id="281" r:id="rId28"/>
+    <p:sldId id="282" r:id="rId29"/>
+    <p:sldId id="283" r:id="rId30"/>
+    <p:sldId id="284" r:id="rId31"/>
+    <p:sldId id="285" r:id="rId32"/>
   </p:sldIdLst>
   <p:sldSz cx="12192000" cy="6858000"/>
   <p:notesSz cx="6858000" cy="9144000"/>
@@ -133,7 +137,2435 @@
       </a:defRPr>
     </a:lvl9pPr>
   </p:defaultTextStyle>
+  <p:extLst>
+    <p:ext uri="{EFAFB233-063F-42B5-8137-9DF3F51BA10A}">
+      <p15:sldGuideLst xmlns:p15="http://schemas.microsoft.com/office/powerpoint/2012/main"/>
+    </p:ext>
+  </p:extLst>
 </p:presentation>
+</file>
+
+<file path=ppt/notesMasters/notesMaster1.xml><?xml version="1.0" encoding="utf-8"?>
+<p:notesMaster xmlns:a="http://schemas.openxmlformats.org/drawingml/2006/main" xmlns:r="http://schemas.openxmlformats.org/officeDocument/2006/relationships" xmlns:p="http://schemas.openxmlformats.org/presentationml/2006/main">
+  <p:cSld>
+    <p:bg>
+      <p:bgRef idx="1001">
+        <a:schemeClr val="bg1"/>
+      </p:bgRef>
+    </p:bg>
+    <p:spTree>
+      <p:nvGrpSpPr>
+        <p:cNvPr id="1" name=""/>
+        <p:cNvGrpSpPr/>
+        <p:nvPr/>
+      </p:nvGrpSpPr>
+      <p:grpSpPr>
+        <a:xfrm>
+          <a:off x="0" y="0"/>
+          <a:ext cx="0" cy="0"/>
+          <a:chOff x="0" y="0"/>
+          <a:chExt cx="0" cy="0"/>
+        </a:xfrm>
+      </p:grpSpPr>
+      <p:sp>
+        <p:nvSpPr>
+          <p:cNvPr id="2" name="Header Placeholder 1"/>
+          <p:cNvSpPr>
+            <a:spLocks noGrp="1"/>
+          </p:cNvSpPr>
+          <p:nvPr>
+            <p:ph type="hdr" sz="quarter"/>
+          </p:nvPr>
+        </p:nvSpPr>
+        <p:spPr>
+          <a:xfrm>
+            <a:off x="0" y="0"/>
+            <a:ext cx="2971800" cy="458788"/>
+          </a:xfrm>
+          <a:prstGeom prst="rect">
+            <a:avLst/>
+          </a:prstGeom>
+        </p:spPr>
+        <p:txBody>
+          <a:bodyPr vert="horz" lIns="91440" tIns="45720" rIns="91440" bIns="45720" rtlCol="0"/>
+          <a:lstStyle>
+            <a:lvl1pPr algn="l">
+              <a:defRPr sz="1200"/>
+            </a:lvl1pPr>
+          </a:lstStyle>
+          <a:p>
+            <a:endParaRPr lang="en-US"/>
+          </a:p>
+        </p:txBody>
+      </p:sp>
+      <p:sp>
+        <p:nvSpPr>
+          <p:cNvPr id="3" name="Date Placeholder 2"/>
+          <p:cNvSpPr>
+            <a:spLocks noGrp="1"/>
+          </p:cNvSpPr>
+          <p:nvPr>
+            <p:ph type="dt" idx="1"/>
+          </p:nvPr>
+        </p:nvSpPr>
+        <p:spPr>
+          <a:xfrm>
+            <a:off x="3884613" y="0"/>
+            <a:ext cx="2971800" cy="458788"/>
+          </a:xfrm>
+          <a:prstGeom prst="rect">
+            <a:avLst/>
+          </a:prstGeom>
+        </p:spPr>
+        <p:txBody>
+          <a:bodyPr vert="horz" lIns="91440" tIns="45720" rIns="91440" bIns="45720" rtlCol="0"/>
+          <a:lstStyle>
+            <a:lvl1pPr algn="r">
+              <a:defRPr sz="1200"/>
+            </a:lvl1pPr>
+          </a:lstStyle>
+          <a:p>
+            <a:fld id="{9D7D3B96-CAEB-4B0C-902E-343013B0447B}" type="datetimeFigureOut">
+              <a:rPr lang="en-US" smtClean="0"/>
+              <a:t>6/3/2016</a:t>
+            </a:fld>
+            <a:endParaRPr lang="en-US"/>
+          </a:p>
+        </p:txBody>
+      </p:sp>
+      <p:sp>
+        <p:nvSpPr>
+          <p:cNvPr id="4" name="Slide Image Placeholder 3"/>
+          <p:cNvSpPr>
+            <a:spLocks noGrp="1" noRot="1" noChangeAspect="1"/>
+          </p:cNvSpPr>
+          <p:nvPr>
+            <p:ph type="sldImg" idx="2"/>
+          </p:nvPr>
+        </p:nvSpPr>
+        <p:spPr>
+          <a:xfrm>
+            <a:off x="685800" y="1143000"/>
+            <a:ext cx="5486400" cy="3086100"/>
+          </a:xfrm>
+          <a:prstGeom prst="rect">
+            <a:avLst/>
+          </a:prstGeom>
+          <a:noFill/>
+          <a:ln w="12700">
+            <a:solidFill>
+              <a:prstClr val="black"/>
+            </a:solidFill>
+          </a:ln>
+        </p:spPr>
+        <p:txBody>
+          <a:bodyPr vert="horz" lIns="91440" tIns="45720" rIns="91440" bIns="45720" rtlCol="0" anchor="ctr"/>
+          <a:lstStyle/>
+          <a:p>
+            <a:endParaRPr lang="en-US"/>
+          </a:p>
+        </p:txBody>
+      </p:sp>
+      <p:sp>
+        <p:nvSpPr>
+          <p:cNvPr id="5" name="Notes Placeholder 4"/>
+          <p:cNvSpPr>
+            <a:spLocks noGrp="1"/>
+          </p:cNvSpPr>
+          <p:nvPr>
+            <p:ph type="body" sz="quarter" idx="3"/>
+          </p:nvPr>
+        </p:nvSpPr>
+        <p:spPr>
+          <a:xfrm>
+            <a:off x="685800" y="4400550"/>
+            <a:ext cx="5486400" cy="3600450"/>
+          </a:xfrm>
+          <a:prstGeom prst="rect">
+            <a:avLst/>
+          </a:prstGeom>
+        </p:spPr>
+        <p:txBody>
+          <a:bodyPr vert="horz" lIns="91440" tIns="45720" rIns="91440" bIns="45720" rtlCol="0"/>
+          <a:lstStyle/>
+          <a:p>
+            <a:pPr lvl="0"/>
+            <a:r>
+              <a:rPr lang="en-US" smtClean="0"/>
+              <a:t>Click to edit Master text styles</a:t>
+            </a:r>
+          </a:p>
+          <a:p>
+            <a:pPr lvl="1"/>
+            <a:r>
+              <a:rPr lang="en-US" smtClean="0"/>
+              <a:t>Second level</a:t>
+            </a:r>
+          </a:p>
+          <a:p>
+            <a:pPr lvl="2"/>
+            <a:r>
+              <a:rPr lang="en-US" smtClean="0"/>
+              <a:t>Third level</a:t>
+            </a:r>
+          </a:p>
+          <a:p>
+            <a:pPr lvl="3"/>
+            <a:r>
+              <a:rPr lang="en-US" smtClean="0"/>
+              <a:t>Fourth level</a:t>
+            </a:r>
+          </a:p>
+          <a:p>
+            <a:pPr lvl="4"/>
+            <a:r>
+              <a:rPr lang="en-US" smtClean="0"/>
+              <a:t>Fifth level</a:t>
+            </a:r>
+            <a:endParaRPr lang="en-US"/>
+          </a:p>
+        </p:txBody>
+      </p:sp>
+      <p:sp>
+        <p:nvSpPr>
+          <p:cNvPr id="6" name="Footer Placeholder 5"/>
+          <p:cNvSpPr>
+            <a:spLocks noGrp="1"/>
+          </p:cNvSpPr>
+          <p:nvPr>
+            <p:ph type="ftr" sz="quarter" idx="4"/>
+          </p:nvPr>
+        </p:nvSpPr>
+        <p:spPr>
+          <a:xfrm>
+            <a:off x="0" y="8685213"/>
+            <a:ext cx="2971800" cy="458787"/>
+          </a:xfrm>
+          <a:prstGeom prst="rect">
+            <a:avLst/>
+          </a:prstGeom>
+        </p:spPr>
+        <p:txBody>
+          <a:bodyPr vert="horz" lIns="91440" tIns="45720" rIns="91440" bIns="45720" rtlCol="0" anchor="b"/>
+          <a:lstStyle>
+            <a:lvl1pPr algn="l">
+              <a:defRPr sz="1200"/>
+            </a:lvl1pPr>
+          </a:lstStyle>
+          <a:p>
+            <a:endParaRPr lang="en-US"/>
+          </a:p>
+        </p:txBody>
+      </p:sp>
+      <p:sp>
+        <p:nvSpPr>
+          <p:cNvPr id="7" name="Slide Number Placeholder 6"/>
+          <p:cNvSpPr>
+            <a:spLocks noGrp="1"/>
+          </p:cNvSpPr>
+          <p:nvPr>
+            <p:ph type="sldNum" sz="quarter" idx="5"/>
+          </p:nvPr>
+        </p:nvSpPr>
+        <p:spPr>
+          <a:xfrm>
+            <a:off x="3884613" y="8685213"/>
+            <a:ext cx="2971800" cy="458787"/>
+          </a:xfrm>
+          <a:prstGeom prst="rect">
+            <a:avLst/>
+          </a:prstGeom>
+        </p:spPr>
+        <p:txBody>
+          <a:bodyPr vert="horz" lIns="91440" tIns="45720" rIns="91440" bIns="45720" rtlCol="0" anchor="b"/>
+          <a:lstStyle>
+            <a:lvl1pPr algn="r">
+              <a:defRPr sz="1200"/>
+            </a:lvl1pPr>
+          </a:lstStyle>
+          <a:p>
+            <a:fld id="{32CEBC0F-1E37-42BF-8B35-640F92451C0B}" type="slidenum">
+              <a:rPr lang="en-US" smtClean="0"/>
+              <a:t>‹#›</a:t>
+            </a:fld>
+            <a:endParaRPr lang="en-US"/>
+          </a:p>
+        </p:txBody>
+      </p:sp>
+    </p:spTree>
+    <p:extLst>
+      <p:ext uri="{BB962C8B-B14F-4D97-AF65-F5344CB8AC3E}">
+        <p14:creationId xmlns:p14="http://schemas.microsoft.com/office/powerpoint/2010/main" val="94459056"/>
+      </p:ext>
+    </p:extLst>
+  </p:cSld>
+  <p:clrMap bg1="lt1" tx1="dk1" bg2="lt2" tx2="dk2" accent1="accent1" accent2="accent2" accent3="accent3" accent4="accent4" accent5="accent5" accent6="accent6" hlink="hlink" folHlink="folHlink"/>
+  <p:notesStyle>
+    <a:lvl1pPr marL="0" algn="l" defTabSz="914400" rtl="0" eaLnBrk="1" latinLnBrk="0" hangingPunct="1">
+      <a:defRPr sz="1200" kern="1200">
+        <a:solidFill>
+          <a:schemeClr val="tx1"/>
+        </a:solidFill>
+        <a:latin typeface="+mn-lt"/>
+        <a:ea typeface="+mn-ea"/>
+        <a:cs typeface="+mn-cs"/>
+      </a:defRPr>
+    </a:lvl1pPr>
+    <a:lvl2pPr marL="457200" algn="l" defTabSz="914400" rtl="0" eaLnBrk="1" latinLnBrk="0" hangingPunct="1">
+      <a:defRPr sz="1200" kern="1200">
+        <a:solidFill>
+          <a:schemeClr val="tx1"/>
+        </a:solidFill>
+        <a:latin typeface="+mn-lt"/>
+        <a:ea typeface="+mn-ea"/>
+        <a:cs typeface="+mn-cs"/>
+      </a:defRPr>
+    </a:lvl2pPr>
+    <a:lvl3pPr marL="914400" algn="l" defTabSz="914400" rtl="0" eaLnBrk="1" latinLnBrk="0" hangingPunct="1">
+      <a:defRPr sz="1200" kern="1200">
+        <a:solidFill>
+          <a:schemeClr val="tx1"/>
+        </a:solidFill>
+        <a:latin typeface="+mn-lt"/>
+        <a:ea typeface="+mn-ea"/>
+        <a:cs typeface="+mn-cs"/>
+      </a:defRPr>
+    </a:lvl3pPr>
+    <a:lvl4pPr marL="1371600" algn="l" defTabSz="914400" rtl="0" eaLnBrk="1" latinLnBrk="0" hangingPunct="1">
+      <a:defRPr sz="1200" kern="1200">
+        <a:solidFill>
+          <a:schemeClr val="tx1"/>
+        </a:solidFill>
+        <a:latin typeface="+mn-lt"/>
+        <a:ea typeface="+mn-ea"/>
+        <a:cs typeface="+mn-cs"/>
+      </a:defRPr>
+    </a:lvl4pPr>
+    <a:lvl5pPr marL="1828800" algn="l" defTabSz="914400" rtl="0" eaLnBrk="1" latinLnBrk="0" hangingPunct="1">
+      <a:defRPr sz="1200" kern="1200">
+        <a:solidFill>
+          <a:schemeClr val="tx1"/>
+        </a:solidFill>
+        <a:latin typeface="+mn-lt"/>
+        <a:ea typeface="+mn-ea"/>
+        <a:cs typeface="+mn-cs"/>
+      </a:defRPr>
+    </a:lvl5pPr>
+    <a:lvl6pPr marL="2286000" algn="l" defTabSz="914400" rtl="0" eaLnBrk="1" latinLnBrk="0" hangingPunct="1">
+      <a:defRPr sz="1200" kern="1200">
+        <a:solidFill>
+          <a:schemeClr val="tx1"/>
+        </a:solidFill>
+        <a:latin typeface="+mn-lt"/>
+        <a:ea typeface="+mn-ea"/>
+        <a:cs typeface="+mn-cs"/>
+      </a:defRPr>
+    </a:lvl6pPr>
+    <a:lvl7pPr marL="2743200" algn="l" defTabSz="914400" rtl="0" eaLnBrk="1" latinLnBrk="0" hangingPunct="1">
+      <a:defRPr sz="1200" kern="1200">
+        <a:solidFill>
+          <a:schemeClr val="tx1"/>
+        </a:solidFill>
+        <a:latin typeface="+mn-lt"/>
+        <a:ea typeface="+mn-ea"/>
+        <a:cs typeface="+mn-cs"/>
+      </a:defRPr>
+    </a:lvl7pPr>
+    <a:lvl8pPr marL="3200400" algn="l" defTabSz="914400" rtl="0" eaLnBrk="1" latinLnBrk="0" hangingPunct="1">
+      <a:defRPr sz="1200" kern="1200">
+        <a:solidFill>
+          <a:schemeClr val="tx1"/>
+        </a:solidFill>
+        <a:latin typeface="+mn-lt"/>
+        <a:ea typeface="+mn-ea"/>
+        <a:cs typeface="+mn-cs"/>
+      </a:defRPr>
+    </a:lvl8pPr>
+    <a:lvl9pPr marL="3657600" algn="l" defTabSz="914400" rtl="0" eaLnBrk="1" latinLnBrk="0" hangingPunct="1">
+      <a:defRPr sz="1200" kern="1200">
+        <a:solidFill>
+          <a:schemeClr val="tx1"/>
+        </a:solidFill>
+        <a:latin typeface="+mn-lt"/>
+        <a:ea typeface="+mn-ea"/>
+        <a:cs typeface="+mn-cs"/>
+      </a:defRPr>
+    </a:lvl9pPr>
+  </p:notesStyle>
+</p:notesMaster>
+</file>
+
+<file path=ppt/notesSlides/notesSlide1.xml><?xml version="1.0" encoding="utf-8"?>
+<p:notes xmlns:a="http://schemas.openxmlformats.org/drawingml/2006/main" xmlns:r="http://schemas.openxmlformats.org/officeDocument/2006/relationships" xmlns:p="http://schemas.openxmlformats.org/presentationml/2006/main">
+  <p:cSld>
+    <p:spTree>
+      <p:nvGrpSpPr>
+        <p:cNvPr id="1" name=""/>
+        <p:cNvGrpSpPr/>
+        <p:nvPr/>
+      </p:nvGrpSpPr>
+      <p:grpSpPr>
+        <a:xfrm>
+          <a:off x="0" y="0"/>
+          <a:ext cx="0" cy="0"/>
+          <a:chOff x="0" y="0"/>
+          <a:chExt cx="0" cy="0"/>
+        </a:xfrm>
+      </p:grpSpPr>
+      <p:sp>
+        <p:nvSpPr>
+          <p:cNvPr id="2" name="Slide Image Placeholder 1"/>
+          <p:cNvSpPr>
+            <a:spLocks noGrp="1" noRot="1" noChangeAspect="1"/>
+          </p:cNvSpPr>
+          <p:nvPr>
+            <p:ph type="sldImg"/>
+          </p:nvPr>
+        </p:nvSpPr>
+        <p:spPr/>
+      </p:sp>
+      <p:sp>
+        <p:nvSpPr>
+          <p:cNvPr id="3" name="Notes Placeholder 2"/>
+          <p:cNvSpPr>
+            <a:spLocks noGrp="1"/>
+          </p:cNvSpPr>
+          <p:nvPr>
+            <p:ph type="body" idx="1"/>
+          </p:nvPr>
+        </p:nvSpPr>
+        <p:spPr/>
+        <p:txBody>
+          <a:bodyPr/>
+          <a:lstStyle/>
+          <a:p>
+            <a:r>
+              <a:rPr lang="en-US" dirty="0" smtClean="0"/>
+              <a:t>HSTS and HPKP are more </a:t>
+            </a:r>
+            <a:r>
+              <a:rPr lang="en-US" dirty="0" err="1" smtClean="0"/>
+              <a:t>devops</a:t>
+            </a:r>
+            <a:r>
+              <a:rPr lang="en-US" dirty="0" smtClean="0"/>
+              <a:t> than developer</a:t>
+            </a:r>
+            <a:r>
+              <a:rPr lang="en-US" baseline="0" dirty="0" smtClean="0"/>
+              <a:t> related.</a:t>
+            </a:r>
+            <a:endParaRPr lang="en-US" dirty="0"/>
+          </a:p>
+        </p:txBody>
+      </p:sp>
+      <p:sp>
+        <p:nvSpPr>
+          <p:cNvPr id="4" name="Slide Number Placeholder 3"/>
+          <p:cNvSpPr>
+            <a:spLocks noGrp="1"/>
+          </p:cNvSpPr>
+          <p:nvPr>
+            <p:ph type="sldNum" sz="quarter" idx="10"/>
+          </p:nvPr>
+        </p:nvSpPr>
+        <p:spPr/>
+        <p:txBody>
+          <a:bodyPr/>
+          <a:lstStyle/>
+          <a:p>
+            <a:fld id="{32CEBC0F-1E37-42BF-8B35-640F92451C0B}" type="slidenum">
+              <a:rPr lang="en-US" smtClean="0"/>
+              <a:t>3</a:t>
+            </a:fld>
+            <a:endParaRPr lang="en-US"/>
+          </a:p>
+        </p:txBody>
+      </p:sp>
+    </p:spTree>
+    <p:extLst>
+      <p:ext uri="{BB962C8B-B14F-4D97-AF65-F5344CB8AC3E}">
+        <p14:creationId xmlns:p14="http://schemas.microsoft.com/office/powerpoint/2010/main" val="2718815571"/>
+      </p:ext>
+    </p:extLst>
+  </p:cSld>
+  <p:clrMapOvr>
+    <a:masterClrMapping/>
+  </p:clrMapOvr>
+</p:notes>
+</file>
+
+<file path=ppt/notesSlides/notesSlide10.xml><?xml version="1.0" encoding="utf-8"?>
+<p:notes xmlns:a="http://schemas.openxmlformats.org/drawingml/2006/main" xmlns:r="http://schemas.openxmlformats.org/officeDocument/2006/relationships" xmlns:p="http://schemas.openxmlformats.org/presentationml/2006/main">
+  <p:cSld>
+    <p:spTree>
+      <p:nvGrpSpPr>
+        <p:cNvPr id="1" name=""/>
+        <p:cNvGrpSpPr/>
+        <p:nvPr/>
+      </p:nvGrpSpPr>
+      <p:grpSpPr>
+        <a:xfrm>
+          <a:off x="0" y="0"/>
+          <a:ext cx="0" cy="0"/>
+          <a:chOff x="0" y="0"/>
+          <a:chExt cx="0" cy="0"/>
+        </a:xfrm>
+      </p:grpSpPr>
+      <p:sp>
+        <p:nvSpPr>
+          <p:cNvPr id="2" name="Slide Image Placeholder 1"/>
+          <p:cNvSpPr>
+            <a:spLocks noGrp="1" noRot="1" noChangeAspect="1"/>
+          </p:cNvSpPr>
+          <p:nvPr>
+            <p:ph type="sldImg"/>
+          </p:nvPr>
+        </p:nvSpPr>
+        <p:spPr/>
+      </p:sp>
+      <p:sp>
+        <p:nvSpPr>
+          <p:cNvPr id="3" name="Notes Placeholder 2"/>
+          <p:cNvSpPr>
+            <a:spLocks noGrp="1"/>
+          </p:cNvSpPr>
+          <p:nvPr>
+            <p:ph type="body" idx="1"/>
+          </p:nvPr>
+        </p:nvSpPr>
+        <p:spPr/>
+        <p:txBody>
+          <a:bodyPr/>
+          <a:lstStyle/>
+          <a:p>
+            <a:r>
+              <a:rPr lang="en-US" dirty="0" smtClean="0"/>
+              <a:t>If you navigate</a:t>
+            </a:r>
+            <a:r>
+              <a:rPr lang="en-US" baseline="0" dirty="0" smtClean="0"/>
+              <a:t> to a website who would normally redirect you to HTTPS if you try to access it using HTTP, then a malicious network could serve you a copy of that site over HTTP instead and try to steal your information!</a:t>
+            </a:r>
+          </a:p>
+          <a:p>
+            <a:endParaRPr lang="en-US" baseline="0" dirty="0" smtClean="0"/>
+          </a:p>
+          <a:p>
+            <a:r>
+              <a:rPr lang="en-US" baseline="0" dirty="0" smtClean="0"/>
+              <a:t>HSTS allows you to tell the browser that you only support HTTPS, so the browser will remember that and do a local redirect instead. When preloading the HSTS policy, a browser will even perform that local redirect even if you’ve never visited that website before!</a:t>
+            </a:r>
+            <a:endParaRPr lang="en-US" dirty="0"/>
+          </a:p>
+        </p:txBody>
+      </p:sp>
+      <p:sp>
+        <p:nvSpPr>
+          <p:cNvPr id="4" name="Slide Number Placeholder 3"/>
+          <p:cNvSpPr>
+            <a:spLocks noGrp="1"/>
+          </p:cNvSpPr>
+          <p:nvPr>
+            <p:ph type="sldNum" sz="quarter" idx="10"/>
+          </p:nvPr>
+        </p:nvSpPr>
+        <p:spPr/>
+        <p:txBody>
+          <a:bodyPr/>
+          <a:lstStyle/>
+          <a:p>
+            <a:fld id="{32CEBC0F-1E37-42BF-8B35-640F92451C0B}" type="slidenum">
+              <a:rPr lang="en-US" smtClean="0"/>
+              <a:t>23</a:t>
+            </a:fld>
+            <a:endParaRPr lang="en-US"/>
+          </a:p>
+        </p:txBody>
+      </p:sp>
+    </p:spTree>
+    <p:extLst>
+      <p:ext uri="{BB962C8B-B14F-4D97-AF65-F5344CB8AC3E}">
+        <p14:creationId xmlns:p14="http://schemas.microsoft.com/office/powerpoint/2010/main" val="2199232995"/>
+      </p:ext>
+    </p:extLst>
+  </p:cSld>
+  <p:clrMapOvr>
+    <a:masterClrMapping/>
+  </p:clrMapOvr>
+</p:notes>
+</file>
+
+<file path=ppt/notesSlides/notesSlide11.xml><?xml version="1.0" encoding="utf-8"?>
+<p:notes xmlns:a="http://schemas.openxmlformats.org/drawingml/2006/main" xmlns:r="http://schemas.openxmlformats.org/officeDocument/2006/relationships" xmlns:p="http://schemas.openxmlformats.org/presentationml/2006/main">
+  <p:cSld>
+    <p:spTree>
+      <p:nvGrpSpPr>
+        <p:cNvPr id="1" name=""/>
+        <p:cNvGrpSpPr/>
+        <p:nvPr/>
+      </p:nvGrpSpPr>
+      <p:grpSpPr>
+        <a:xfrm>
+          <a:off x="0" y="0"/>
+          <a:ext cx="0" cy="0"/>
+          <a:chOff x="0" y="0"/>
+          <a:chExt cx="0" cy="0"/>
+        </a:xfrm>
+      </p:grpSpPr>
+      <p:sp>
+        <p:nvSpPr>
+          <p:cNvPr id="2" name="Slide Image Placeholder 1"/>
+          <p:cNvSpPr>
+            <a:spLocks noGrp="1" noRot="1" noChangeAspect="1"/>
+          </p:cNvSpPr>
+          <p:nvPr>
+            <p:ph type="sldImg"/>
+          </p:nvPr>
+        </p:nvSpPr>
+        <p:spPr/>
+      </p:sp>
+      <p:sp>
+        <p:nvSpPr>
+          <p:cNvPr id="3" name="Notes Placeholder 2"/>
+          <p:cNvSpPr>
+            <a:spLocks noGrp="1"/>
+          </p:cNvSpPr>
+          <p:nvPr>
+            <p:ph type="body" idx="1"/>
+          </p:nvPr>
+        </p:nvSpPr>
+        <p:spPr/>
+        <p:txBody>
+          <a:bodyPr/>
+          <a:lstStyle/>
+          <a:p>
+            <a:r>
+              <a:rPr lang="en-US" dirty="0" smtClean="0"/>
+              <a:t>Demo:</a:t>
+            </a:r>
+            <a:r>
+              <a:rPr lang="en-US" baseline="0" dirty="0" smtClean="0"/>
+              <a:t> add Strict-Transport-Security using </a:t>
+            </a:r>
+            <a:r>
+              <a:rPr lang="en-US" baseline="0" dirty="0" err="1" smtClean="0"/>
+              <a:t>NWebSec</a:t>
+            </a:r>
+            <a:r>
+              <a:rPr lang="en-US" baseline="0" dirty="0" smtClean="0"/>
+              <a:t> in the </a:t>
+            </a:r>
+            <a:r>
+              <a:rPr lang="en-US" baseline="0" dirty="0" err="1" smtClean="0"/>
+              <a:t>web.config</a:t>
+            </a:r>
+            <a:r>
+              <a:rPr lang="en-US" baseline="0" dirty="0" smtClean="0"/>
+              <a:t>, and explain the different parameters.</a:t>
+            </a:r>
+          </a:p>
+          <a:p>
+            <a:r>
+              <a:rPr lang="en-US" baseline="0" dirty="0" smtClean="0"/>
+              <a:t>Max-age: the lifetime of the policy in seconds (</a:t>
+            </a:r>
+            <a:r>
+              <a:rPr lang="en-US" baseline="0" dirty="0" err="1" smtClean="0"/>
+              <a:t>TimeSpan</a:t>
+            </a:r>
+            <a:r>
+              <a:rPr lang="en-US" baseline="0" dirty="0" smtClean="0"/>
+              <a:t> in </a:t>
+            </a:r>
+            <a:r>
+              <a:rPr lang="en-US" baseline="0" dirty="0" err="1" smtClean="0"/>
+              <a:t>NWebSec</a:t>
+            </a:r>
+            <a:r>
+              <a:rPr lang="en-US" baseline="0" dirty="0" smtClean="0"/>
+              <a:t>!)</a:t>
+            </a:r>
+          </a:p>
+          <a:p>
+            <a:r>
+              <a:rPr lang="en-US" baseline="0" dirty="0" smtClean="0"/>
+              <a:t>Preload: needs to be there if you want to add your site to the preload list (https://hstspreload.appspot.com) </a:t>
+            </a:r>
+          </a:p>
+          <a:p>
+            <a:r>
+              <a:rPr lang="en-US" baseline="0" dirty="0" err="1" smtClean="0"/>
+              <a:t>IncludeSubdomains</a:t>
+            </a:r>
+            <a:r>
+              <a:rPr lang="en-US" baseline="0" dirty="0" smtClean="0"/>
+              <a:t>: policy applies to all subdomains as well</a:t>
+            </a:r>
+          </a:p>
+          <a:p>
+            <a:endParaRPr lang="en-US" baseline="0" dirty="0" smtClean="0"/>
+          </a:p>
+          <a:p>
+            <a:r>
+              <a:rPr lang="en-US" baseline="0" dirty="0" err="1" smtClean="0"/>
+              <a:t>NWebSec</a:t>
+            </a:r>
+            <a:r>
+              <a:rPr lang="en-US" baseline="0" dirty="0" smtClean="0"/>
+              <a:t> adds more options for this policy:</a:t>
+            </a:r>
+          </a:p>
+          <a:p>
+            <a:r>
+              <a:rPr lang="en-US" dirty="0" err="1" smtClean="0"/>
+              <a:t>httpsOnly</a:t>
+            </a:r>
+            <a:r>
+              <a:rPr lang="en-US" dirty="0" smtClean="0"/>
+              <a:t>: defaults to true. If true, only</a:t>
+            </a:r>
+            <a:r>
+              <a:rPr lang="en-US" baseline="0" dirty="0" smtClean="0"/>
+              <a:t> sets the HSTS header when hitting your site using HTTPS</a:t>
+            </a:r>
+          </a:p>
+          <a:p>
+            <a:r>
+              <a:rPr lang="en-US" baseline="0" dirty="0" err="1" smtClean="0"/>
+              <a:t>upgradeInsecureRequests</a:t>
+            </a:r>
+            <a:r>
+              <a:rPr lang="en-US" baseline="0" dirty="0" smtClean="0"/>
+              <a:t>: sets the HSTS header only for user agents that support Upgrade-Insecure-Requests (https://docs.nwebsec.com/en/4.2/nwebsec/Upgrade-insecure-requests.html). This setting is incompatible with the preload setting.</a:t>
+            </a:r>
+            <a:endParaRPr lang="en-US" dirty="0"/>
+          </a:p>
+        </p:txBody>
+      </p:sp>
+      <p:sp>
+        <p:nvSpPr>
+          <p:cNvPr id="4" name="Slide Number Placeholder 3"/>
+          <p:cNvSpPr>
+            <a:spLocks noGrp="1"/>
+          </p:cNvSpPr>
+          <p:nvPr>
+            <p:ph type="sldNum" sz="quarter" idx="10"/>
+          </p:nvPr>
+        </p:nvSpPr>
+        <p:spPr/>
+        <p:txBody>
+          <a:bodyPr/>
+          <a:lstStyle/>
+          <a:p>
+            <a:fld id="{32CEBC0F-1E37-42BF-8B35-640F92451C0B}" type="slidenum">
+              <a:rPr lang="en-US" smtClean="0"/>
+              <a:t>24</a:t>
+            </a:fld>
+            <a:endParaRPr lang="en-US"/>
+          </a:p>
+        </p:txBody>
+      </p:sp>
+    </p:spTree>
+    <p:extLst>
+      <p:ext uri="{BB962C8B-B14F-4D97-AF65-F5344CB8AC3E}">
+        <p14:creationId xmlns:p14="http://schemas.microsoft.com/office/powerpoint/2010/main" val="3078578761"/>
+      </p:ext>
+    </p:extLst>
+  </p:cSld>
+  <p:clrMapOvr>
+    <a:masterClrMapping/>
+  </p:clrMapOvr>
+</p:notes>
+</file>
+
+<file path=ppt/notesSlides/notesSlide12.xml><?xml version="1.0" encoding="utf-8"?>
+<p:notes xmlns:a="http://schemas.openxmlformats.org/drawingml/2006/main" xmlns:r="http://schemas.openxmlformats.org/officeDocument/2006/relationships" xmlns:p="http://schemas.openxmlformats.org/presentationml/2006/main">
+  <p:cSld>
+    <p:spTree>
+      <p:nvGrpSpPr>
+        <p:cNvPr id="1" name=""/>
+        <p:cNvGrpSpPr/>
+        <p:nvPr/>
+      </p:nvGrpSpPr>
+      <p:grpSpPr>
+        <a:xfrm>
+          <a:off x="0" y="0"/>
+          <a:ext cx="0" cy="0"/>
+          <a:chOff x="0" y="0"/>
+          <a:chExt cx="0" cy="0"/>
+        </a:xfrm>
+      </p:grpSpPr>
+      <p:sp>
+        <p:nvSpPr>
+          <p:cNvPr id="2" name="Slide Image Placeholder 1"/>
+          <p:cNvSpPr>
+            <a:spLocks noGrp="1" noRot="1" noChangeAspect="1"/>
+          </p:cNvSpPr>
+          <p:nvPr>
+            <p:ph type="sldImg"/>
+          </p:nvPr>
+        </p:nvSpPr>
+        <p:spPr/>
+      </p:sp>
+      <p:sp>
+        <p:nvSpPr>
+          <p:cNvPr id="3" name="Notes Placeholder 2"/>
+          <p:cNvSpPr>
+            <a:spLocks noGrp="1"/>
+          </p:cNvSpPr>
+          <p:nvPr>
+            <p:ph type="body" idx="1"/>
+          </p:nvPr>
+        </p:nvSpPr>
+        <p:spPr/>
+        <p:txBody>
+          <a:bodyPr/>
+          <a:lstStyle/>
+          <a:p>
+            <a:r>
+              <a:rPr lang="en-US" dirty="0" smtClean="0"/>
+              <a:t>In chrome, using the net-internals link, you can add test sites to the HSTS preload list,</a:t>
+            </a:r>
+            <a:r>
+              <a:rPr lang="en-US" baseline="0" dirty="0" smtClean="0"/>
+              <a:t> and check the preload list if it contains certain domains.</a:t>
+            </a:r>
+            <a:endParaRPr lang="en-US" dirty="0"/>
+          </a:p>
+        </p:txBody>
+      </p:sp>
+      <p:sp>
+        <p:nvSpPr>
+          <p:cNvPr id="4" name="Slide Number Placeholder 3"/>
+          <p:cNvSpPr>
+            <a:spLocks noGrp="1"/>
+          </p:cNvSpPr>
+          <p:nvPr>
+            <p:ph type="sldNum" sz="quarter" idx="10"/>
+          </p:nvPr>
+        </p:nvSpPr>
+        <p:spPr/>
+        <p:txBody>
+          <a:bodyPr/>
+          <a:lstStyle/>
+          <a:p>
+            <a:fld id="{32CEBC0F-1E37-42BF-8B35-640F92451C0B}" type="slidenum">
+              <a:rPr lang="en-US" smtClean="0"/>
+              <a:t>25</a:t>
+            </a:fld>
+            <a:endParaRPr lang="en-US"/>
+          </a:p>
+        </p:txBody>
+      </p:sp>
+    </p:spTree>
+    <p:extLst>
+      <p:ext uri="{BB962C8B-B14F-4D97-AF65-F5344CB8AC3E}">
+        <p14:creationId xmlns:p14="http://schemas.microsoft.com/office/powerpoint/2010/main" val="2223966835"/>
+      </p:ext>
+    </p:extLst>
+  </p:cSld>
+  <p:clrMapOvr>
+    <a:masterClrMapping/>
+  </p:clrMapOvr>
+</p:notes>
+</file>
+
+<file path=ppt/notesSlides/notesSlide13.xml><?xml version="1.0" encoding="utf-8"?>
+<p:notes xmlns:a="http://schemas.openxmlformats.org/drawingml/2006/main" xmlns:r="http://schemas.openxmlformats.org/officeDocument/2006/relationships" xmlns:p="http://schemas.openxmlformats.org/presentationml/2006/main">
+  <p:cSld>
+    <p:spTree>
+      <p:nvGrpSpPr>
+        <p:cNvPr id="1" name=""/>
+        <p:cNvGrpSpPr/>
+        <p:nvPr/>
+      </p:nvGrpSpPr>
+      <p:grpSpPr>
+        <a:xfrm>
+          <a:off x="0" y="0"/>
+          <a:ext cx="0" cy="0"/>
+          <a:chOff x="0" y="0"/>
+          <a:chExt cx="0" cy="0"/>
+        </a:xfrm>
+      </p:grpSpPr>
+      <p:sp>
+        <p:nvSpPr>
+          <p:cNvPr id="2" name="Slide Image Placeholder 1"/>
+          <p:cNvSpPr>
+            <a:spLocks noGrp="1" noRot="1" noChangeAspect="1"/>
+          </p:cNvSpPr>
+          <p:nvPr>
+            <p:ph type="sldImg"/>
+          </p:nvPr>
+        </p:nvSpPr>
+        <p:spPr/>
+      </p:sp>
+      <p:sp>
+        <p:nvSpPr>
+          <p:cNvPr id="3" name="Notes Placeholder 2"/>
+          <p:cNvSpPr>
+            <a:spLocks noGrp="1"/>
+          </p:cNvSpPr>
+          <p:nvPr>
+            <p:ph type="body" idx="1"/>
+          </p:nvPr>
+        </p:nvSpPr>
+        <p:spPr/>
+        <p:txBody>
+          <a:bodyPr/>
+          <a:lstStyle/>
+          <a:p>
+            <a:r>
+              <a:rPr lang="en-US" dirty="0" smtClean="0"/>
+              <a:t>Each certificate</a:t>
+            </a:r>
+            <a:r>
+              <a:rPr lang="en-US" baseline="0" dirty="0" smtClean="0"/>
+              <a:t> has public information, like its name, or the domains for which it is valid. That information can be hashed into a pin. Using these pins, you can create a HPKP header. The easiest method is by using the HPKP generator tool over at https://report-uri.io/home/pkp_hash</a:t>
+            </a:r>
+          </a:p>
+          <a:p>
+            <a:endParaRPr lang="en-US" dirty="0"/>
+          </a:p>
+        </p:txBody>
+      </p:sp>
+      <p:sp>
+        <p:nvSpPr>
+          <p:cNvPr id="4" name="Slide Number Placeholder 3"/>
+          <p:cNvSpPr>
+            <a:spLocks noGrp="1"/>
+          </p:cNvSpPr>
+          <p:nvPr>
+            <p:ph type="sldNum" sz="quarter" idx="10"/>
+          </p:nvPr>
+        </p:nvSpPr>
+        <p:spPr/>
+        <p:txBody>
+          <a:bodyPr/>
+          <a:lstStyle/>
+          <a:p>
+            <a:fld id="{32CEBC0F-1E37-42BF-8B35-640F92451C0B}" type="slidenum">
+              <a:rPr lang="en-US" smtClean="0"/>
+              <a:t>27</a:t>
+            </a:fld>
+            <a:endParaRPr lang="en-US"/>
+          </a:p>
+        </p:txBody>
+      </p:sp>
+    </p:spTree>
+    <p:extLst>
+      <p:ext uri="{BB962C8B-B14F-4D97-AF65-F5344CB8AC3E}">
+        <p14:creationId xmlns:p14="http://schemas.microsoft.com/office/powerpoint/2010/main" val="1816917832"/>
+      </p:ext>
+    </p:extLst>
+  </p:cSld>
+  <p:clrMapOvr>
+    <a:masterClrMapping/>
+  </p:clrMapOvr>
+</p:notes>
+</file>
+
+<file path=ppt/notesSlides/notesSlide14.xml><?xml version="1.0" encoding="utf-8"?>
+<p:notes xmlns:a="http://schemas.openxmlformats.org/drawingml/2006/main" xmlns:r="http://schemas.openxmlformats.org/officeDocument/2006/relationships" xmlns:p="http://schemas.openxmlformats.org/presentationml/2006/main">
+  <p:cSld>
+    <p:spTree>
+      <p:nvGrpSpPr>
+        <p:cNvPr id="1" name=""/>
+        <p:cNvGrpSpPr/>
+        <p:nvPr/>
+      </p:nvGrpSpPr>
+      <p:grpSpPr>
+        <a:xfrm>
+          <a:off x="0" y="0"/>
+          <a:ext cx="0" cy="0"/>
+          <a:chOff x="0" y="0"/>
+          <a:chExt cx="0" cy="0"/>
+        </a:xfrm>
+      </p:grpSpPr>
+      <p:sp>
+        <p:nvSpPr>
+          <p:cNvPr id="2" name="Slide Image Placeholder 1"/>
+          <p:cNvSpPr>
+            <a:spLocks noGrp="1" noRot="1" noChangeAspect="1"/>
+          </p:cNvSpPr>
+          <p:nvPr>
+            <p:ph type="sldImg"/>
+          </p:nvPr>
+        </p:nvSpPr>
+        <p:spPr/>
+      </p:sp>
+      <p:sp>
+        <p:nvSpPr>
+          <p:cNvPr id="3" name="Notes Placeholder 2"/>
+          <p:cNvSpPr>
+            <a:spLocks noGrp="1"/>
+          </p:cNvSpPr>
+          <p:nvPr>
+            <p:ph type="body" idx="1"/>
+          </p:nvPr>
+        </p:nvSpPr>
+        <p:spPr/>
+        <p:txBody>
+          <a:bodyPr/>
+          <a:lstStyle/>
+          <a:p>
+            <a:r>
+              <a:rPr lang="en-US" dirty="0" smtClean="0"/>
+              <a:t>Demo:</a:t>
+            </a:r>
+            <a:r>
+              <a:rPr lang="en-US" baseline="0" dirty="0" smtClean="0"/>
+              <a:t> show the HPKP tool at report-</a:t>
+            </a:r>
+            <a:r>
+              <a:rPr lang="en-US" baseline="0" dirty="0" err="1" smtClean="0"/>
+              <a:t>uri</a:t>
+            </a:r>
+            <a:r>
+              <a:rPr lang="en-US" baseline="0" dirty="0" smtClean="0"/>
+              <a:t>, and how to add the header in </a:t>
+            </a:r>
+            <a:r>
+              <a:rPr lang="en-US" baseline="0" dirty="0" err="1" smtClean="0"/>
+              <a:t>NWebSec</a:t>
+            </a:r>
+            <a:r>
+              <a:rPr lang="en-US" baseline="0" dirty="0" smtClean="0"/>
+              <a:t>. Also, display the policy using the verification tool (https://report-uri.io/home/pkp_analyse). You can </a:t>
+            </a:r>
+            <a:r>
+              <a:rPr lang="en-US" baseline="0" dirty="0" err="1" smtClean="0"/>
+              <a:t>analyse</a:t>
+            </a:r>
+            <a:r>
+              <a:rPr lang="en-US" baseline="0" dirty="0" smtClean="0"/>
+              <a:t> the policy for “https://scotthelme.co.uk/” i.e.</a:t>
+            </a:r>
+          </a:p>
+          <a:p>
+            <a:endParaRPr lang="en-US" baseline="0" dirty="0" smtClean="0"/>
+          </a:p>
+          <a:p>
+            <a:r>
+              <a:rPr lang="en-US" baseline="0" dirty="0" smtClean="0"/>
+              <a:t>You need at least two pins, one that is valid for your domain and one that isn’t (this is a backup pin). This sounds weird, but the reason behind this, is that when your certificate (or its intermediaries/root) has been revoked, you can buy or get another certificate for one of the backup pins (which is a pin for another root/intermediary like </a:t>
+            </a:r>
+            <a:r>
+              <a:rPr lang="en-US" baseline="0" dirty="0" err="1" smtClean="0"/>
+              <a:t>GlobalSign</a:t>
+            </a:r>
+            <a:r>
+              <a:rPr lang="en-US" baseline="0" dirty="0" smtClean="0"/>
+              <a:t>, Verisign, …) and get your site back up and running.</a:t>
+            </a:r>
+            <a:endParaRPr lang="en-US" dirty="0"/>
+          </a:p>
+        </p:txBody>
+      </p:sp>
+      <p:sp>
+        <p:nvSpPr>
+          <p:cNvPr id="4" name="Slide Number Placeholder 3"/>
+          <p:cNvSpPr>
+            <a:spLocks noGrp="1"/>
+          </p:cNvSpPr>
+          <p:nvPr>
+            <p:ph type="sldNum" sz="quarter" idx="10"/>
+          </p:nvPr>
+        </p:nvSpPr>
+        <p:spPr/>
+        <p:txBody>
+          <a:bodyPr/>
+          <a:lstStyle/>
+          <a:p>
+            <a:fld id="{32CEBC0F-1E37-42BF-8B35-640F92451C0B}" type="slidenum">
+              <a:rPr lang="en-US" smtClean="0"/>
+              <a:t>28</a:t>
+            </a:fld>
+            <a:endParaRPr lang="en-US"/>
+          </a:p>
+        </p:txBody>
+      </p:sp>
+    </p:spTree>
+    <p:extLst>
+      <p:ext uri="{BB962C8B-B14F-4D97-AF65-F5344CB8AC3E}">
+        <p14:creationId xmlns:p14="http://schemas.microsoft.com/office/powerpoint/2010/main" val="2224387393"/>
+      </p:ext>
+    </p:extLst>
+  </p:cSld>
+  <p:clrMapOvr>
+    <a:masterClrMapping/>
+  </p:clrMapOvr>
+</p:notes>
+</file>
+
+<file path=ppt/notesSlides/notesSlide2.xml><?xml version="1.0" encoding="utf-8"?>
+<p:notes xmlns:a="http://schemas.openxmlformats.org/drawingml/2006/main" xmlns:r="http://schemas.openxmlformats.org/officeDocument/2006/relationships" xmlns:p="http://schemas.openxmlformats.org/presentationml/2006/main">
+  <p:cSld>
+    <p:spTree>
+      <p:nvGrpSpPr>
+        <p:cNvPr id="1" name=""/>
+        <p:cNvGrpSpPr/>
+        <p:nvPr/>
+      </p:nvGrpSpPr>
+      <p:grpSpPr>
+        <a:xfrm>
+          <a:off x="0" y="0"/>
+          <a:ext cx="0" cy="0"/>
+          <a:chOff x="0" y="0"/>
+          <a:chExt cx="0" cy="0"/>
+        </a:xfrm>
+      </p:grpSpPr>
+      <p:sp>
+        <p:nvSpPr>
+          <p:cNvPr id="2" name="Slide Image Placeholder 1"/>
+          <p:cNvSpPr>
+            <a:spLocks noGrp="1" noRot="1" noChangeAspect="1"/>
+          </p:cNvSpPr>
+          <p:nvPr>
+            <p:ph type="sldImg"/>
+          </p:nvPr>
+        </p:nvSpPr>
+        <p:spPr/>
+      </p:sp>
+      <p:sp>
+        <p:nvSpPr>
+          <p:cNvPr id="3" name="Notes Placeholder 2"/>
+          <p:cNvSpPr>
+            <a:spLocks noGrp="1"/>
+          </p:cNvSpPr>
+          <p:nvPr>
+            <p:ph type="body" idx="1"/>
+          </p:nvPr>
+        </p:nvSpPr>
+        <p:spPr/>
+        <p:txBody>
+          <a:bodyPr/>
+          <a:lstStyle/>
+          <a:p>
+            <a:r>
+              <a:rPr lang="en-US" dirty="0" smtClean="0"/>
+              <a:t>On the </a:t>
+            </a:r>
+            <a:r>
+              <a:rPr lang="en-US" dirty="0" err="1" smtClean="0"/>
+              <a:t>Securing.AspNet</a:t>
+            </a:r>
+            <a:r>
+              <a:rPr lang="en-US" baseline="0" dirty="0" smtClean="0"/>
+              <a:t> sit</a:t>
+            </a:r>
+            <a:r>
+              <a:rPr lang="en-US" dirty="0" smtClean="0"/>
+              <a:t>e, go to the Blog menu</a:t>
+            </a:r>
+            <a:r>
+              <a:rPr lang="en-US" baseline="0" dirty="0" smtClean="0"/>
+              <a:t> item and click on the title of the post. Using the “Leave comment” button, you can add comments and use HTML markup in the comment field. But this also allows &lt;script&gt; tags!</a:t>
+            </a:r>
+          </a:p>
+          <a:p>
+            <a:r>
+              <a:rPr lang="en-US" baseline="0" dirty="0" smtClean="0"/>
+              <a:t>We’re allowing HTML using the [</a:t>
+            </a:r>
+            <a:r>
+              <a:rPr lang="en-US" baseline="0" dirty="0" err="1" smtClean="0"/>
+              <a:t>AllowHtml</a:t>
+            </a:r>
+            <a:r>
+              <a:rPr lang="en-US" baseline="0" dirty="0" smtClean="0"/>
+              <a:t>] attribute in the </a:t>
+            </a:r>
+            <a:r>
+              <a:rPr lang="en-US" baseline="0" dirty="0" err="1" smtClean="0"/>
+              <a:t>AddCommentModel</a:t>
+            </a:r>
+            <a:r>
+              <a:rPr lang="en-US" baseline="0" dirty="0" smtClean="0"/>
+              <a:t> class on the Comments property, so the visitor can leave comments with some markup in it, but we don’t want to allow scripts in there of course. To prevent that, we can sanitize the data in the appropriate </a:t>
+            </a:r>
+            <a:r>
+              <a:rPr lang="en-US" baseline="0" dirty="0" err="1" smtClean="0"/>
+              <a:t>BlogController</a:t>
+            </a:r>
+            <a:r>
+              <a:rPr lang="en-US" baseline="0" dirty="0" smtClean="0"/>
+              <a:t> action method by using the </a:t>
+            </a:r>
+            <a:r>
+              <a:rPr lang="en-US" baseline="0" dirty="0" err="1" smtClean="0"/>
+              <a:t>HtmlSanitizer</a:t>
+            </a:r>
+            <a:r>
+              <a:rPr lang="en-US" baseline="0" dirty="0" smtClean="0"/>
+              <a:t> </a:t>
+            </a:r>
+            <a:r>
+              <a:rPr lang="en-US" baseline="0" dirty="0" err="1" smtClean="0"/>
+              <a:t>NuGet</a:t>
+            </a:r>
+            <a:r>
+              <a:rPr lang="en-US" baseline="0" dirty="0" smtClean="0"/>
+              <a:t> package.</a:t>
+            </a:r>
+          </a:p>
+          <a:p>
+            <a:endParaRPr lang="en-US" baseline="0" dirty="0" smtClean="0"/>
+          </a:p>
+          <a:p>
+            <a:r>
+              <a:rPr lang="en-US" baseline="0" dirty="0" smtClean="0"/>
+              <a:t>Another method to allow HTML is to use the [</a:t>
+            </a:r>
+            <a:r>
+              <a:rPr lang="en-US" baseline="0" dirty="0" err="1" smtClean="0"/>
+              <a:t>ValidateInput</a:t>
+            </a:r>
+            <a:r>
+              <a:rPr lang="en-US" baseline="0" dirty="0" smtClean="0"/>
+              <a:t>] attribute on action/controller/global level with a parameter (false), but this would allow HTML in *all* fields, so I strongly advise against it.</a:t>
+            </a:r>
+            <a:endParaRPr lang="en-US" dirty="0"/>
+          </a:p>
+        </p:txBody>
+      </p:sp>
+      <p:sp>
+        <p:nvSpPr>
+          <p:cNvPr id="4" name="Slide Number Placeholder 3"/>
+          <p:cNvSpPr>
+            <a:spLocks noGrp="1"/>
+          </p:cNvSpPr>
+          <p:nvPr>
+            <p:ph type="sldNum" sz="quarter" idx="10"/>
+          </p:nvPr>
+        </p:nvSpPr>
+        <p:spPr/>
+        <p:txBody>
+          <a:bodyPr/>
+          <a:lstStyle/>
+          <a:p>
+            <a:fld id="{32CEBC0F-1E37-42BF-8B35-640F92451C0B}" type="slidenum">
+              <a:rPr lang="en-US" smtClean="0"/>
+              <a:t>7</a:t>
+            </a:fld>
+            <a:endParaRPr lang="en-US"/>
+          </a:p>
+        </p:txBody>
+      </p:sp>
+    </p:spTree>
+    <p:extLst>
+      <p:ext uri="{BB962C8B-B14F-4D97-AF65-F5344CB8AC3E}">
+        <p14:creationId xmlns:p14="http://schemas.microsoft.com/office/powerpoint/2010/main" val="2245031866"/>
+      </p:ext>
+    </p:extLst>
+  </p:cSld>
+  <p:clrMapOvr>
+    <a:masterClrMapping/>
+  </p:clrMapOvr>
+</p:notes>
+</file>
+
+<file path=ppt/notesSlides/notesSlide3.xml><?xml version="1.0" encoding="utf-8"?>
+<p:notes xmlns:a="http://schemas.openxmlformats.org/drawingml/2006/main" xmlns:r="http://schemas.openxmlformats.org/officeDocument/2006/relationships" xmlns:p="http://schemas.openxmlformats.org/presentationml/2006/main">
+  <p:cSld>
+    <p:spTree>
+      <p:nvGrpSpPr>
+        <p:cNvPr id="1" name=""/>
+        <p:cNvGrpSpPr/>
+        <p:nvPr/>
+      </p:nvGrpSpPr>
+      <p:grpSpPr>
+        <a:xfrm>
+          <a:off x="0" y="0"/>
+          <a:ext cx="0" cy="0"/>
+          <a:chOff x="0" y="0"/>
+          <a:chExt cx="0" cy="0"/>
+        </a:xfrm>
+      </p:grpSpPr>
+      <p:sp>
+        <p:nvSpPr>
+          <p:cNvPr id="2" name="Slide Image Placeholder 1"/>
+          <p:cNvSpPr>
+            <a:spLocks noGrp="1" noRot="1" noChangeAspect="1"/>
+          </p:cNvSpPr>
+          <p:nvPr>
+            <p:ph type="sldImg"/>
+          </p:nvPr>
+        </p:nvSpPr>
+        <p:spPr/>
+      </p:sp>
+      <p:sp>
+        <p:nvSpPr>
+          <p:cNvPr id="3" name="Notes Placeholder 2"/>
+          <p:cNvSpPr>
+            <a:spLocks noGrp="1"/>
+          </p:cNvSpPr>
+          <p:nvPr>
+            <p:ph type="body" idx="1"/>
+          </p:nvPr>
+        </p:nvSpPr>
+        <p:spPr/>
+        <p:txBody>
+          <a:bodyPr/>
+          <a:lstStyle/>
+          <a:p>
+            <a:r>
+              <a:rPr lang="en-US" dirty="0" smtClean="0"/>
+              <a:t>CSRF in MVC works by setting</a:t>
+            </a:r>
+            <a:r>
+              <a:rPr lang="en-US" baseline="0" dirty="0" smtClean="0"/>
+              <a:t> a cookie and adding a hidden form field, both named “__</a:t>
+            </a:r>
+            <a:r>
+              <a:rPr lang="en-US" baseline="0" dirty="0" err="1" smtClean="0"/>
+              <a:t>RequestVerificationToken</a:t>
+            </a:r>
+            <a:r>
+              <a:rPr lang="en-US" baseline="0" dirty="0" smtClean="0"/>
+              <a:t>” by default. The cookie and the form field contain different hashed values, that somehow belong together: the wrong form field value combined with the wrong cookie won’t work. Having only one of both also won’t work.</a:t>
+            </a:r>
+          </a:p>
+          <a:p>
+            <a:endParaRPr lang="en-US" baseline="0" dirty="0" smtClean="0"/>
+          </a:p>
+          <a:p>
+            <a:pPr marL="0" marR="0" indent="0" algn="l" defTabSz="914400" rtl="0" eaLnBrk="1" fontAlgn="auto" latinLnBrk="0" hangingPunct="1">
+              <a:lnSpc>
+                <a:spcPct val="100000"/>
+              </a:lnSpc>
+              <a:spcBef>
+                <a:spcPts val="0"/>
+              </a:spcBef>
+              <a:spcAft>
+                <a:spcPts val="0"/>
+              </a:spcAft>
+              <a:buClrTx/>
+              <a:buSzTx/>
+              <a:buFontTx/>
+              <a:buNone/>
+              <a:tabLst/>
+              <a:defRPr/>
+            </a:pPr>
+            <a:r>
+              <a:rPr lang="en-US" baseline="0" dirty="0" smtClean="0"/>
+              <a:t>The cookie contains a “session” token, so all generated CSRF tokens will belong to your browser session. The form field is derived from that session token and will also contain your user ID when logged on, based on the </a:t>
+            </a:r>
+            <a:r>
+              <a:rPr lang="en-US" baseline="0" dirty="0" err="1" smtClean="0"/>
+              <a:t>AntiForgeryConfig.UniqueClaimTypeIdentifier</a:t>
+            </a:r>
+            <a:r>
+              <a:rPr lang="en-US" baseline="0" dirty="0" smtClean="0"/>
+              <a:t>. For ASP.NET Identity (or the older Forms Authentication), that claim will be </a:t>
+            </a:r>
+            <a:r>
+              <a:rPr lang="en-US" sz="1200" b="0" i="0" kern="1200" dirty="0" smtClean="0">
+                <a:solidFill>
+                  <a:schemeClr val="tx1"/>
+                </a:solidFill>
+                <a:effectLst/>
+                <a:latin typeface="+mn-lt"/>
+                <a:ea typeface="+mn-ea"/>
+                <a:cs typeface="+mn-cs"/>
+              </a:rPr>
+              <a:t>http://schemas.xmlsoap.org/ws/2005/05/identity/claims/nameidentifier</a:t>
+            </a:r>
+            <a:r>
+              <a:rPr lang="en-US" sz="1200" b="0" i="0" kern="1200" baseline="0" dirty="0" smtClean="0">
+                <a:solidFill>
+                  <a:schemeClr val="tx1"/>
+                </a:solidFill>
+                <a:effectLst/>
+                <a:latin typeface="+mn-lt"/>
+                <a:ea typeface="+mn-ea"/>
+                <a:cs typeface="+mn-cs"/>
+              </a:rPr>
+              <a:t> which works out of the box. If you’re using a third-party authentication layer, like </a:t>
+            </a:r>
+            <a:r>
+              <a:rPr lang="en-US" sz="1200" b="0" i="0" kern="1200" baseline="0" dirty="0" err="1" smtClean="0">
+                <a:solidFill>
+                  <a:schemeClr val="tx1"/>
+                </a:solidFill>
+                <a:effectLst/>
+                <a:latin typeface="+mn-lt"/>
+                <a:ea typeface="+mn-ea"/>
+                <a:cs typeface="+mn-cs"/>
+              </a:rPr>
+              <a:t>IdentityServer</a:t>
+            </a:r>
+            <a:r>
+              <a:rPr lang="en-US" sz="1200" b="0" i="0" kern="1200" baseline="0" dirty="0" smtClean="0">
+                <a:solidFill>
+                  <a:schemeClr val="tx1"/>
+                </a:solidFill>
+                <a:effectLst/>
+                <a:latin typeface="+mn-lt"/>
+                <a:ea typeface="+mn-ea"/>
+                <a:cs typeface="+mn-cs"/>
+              </a:rPr>
+              <a:t> or Auth0, make sure that you set the correct claim!</a:t>
+            </a:r>
+            <a:endParaRPr lang="en-US" sz="1200" b="0" i="0" kern="1200" dirty="0" smtClean="0">
+              <a:solidFill>
+                <a:schemeClr val="tx1"/>
+              </a:solidFill>
+              <a:effectLst/>
+              <a:latin typeface="+mn-lt"/>
+              <a:ea typeface="+mn-ea"/>
+              <a:cs typeface="+mn-cs"/>
+            </a:endParaRPr>
+          </a:p>
+        </p:txBody>
+      </p:sp>
+      <p:sp>
+        <p:nvSpPr>
+          <p:cNvPr id="4" name="Slide Number Placeholder 3"/>
+          <p:cNvSpPr>
+            <a:spLocks noGrp="1"/>
+          </p:cNvSpPr>
+          <p:nvPr>
+            <p:ph type="sldNum" sz="quarter" idx="10"/>
+          </p:nvPr>
+        </p:nvSpPr>
+        <p:spPr/>
+        <p:txBody>
+          <a:bodyPr/>
+          <a:lstStyle/>
+          <a:p>
+            <a:fld id="{32CEBC0F-1E37-42BF-8B35-640F92451C0B}" type="slidenum">
+              <a:rPr lang="en-US" smtClean="0"/>
+              <a:t>10</a:t>
+            </a:fld>
+            <a:endParaRPr lang="en-US"/>
+          </a:p>
+        </p:txBody>
+      </p:sp>
+    </p:spTree>
+    <p:extLst>
+      <p:ext uri="{BB962C8B-B14F-4D97-AF65-F5344CB8AC3E}">
+        <p14:creationId xmlns:p14="http://schemas.microsoft.com/office/powerpoint/2010/main" val="3738997318"/>
+      </p:ext>
+    </p:extLst>
+  </p:cSld>
+  <p:clrMapOvr>
+    <a:masterClrMapping/>
+  </p:clrMapOvr>
+</p:notes>
+</file>
+
+<file path=ppt/notesSlides/notesSlide4.xml><?xml version="1.0" encoding="utf-8"?>
+<p:notes xmlns:a="http://schemas.openxmlformats.org/drawingml/2006/main" xmlns:r="http://schemas.openxmlformats.org/officeDocument/2006/relationships" xmlns:p="http://schemas.openxmlformats.org/presentationml/2006/main">
+  <p:cSld>
+    <p:spTree>
+      <p:nvGrpSpPr>
+        <p:cNvPr id="1" name=""/>
+        <p:cNvGrpSpPr/>
+        <p:nvPr/>
+      </p:nvGrpSpPr>
+      <p:grpSpPr>
+        <a:xfrm>
+          <a:off x="0" y="0"/>
+          <a:ext cx="0" cy="0"/>
+          <a:chOff x="0" y="0"/>
+          <a:chExt cx="0" cy="0"/>
+        </a:xfrm>
+      </p:grpSpPr>
+      <p:sp>
+        <p:nvSpPr>
+          <p:cNvPr id="2" name="Slide Image Placeholder 1"/>
+          <p:cNvSpPr>
+            <a:spLocks noGrp="1" noRot="1" noChangeAspect="1"/>
+          </p:cNvSpPr>
+          <p:nvPr>
+            <p:ph type="sldImg"/>
+          </p:nvPr>
+        </p:nvSpPr>
+        <p:spPr/>
+      </p:sp>
+      <p:sp>
+        <p:nvSpPr>
+          <p:cNvPr id="3" name="Notes Placeholder 2"/>
+          <p:cNvSpPr>
+            <a:spLocks noGrp="1"/>
+          </p:cNvSpPr>
+          <p:nvPr>
+            <p:ph type="body" idx="1"/>
+          </p:nvPr>
+        </p:nvSpPr>
+        <p:spPr/>
+        <p:txBody>
+          <a:bodyPr/>
+          <a:lstStyle/>
+          <a:p>
+            <a:r>
+              <a:rPr lang="en-US" dirty="0" smtClean="0"/>
+              <a:t>If you create</a:t>
+            </a:r>
+            <a:r>
+              <a:rPr lang="en-US" baseline="0" dirty="0" smtClean="0"/>
+              <a:t> a user, use “password1” (without the double quotes) as password. Next, log on to the </a:t>
+            </a:r>
+            <a:r>
+              <a:rPr lang="en-US" baseline="0" dirty="0" err="1" smtClean="0"/>
+              <a:t>Securing.AspNet</a:t>
+            </a:r>
+            <a:r>
+              <a:rPr lang="en-US" baseline="0" dirty="0" smtClean="0"/>
+              <a:t> website using that user/password combination and then open a new tab and head over to the </a:t>
+            </a:r>
+            <a:r>
+              <a:rPr lang="en-US" baseline="0" dirty="0" err="1" smtClean="0"/>
+              <a:t>Breaking.AspNet</a:t>
+            </a:r>
+            <a:r>
+              <a:rPr lang="en-US" baseline="0" dirty="0" smtClean="0"/>
+              <a:t> site. Try out the CSRF demo by clicking on the malicious ad. That ad abuses CSRF to change your password from “password1” into “h4ck3d”.</a:t>
+            </a:r>
+          </a:p>
+          <a:p>
+            <a:endParaRPr lang="en-US" baseline="0" dirty="0" smtClean="0"/>
+          </a:p>
+          <a:p>
+            <a:r>
+              <a:rPr lang="en-US" baseline="0" dirty="0" smtClean="0"/>
+              <a:t>This works because there is a </a:t>
+            </a:r>
+            <a:r>
+              <a:rPr lang="en-US" baseline="0" dirty="0" err="1" smtClean="0"/>
+              <a:t>VulnerableManageController</a:t>
+            </a:r>
+            <a:r>
+              <a:rPr lang="en-US" baseline="0" dirty="0" smtClean="0"/>
+              <a:t> which doesn’t implement the [</a:t>
+            </a:r>
+            <a:r>
+              <a:rPr lang="en-US" baseline="0" dirty="0" err="1" smtClean="0"/>
+              <a:t>ValidateAntiForgeryToken</a:t>
+            </a:r>
+            <a:r>
+              <a:rPr lang="en-US" baseline="0" dirty="0" smtClean="0"/>
+              <a:t>] attribute, so if you add that attribute to the post action and add @</a:t>
+            </a:r>
+            <a:r>
+              <a:rPr lang="en-US" baseline="0" dirty="0" err="1" smtClean="0"/>
+              <a:t>Html.AntiForgeryToken</a:t>
+            </a:r>
+            <a:r>
+              <a:rPr lang="en-US" baseline="0" dirty="0" smtClean="0"/>
+              <a:t>() in the </a:t>
+            </a:r>
+            <a:r>
+              <a:rPr lang="en-US" baseline="0" dirty="0" err="1" smtClean="0"/>
+              <a:t>ChangePassword</a:t>
+            </a:r>
+            <a:r>
+              <a:rPr lang="en-US" baseline="0" dirty="0" smtClean="0"/>
+              <a:t> view, that attack is now mitigated.</a:t>
+            </a:r>
+          </a:p>
+          <a:p>
+            <a:endParaRPr lang="en-US" baseline="0" dirty="0" smtClean="0"/>
+          </a:p>
+          <a:p>
+            <a:r>
+              <a:rPr lang="en-US" baseline="0" dirty="0" smtClean="0"/>
+              <a:t>And this works in MVC out of the box. But what about protection when posting using an </a:t>
+            </a:r>
+            <a:r>
+              <a:rPr lang="en-US" baseline="0" dirty="0" err="1" smtClean="0"/>
+              <a:t>XMLHttpRequest</a:t>
+            </a:r>
+            <a:r>
+              <a:rPr lang="en-US" baseline="0" dirty="0" smtClean="0"/>
+              <a:t>? You’ll need to create a custom implementation of the </a:t>
+            </a:r>
+            <a:r>
+              <a:rPr lang="en-US" baseline="0" dirty="0" err="1" smtClean="0"/>
+              <a:t>ValidateAntiForgeryTokenAttribute</a:t>
+            </a:r>
+            <a:r>
+              <a:rPr lang="en-US" baseline="0" dirty="0" smtClean="0"/>
+              <a:t> because you won’t have the hidden &lt;input&gt; field with the anti forgery token in it.</a:t>
+            </a:r>
+          </a:p>
+          <a:p>
+            <a:endParaRPr lang="en-US" baseline="0" dirty="0" smtClean="0"/>
+          </a:p>
+          <a:p>
+            <a:r>
+              <a:rPr lang="en-US" baseline="0" dirty="0" smtClean="0"/>
+              <a:t>I’ve created two custom filters, </a:t>
+            </a:r>
+            <a:r>
+              <a:rPr lang="en-US" baseline="0" dirty="0" err="1" smtClean="0"/>
+              <a:t>ValidateAjaxAntiForgeryTokenAttribute</a:t>
+            </a:r>
+            <a:r>
+              <a:rPr lang="en-US" baseline="0" dirty="0" smtClean="0"/>
+              <a:t> and </a:t>
+            </a:r>
+            <a:r>
+              <a:rPr lang="en-US" baseline="0" dirty="0" err="1" smtClean="0"/>
+              <a:t>ValidateApiAntiForgeryTokenAttribute</a:t>
+            </a:r>
+            <a:r>
+              <a:rPr lang="en-US" baseline="0" dirty="0" smtClean="0"/>
+              <a:t>, which both use a custom header, X-CSRF-Token, which contains the CSRF token to make the validation work. The Ajax version only reads the &lt;input&gt; field and expects a cookie to be sent, which only works when the </a:t>
+            </a:r>
+            <a:r>
+              <a:rPr lang="en-US" baseline="0" dirty="0" err="1" smtClean="0"/>
+              <a:t>XMLHttpRequest</a:t>
+            </a:r>
+            <a:r>
+              <a:rPr lang="en-US" baseline="0" dirty="0" smtClean="0"/>
+              <a:t> is being sent from within the same domain. The API version reads both tokens, separated with a colon (:), to allow cross-origin </a:t>
+            </a:r>
+            <a:r>
+              <a:rPr lang="en-US" baseline="0" dirty="0" err="1" smtClean="0"/>
+              <a:t>XMLHttpRequests</a:t>
+            </a:r>
+            <a:r>
+              <a:rPr lang="en-US" baseline="0" dirty="0" smtClean="0"/>
+              <a:t>.</a:t>
+            </a:r>
+          </a:p>
+          <a:p>
+            <a:endParaRPr lang="en-US" baseline="0" dirty="0" smtClean="0"/>
+          </a:p>
+          <a:p>
+            <a:r>
+              <a:rPr lang="en-US" baseline="0" dirty="0" smtClean="0"/>
+              <a:t>If you navigate to the Home/Index action, you’ll see three forms you can call. The first one is a simple form POST, the second one uses Ajax and the third one goes to the API.</a:t>
+            </a:r>
+            <a:endParaRPr lang="en-US" dirty="0"/>
+          </a:p>
+        </p:txBody>
+      </p:sp>
+      <p:sp>
+        <p:nvSpPr>
+          <p:cNvPr id="4" name="Slide Number Placeholder 3"/>
+          <p:cNvSpPr>
+            <a:spLocks noGrp="1"/>
+          </p:cNvSpPr>
+          <p:nvPr>
+            <p:ph type="sldNum" sz="quarter" idx="10"/>
+          </p:nvPr>
+        </p:nvSpPr>
+        <p:spPr/>
+        <p:txBody>
+          <a:bodyPr/>
+          <a:lstStyle/>
+          <a:p>
+            <a:fld id="{32CEBC0F-1E37-42BF-8B35-640F92451C0B}" type="slidenum">
+              <a:rPr lang="en-US" smtClean="0"/>
+              <a:t>11</a:t>
+            </a:fld>
+            <a:endParaRPr lang="en-US"/>
+          </a:p>
+        </p:txBody>
+      </p:sp>
+    </p:spTree>
+    <p:extLst>
+      <p:ext uri="{BB962C8B-B14F-4D97-AF65-F5344CB8AC3E}">
+        <p14:creationId xmlns:p14="http://schemas.microsoft.com/office/powerpoint/2010/main" val="270459457"/>
+      </p:ext>
+    </p:extLst>
+  </p:cSld>
+  <p:clrMapOvr>
+    <a:masterClrMapping/>
+  </p:clrMapOvr>
+</p:notes>
+</file>
+
+<file path=ppt/notesSlides/notesSlide5.xml><?xml version="1.0" encoding="utf-8"?>
+<p:notes xmlns:a="http://schemas.openxmlformats.org/drawingml/2006/main" xmlns:r="http://schemas.openxmlformats.org/officeDocument/2006/relationships" xmlns:p="http://schemas.openxmlformats.org/presentationml/2006/main">
+  <p:cSld>
+    <p:spTree>
+      <p:nvGrpSpPr>
+        <p:cNvPr id="1" name=""/>
+        <p:cNvGrpSpPr/>
+        <p:nvPr/>
+      </p:nvGrpSpPr>
+      <p:grpSpPr>
+        <a:xfrm>
+          <a:off x="0" y="0"/>
+          <a:ext cx="0" cy="0"/>
+          <a:chOff x="0" y="0"/>
+          <a:chExt cx="0" cy="0"/>
+        </a:xfrm>
+      </p:grpSpPr>
+      <p:sp>
+        <p:nvSpPr>
+          <p:cNvPr id="2" name="Slide Image Placeholder 1"/>
+          <p:cNvSpPr>
+            <a:spLocks noGrp="1" noRot="1" noChangeAspect="1"/>
+          </p:cNvSpPr>
+          <p:nvPr>
+            <p:ph type="sldImg"/>
+          </p:nvPr>
+        </p:nvSpPr>
+        <p:spPr/>
+      </p:sp>
+      <p:sp>
+        <p:nvSpPr>
+          <p:cNvPr id="3" name="Notes Placeholder 2"/>
+          <p:cNvSpPr>
+            <a:spLocks noGrp="1"/>
+          </p:cNvSpPr>
+          <p:nvPr>
+            <p:ph type="body" idx="1"/>
+          </p:nvPr>
+        </p:nvSpPr>
+        <p:spPr/>
+        <p:txBody>
+          <a:bodyPr/>
+          <a:lstStyle/>
+          <a:p>
+            <a:endParaRPr lang="en-US" dirty="0"/>
+          </a:p>
+        </p:txBody>
+      </p:sp>
+      <p:sp>
+        <p:nvSpPr>
+          <p:cNvPr id="4" name="Slide Number Placeholder 3"/>
+          <p:cNvSpPr>
+            <a:spLocks noGrp="1"/>
+          </p:cNvSpPr>
+          <p:nvPr>
+            <p:ph type="sldNum" sz="quarter" idx="10"/>
+          </p:nvPr>
+        </p:nvSpPr>
+        <p:spPr/>
+        <p:txBody>
+          <a:bodyPr/>
+          <a:lstStyle/>
+          <a:p>
+            <a:fld id="{32CEBC0F-1E37-42BF-8B35-640F92451C0B}" type="slidenum">
+              <a:rPr lang="en-US" smtClean="0"/>
+              <a:t>12</a:t>
+            </a:fld>
+            <a:endParaRPr lang="en-US"/>
+          </a:p>
+        </p:txBody>
+      </p:sp>
+    </p:spTree>
+    <p:extLst>
+      <p:ext uri="{BB962C8B-B14F-4D97-AF65-F5344CB8AC3E}">
+        <p14:creationId xmlns:p14="http://schemas.microsoft.com/office/powerpoint/2010/main" val="4002315056"/>
+      </p:ext>
+    </p:extLst>
+  </p:cSld>
+  <p:clrMapOvr>
+    <a:masterClrMapping/>
+  </p:clrMapOvr>
+</p:notes>
+</file>
+
+<file path=ppt/notesSlides/notesSlide6.xml><?xml version="1.0" encoding="utf-8"?>
+<p:notes xmlns:a="http://schemas.openxmlformats.org/drawingml/2006/main" xmlns:r="http://schemas.openxmlformats.org/officeDocument/2006/relationships" xmlns:p="http://schemas.openxmlformats.org/presentationml/2006/main">
+  <p:cSld>
+    <p:spTree>
+      <p:nvGrpSpPr>
+        <p:cNvPr id="1" name=""/>
+        <p:cNvGrpSpPr/>
+        <p:nvPr/>
+      </p:nvGrpSpPr>
+      <p:grpSpPr>
+        <a:xfrm>
+          <a:off x="0" y="0"/>
+          <a:ext cx="0" cy="0"/>
+          <a:chOff x="0" y="0"/>
+          <a:chExt cx="0" cy="0"/>
+        </a:xfrm>
+      </p:grpSpPr>
+      <p:sp>
+        <p:nvSpPr>
+          <p:cNvPr id="2" name="Slide Image Placeholder 1"/>
+          <p:cNvSpPr>
+            <a:spLocks noGrp="1" noRot="1" noChangeAspect="1"/>
+          </p:cNvSpPr>
+          <p:nvPr>
+            <p:ph type="sldImg"/>
+          </p:nvPr>
+        </p:nvSpPr>
+        <p:spPr/>
+      </p:sp>
+      <p:sp>
+        <p:nvSpPr>
+          <p:cNvPr id="3" name="Notes Placeholder 2"/>
+          <p:cNvSpPr>
+            <a:spLocks noGrp="1"/>
+          </p:cNvSpPr>
+          <p:nvPr>
+            <p:ph type="body" idx="1"/>
+          </p:nvPr>
+        </p:nvSpPr>
+        <p:spPr/>
+        <p:txBody>
+          <a:bodyPr/>
+          <a:lstStyle/>
+          <a:p>
+            <a:r>
+              <a:rPr lang="en-US" dirty="0" smtClean="0"/>
+              <a:t>When a client script fires an </a:t>
+            </a:r>
+            <a:r>
+              <a:rPr lang="en-US" dirty="0" err="1" smtClean="0"/>
+              <a:t>XMLHttpRequest</a:t>
+            </a:r>
+            <a:r>
+              <a:rPr lang="en-US" dirty="0" smtClean="0"/>
+              <a:t> (XHR) from a different</a:t>
+            </a:r>
+            <a:r>
+              <a:rPr lang="en-US" baseline="0" dirty="0" smtClean="0"/>
+              <a:t> domain than where the resource (requested using the XHR) lives, then the browser will do a so-called preflight request. This is an OPTIONS HTTP call to the same URI as the XHR would hit, requesting information if the XHR call is allowed by specifying which HTTP method would be used (GET, POST, PATCH, PUT, DELETE, …), which headers would be sent, etc.</a:t>
+            </a:r>
+          </a:p>
+          <a:p>
+            <a:r>
+              <a:rPr lang="en-US" baseline="0" dirty="0" smtClean="0"/>
+              <a:t>If the requested combination of method, headers, … is not allowed, or the resource server does not allow that domain to access the resource, the server will return a 405 Method Not Allowed message.</a:t>
+            </a:r>
+          </a:p>
+          <a:p>
+            <a:r>
+              <a:rPr lang="en-US" baseline="0" dirty="0" smtClean="0"/>
+              <a:t>Otherwise, a 200 OK is returned instead, including Access-Control-Allow-Origin and/or Access-Control-Allow-Methods, Access-Control-Allow-Headers headers.</a:t>
+            </a:r>
+          </a:p>
+          <a:p>
+            <a:endParaRPr lang="en-US" baseline="0" dirty="0" smtClean="0"/>
+          </a:p>
+          <a:p>
+            <a:r>
+              <a:rPr lang="en-US" baseline="0" dirty="0" smtClean="0"/>
+              <a:t>Note that CORS can also be necessary when requesting other data across domains, such as textures used in </a:t>
+            </a:r>
+            <a:r>
+              <a:rPr lang="en-US" baseline="0" dirty="0" err="1" smtClean="0"/>
+              <a:t>WebGL</a:t>
+            </a:r>
+            <a:r>
+              <a:rPr lang="en-US" baseline="0" dirty="0" smtClean="0"/>
+              <a:t>, fonts, …</a:t>
+            </a:r>
+            <a:endParaRPr lang="en-US" dirty="0"/>
+          </a:p>
+        </p:txBody>
+      </p:sp>
+      <p:sp>
+        <p:nvSpPr>
+          <p:cNvPr id="4" name="Slide Number Placeholder 3"/>
+          <p:cNvSpPr>
+            <a:spLocks noGrp="1"/>
+          </p:cNvSpPr>
+          <p:nvPr>
+            <p:ph type="sldNum" sz="quarter" idx="10"/>
+          </p:nvPr>
+        </p:nvSpPr>
+        <p:spPr/>
+        <p:txBody>
+          <a:bodyPr/>
+          <a:lstStyle/>
+          <a:p>
+            <a:fld id="{32CEBC0F-1E37-42BF-8B35-640F92451C0B}" type="slidenum">
+              <a:rPr lang="en-US" smtClean="0"/>
+              <a:t>15</a:t>
+            </a:fld>
+            <a:endParaRPr lang="en-US"/>
+          </a:p>
+        </p:txBody>
+      </p:sp>
+    </p:spTree>
+    <p:extLst>
+      <p:ext uri="{BB962C8B-B14F-4D97-AF65-F5344CB8AC3E}">
+        <p14:creationId xmlns:p14="http://schemas.microsoft.com/office/powerpoint/2010/main" val="1162607542"/>
+      </p:ext>
+    </p:extLst>
+  </p:cSld>
+  <p:clrMapOvr>
+    <a:masterClrMapping/>
+  </p:clrMapOvr>
+</p:notes>
+</file>
+
+<file path=ppt/notesSlides/notesSlide7.xml><?xml version="1.0" encoding="utf-8"?>
+<p:notes xmlns:a="http://schemas.openxmlformats.org/drawingml/2006/main" xmlns:r="http://schemas.openxmlformats.org/officeDocument/2006/relationships" xmlns:p="http://schemas.openxmlformats.org/presentationml/2006/main">
+  <p:cSld>
+    <p:spTree>
+      <p:nvGrpSpPr>
+        <p:cNvPr id="1" name=""/>
+        <p:cNvGrpSpPr/>
+        <p:nvPr/>
+      </p:nvGrpSpPr>
+      <p:grpSpPr>
+        <a:xfrm>
+          <a:off x="0" y="0"/>
+          <a:ext cx="0" cy="0"/>
+          <a:chOff x="0" y="0"/>
+          <a:chExt cx="0" cy="0"/>
+        </a:xfrm>
+      </p:grpSpPr>
+      <p:sp>
+        <p:nvSpPr>
+          <p:cNvPr id="2" name="Slide Image Placeholder 1"/>
+          <p:cNvSpPr>
+            <a:spLocks noGrp="1" noRot="1" noChangeAspect="1"/>
+          </p:cNvSpPr>
+          <p:nvPr>
+            <p:ph type="sldImg"/>
+          </p:nvPr>
+        </p:nvSpPr>
+        <p:spPr/>
+      </p:sp>
+      <p:sp>
+        <p:nvSpPr>
+          <p:cNvPr id="3" name="Notes Placeholder 2"/>
+          <p:cNvSpPr>
+            <a:spLocks noGrp="1"/>
+          </p:cNvSpPr>
+          <p:nvPr>
+            <p:ph type="body" idx="1"/>
+          </p:nvPr>
+        </p:nvSpPr>
+        <p:spPr/>
+        <p:txBody>
+          <a:bodyPr/>
+          <a:lstStyle/>
+          <a:p>
+            <a:r>
+              <a:rPr lang="en-US" dirty="0" smtClean="0"/>
+              <a:t>In the </a:t>
+            </a:r>
+            <a:r>
+              <a:rPr lang="en-US" dirty="0" err="1" smtClean="0"/>
+              <a:t>Breaking.AspNet</a:t>
+            </a:r>
+            <a:r>
+              <a:rPr lang="en-US" dirty="0" smtClean="0"/>
+              <a:t> site, there is a cors.html demo. There are two buttons:</a:t>
+            </a:r>
+            <a:r>
+              <a:rPr lang="en-US" baseline="0" dirty="0" smtClean="0"/>
+              <a:t> one to post using a form, which works, and another one which performs the same action but by using an </a:t>
+            </a:r>
+            <a:r>
+              <a:rPr lang="en-US" baseline="0" dirty="0" err="1" smtClean="0"/>
+              <a:t>XMLHttpRequest</a:t>
+            </a:r>
+            <a:r>
+              <a:rPr lang="en-US" baseline="0" dirty="0" smtClean="0"/>
+              <a:t> which fails: this is because that request is going to a different domain – even a different port number means that the domain is different, although the name stays the same. </a:t>
+            </a:r>
+          </a:p>
+          <a:p>
+            <a:endParaRPr lang="en-US" baseline="0" dirty="0" smtClean="0"/>
+          </a:p>
+          <a:p>
+            <a:r>
+              <a:rPr lang="en-US" baseline="0" dirty="0" smtClean="0"/>
+              <a:t>You have to enable CORS on the </a:t>
+            </a:r>
+            <a:r>
+              <a:rPr lang="en-US" baseline="0" dirty="0" err="1" smtClean="0"/>
+              <a:t>ValuesController</a:t>
+            </a:r>
+            <a:r>
+              <a:rPr lang="en-US" baseline="0" dirty="0" smtClean="0"/>
+              <a:t> to make this work. The </a:t>
+            </a:r>
+            <a:r>
+              <a:rPr lang="en-US" baseline="0" dirty="0" err="1" smtClean="0"/>
+              <a:t>NuGet</a:t>
+            </a:r>
+            <a:r>
+              <a:rPr lang="en-US" baseline="0" dirty="0" smtClean="0"/>
+              <a:t> package has already been added to the project, you only need to add the following:</a:t>
+            </a:r>
+          </a:p>
+          <a:p>
+            <a:pPr marL="171450" indent="-171450">
+              <a:buFontTx/>
+              <a:buChar char="-"/>
+            </a:pPr>
+            <a:r>
+              <a:rPr lang="en-US" baseline="0" dirty="0" smtClean="0"/>
+              <a:t>In the </a:t>
+            </a:r>
+            <a:r>
+              <a:rPr lang="en-US" baseline="0" dirty="0" err="1" smtClean="0"/>
+              <a:t>Startup.cs</a:t>
+            </a:r>
+            <a:r>
+              <a:rPr lang="en-US" baseline="0" dirty="0" smtClean="0"/>
+              <a:t> file, add “</a:t>
+            </a:r>
+            <a:r>
+              <a:rPr lang="en-US" baseline="0" dirty="0" err="1" smtClean="0"/>
+              <a:t>config.EnableCors</a:t>
+            </a:r>
+            <a:r>
+              <a:rPr lang="en-US" baseline="0" dirty="0" smtClean="0"/>
+              <a:t>();” to the </a:t>
+            </a:r>
+            <a:r>
+              <a:rPr lang="en-US" baseline="0" dirty="0" err="1" smtClean="0"/>
+              <a:t>ConfigureWebApi</a:t>
+            </a:r>
+            <a:r>
+              <a:rPr lang="en-US" baseline="0" dirty="0" smtClean="0"/>
+              <a:t> method</a:t>
+            </a:r>
+          </a:p>
+          <a:p>
+            <a:pPr marL="171450" indent="-171450">
+              <a:buFontTx/>
+              <a:buChar char="-"/>
+            </a:pPr>
+            <a:r>
+              <a:rPr lang="en-US" dirty="0" smtClean="0"/>
+              <a:t>In the </a:t>
+            </a:r>
+            <a:r>
+              <a:rPr lang="en-US" dirty="0" err="1" smtClean="0"/>
+              <a:t>ValuesController</a:t>
+            </a:r>
+            <a:r>
+              <a:rPr lang="en-US" dirty="0" smtClean="0"/>
+              <a:t>,</a:t>
+            </a:r>
+            <a:r>
+              <a:rPr lang="en-US" baseline="0" dirty="0" smtClean="0"/>
+              <a:t> add a [</a:t>
+            </a:r>
+            <a:r>
+              <a:rPr lang="en-US" baseline="0" dirty="0" err="1" smtClean="0"/>
+              <a:t>EnableCors</a:t>
+            </a:r>
+            <a:r>
+              <a:rPr lang="en-US" baseline="0" dirty="0" smtClean="0"/>
+              <a:t>(“*”, </a:t>
+            </a:r>
+            <a:r>
+              <a:rPr lang="en-US" baseline="0" dirty="0" smtClean="0"/>
+              <a:t>“*”, “*”</a:t>
+            </a:r>
+            <a:r>
+              <a:rPr lang="en-US" baseline="0" dirty="0" smtClean="0"/>
+              <a:t>)] attribute to the controller</a:t>
+            </a:r>
+            <a:endParaRPr lang="en-US" dirty="0"/>
+          </a:p>
+        </p:txBody>
+      </p:sp>
+      <p:sp>
+        <p:nvSpPr>
+          <p:cNvPr id="4" name="Slide Number Placeholder 3"/>
+          <p:cNvSpPr>
+            <a:spLocks noGrp="1"/>
+          </p:cNvSpPr>
+          <p:nvPr>
+            <p:ph type="sldNum" sz="quarter" idx="10"/>
+          </p:nvPr>
+        </p:nvSpPr>
+        <p:spPr/>
+        <p:txBody>
+          <a:bodyPr/>
+          <a:lstStyle/>
+          <a:p>
+            <a:fld id="{32CEBC0F-1E37-42BF-8B35-640F92451C0B}" type="slidenum">
+              <a:rPr lang="en-US" smtClean="0"/>
+              <a:t>16</a:t>
+            </a:fld>
+            <a:endParaRPr lang="en-US"/>
+          </a:p>
+        </p:txBody>
+      </p:sp>
+    </p:spTree>
+    <p:extLst>
+      <p:ext uri="{BB962C8B-B14F-4D97-AF65-F5344CB8AC3E}">
+        <p14:creationId xmlns:p14="http://schemas.microsoft.com/office/powerpoint/2010/main" val="3473363812"/>
+      </p:ext>
+    </p:extLst>
+  </p:cSld>
+  <p:clrMapOvr>
+    <a:masterClrMapping/>
+  </p:clrMapOvr>
+</p:notes>
+</file>
+
+<file path=ppt/notesSlides/notesSlide8.xml><?xml version="1.0" encoding="utf-8"?>
+<p:notes xmlns:a="http://schemas.openxmlformats.org/drawingml/2006/main" xmlns:r="http://schemas.openxmlformats.org/officeDocument/2006/relationships" xmlns:p="http://schemas.openxmlformats.org/presentationml/2006/main">
+  <p:cSld>
+    <p:spTree>
+      <p:nvGrpSpPr>
+        <p:cNvPr id="1" name=""/>
+        <p:cNvGrpSpPr/>
+        <p:nvPr/>
+      </p:nvGrpSpPr>
+      <p:grpSpPr>
+        <a:xfrm>
+          <a:off x="0" y="0"/>
+          <a:ext cx="0" cy="0"/>
+          <a:chOff x="0" y="0"/>
+          <a:chExt cx="0" cy="0"/>
+        </a:xfrm>
+      </p:grpSpPr>
+      <p:sp>
+        <p:nvSpPr>
+          <p:cNvPr id="2" name="Slide Image Placeholder 1"/>
+          <p:cNvSpPr>
+            <a:spLocks noGrp="1" noRot="1" noChangeAspect="1"/>
+          </p:cNvSpPr>
+          <p:nvPr>
+            <p:ph type="sldImg"/>
+          </p:nvPr>
+        </p:nvSpPr>
+        <p:spPr/>
+      </p:sp>
+      <p:sp>
+        <p:nvSpPr>
+          <p:cNvPr id="3" name="Notes Placeholder 2"/>
+          <p:cNvSpPr>
+            <a:spLocks noGrp="1"/>
+          </p:cNvSpPr>
+          <p:nvPr>
+            <p:ph type="body" idx="1"/>
+          </p:nvPr>
+        </p:nvSpPr>
+        <p:spPr/>
+        <p:txBody>
+          <a:bodyPr/>
+          <a:lstStyle/>
+          <a:p>
+            <a:r>
+              <a:rPr lang="en-US" dirty="0" smtClean="0"/>
+              <a:t>CSP basically allows you to define where your</a:t>
+            </a:r>
+            <a:r>
+              <a:rPr lang="en-US" baseline="0" dirty="0" smtClean="0"/>
+              <a:t> website can load its resources from, and with what resources it can communicate when performing </a:t>
+            </a:r>
+            <a:r>
+              <a:rPr lang="en-US" baseline="0" dirty="0" err="1" smtClean="0"/>
+              <a:t>XMLHttpRequests</a:t>
+            </a:r>
+            <a:r>
+              <a:rPr lang="en-US" baseline="0" dirty="0" smtClean="0"/>
+              <a:t> or using </a:t>
+            </a:r>
+            <a:r>
+              <a:rPr lang="en-US" baseline="0" dirty="0" err="1" smtClean="0"/>
+              <a:t>Websockets</a:t>
+            </a:r>
+            <a:r>
+              <a:rPr lang="en-US" baseline="0" dirty="0" smtClean="0"/>
+              <a:t>, i.e.</a:t>
+            </a:r>
+          </a:p>
+          <a:p>
+            <a:endParaRPr lang="en-US" baseline="0" dirty="0" smtClean="0"/>
+          </a:p>
+          <a:p>
+            <a:r>
+              <a:rPr lang="en-US" baseline="0" dirty="0" smtClean="0"/>
+              <a:t>If you don’t specify a CSP policy, everything will be allowed. In the source folder, there is a “</a:t>
+            </a:r>
+            <a:r>
+              <a:rPr lang="en-US" baseline="0" dirty="0" err="1" smtClean="0"/>
+              <a:t>csp</a:t>
+            </a:r>
+            <a:r>
+              <a:rPr lang="en-US" baseline="0" dirty="0" smtClean="0"/>
+              <a:t> demo.txt” file with a script. If you copy and paste this script into the console window (using the Chrome dev tools) on a website like https://www.belfius.be, then you can make that website dance.</a:t>
+            </a:r>
+          </a:p>
+          <a:p>
+            <a:endParaRPr lang="en-US" baseline="0" dirty="0" smtClean="0"/>
+          </a:p>
+          <a:p>
+            <a:r>
+              <a:rPr lang="en-US" baseline="0" dirty="0" smtClean="0"/>
+              <a:t>Try the same thing on https://haveibeenpwned.com, you’ll notice that it doesn’t work there because of the CSP policy.</a:t>
+            </a:r>
+          </a:p>
+          <a:p>
+            <a:endParaRPr lang="en-US" baseline="0" dirty="0" smtClean="0"/>
+          </a:p>
+          <a:p>
+            <a:r>
+              <a:rPr lang="en-US" baseline="0" dirty="0" smtClean="0"/>
+              <a:t>The CSP policy and it’s values have been very good explained at the following resources:</a:t>
+            </a:r>
+          </a:p>
+          <a:p>
+            <a:pPr marL="171450" indent="-171450">
+              <a:buFontTx/>
+              <a:buChar char="-"/>
+            </a:pPr>
+            <a:r>
+              <a:rPr lang="en-US" dirty="0" smtClean="0"/>
+              <a:t>http://www.html5rocks.com/en/tutorials/security/content-security-policy/</a:t>
+            </a:r>
+            <a:endParaRPr lang="en-US" dirty="0" smtClean="0"/>
+          </a:p>
+          <a:p>
+            <a:pPr marL="171450" marR="0" indent="-171450" algn="l" defTabSz="914400" rtl="0" eaLnBrk="1" fontAlgn="auto" latinLnBrk="0" hangingPunct="1">
+              <a:lnSpc>
+                <a:spcPct val="100000"/>
+              </a:lnSpc>
+              <a:spcBef>
+                <a:spcPts val="0"/>
+              </a:spcBef>
+              <a:spcAft>
+                <a:spcPts val="0"/>
+              </a:spcAft>
+              <a:buClrTx/>
+              <a:buSzTx/>
+              <a:buFontTx/>
+              <a:buChar char="-"/>
+              <a:tabLst/>
+              <a:defRPr/>
+            </a:pPr>
+            <a:r>
+              <a:rPr lang="en-US" dirty="0" smtClean="0">
+                <a:hlinkClick r:id="rId3"/>
+              </a:rPr>
+              <a:t>http://content-security-policy.com/</a:t>
+            </a:r>
+            <a:endParaRPr lang="en-US" dirty="0" smtClean="0"/>
+          </a:p>
+        </p:txBody>
+      </p:sp>
+      <p:sp>
+        <p:nvSpPr>
+          <p:cNvPr id="4" name="Slide Number Placeholder 3"/>
+          <p:cNvSpPr>
+            <a:spLocks noGrp="1"/>
+          </p:cNvSpPr>
+          <p:nvPr>
+            <p:ph type="sldNum" sz="quarter" idx="10"/>
+          </p:nvPr>
+        </p:nvSpPr>
+        <p:spPr/>
+        <p:txBody>
+          <a:bodyPr/>
+          <a:lstStyle/>
+          <a:p>
+            <a:fld id="{32CEBC0F-1E37-42BF-8B35-640F92451C0B}" type="slidenum">
+              <a:rPr lang="en-US" smtClean="0"/>
+              <a:t>19</a:t>
+            </a:fld>
+            <a:endParaRPr lang="en-US"/>
+          </a:p>
+        </p:txBody>
+      </p:sp>
+    </p:spTree>
+    <p:extLst>
+      <p:ext uri="{BB962C8B-B14F-4D97-AF65-F5344CB8AC3E}">
+        <p14:creationId xmlns:p14="http://schemas.microsoft.com/office/powerpoint/2010/main" val="1662501334"/>
+      </p:ext>
+    </p:extLst>
+  </p:cSld>
+  <p:clrMapOvr>
+    <a:masterClrMapping/>
+  </p:clrMapOvr>
+</p:notes>
+</file>
+
+<file path=ppt/notesSlides/notesSlide9.xml><?xml version="1.0" encoding="utf-8"?>
+<p:notes xmlns:a="http://schemas.openxmlformats.org/drawingml/2006/main" xmlns:r="http://schemas.openxmlformats.org/officeDocument/2006/relationships" xmlns:p="http://schemas.openxmlformats.org/presentationml/2006/main">
+  <p:cSld>
+    <p:spTree>
+      <p:nvGrpSpPr>
+        <p:cNvPr id="1" name=""/>
+        <p:cNvGrpSpPr/>
+        <p:nvPr/>
+      </p:nvGrpSpPr>
+      <p:grpSpPr>
+        <a:xfrm>
+          <a:off x="0" y="0"/>
+          <a:ext cx="0" cy="0"/>
+          <a:chOff x="0" y="0"/>
+          <a:chExt cx="0" cy="0"/>
+        </a:xfrm>
+      </p:grpSpPr>
+      <p:sp>
+        <p:nvSpPr>
+          <p:cNvPr id="2" name="Slide Image Placeholder 1"/>
+          <p:cNvSpPr>
+            <a:spLocks noGrp="1" noRot="1" noChangeAspect="1"/>
+          </p:cNvSpPr>
+          <p:nvPr>
+            <p:ph type="sldImg"/>
+          </p:nvPr>
+        </p:nvSpPr>
+        <p:spPr/>
+      </p:sp>
+      <p:sp>
+        <p:nvSpPr>
+          <p:cNvPr id="3" name="Notes Placeholder 2"/>
+          <p:cNvSpPr>
+            <a:spLocks noGrp="1"/>
+          </p:cNvSpPr>
+          <p:nvPr>
+            <p:ph type="body" idx="1"/>
+          </p:nvPr>
+        </p:nvSpPr>
+        <p:spPr/>
+        <p:txBody>
+          <a:bodyPr/>
+          <a:lstStyle/>
+          <a:p>
+            <a:r>
+              <a:rPr lang="en-US" dirty="0" smtClean="0"/>
+              <a:t>This demo uses the “</a:t>
+            </a:r>
+            <a:r>
+              <a:rPr lang="en-US" dirty="0" err="1" smtClean="0"/>
+              <a:t>csp</a:t>
+            </a:r>
+            <a:r>
+              <a:rPr lang="en-US" dirty="0" smtClean="0"/>
+              <a:t>” branch of the GIT repository.</a:t>
+            </a:r>
+            <a:r>
+              <a:rPr lang="en-US" baseline="0" dirty="0" smtClean="0"/>
+              <a:t> In that branch, there’s a default CSP policy added to the </a:t>
+            </a:r>
+            <a:r>
+              <a:rPr lang="en-US" baseline="0" dirty="0" err="1" smtClean="0"/>
+              <a:t>web.config</a:t>
+            </a:r>
+            <a:r>
+              <a:rPr lang="en-US" baseline="0" dirty="0" smtClean="0"/>
+              <a:t>, at the bottom of that file, by using the </a:t>
+            </a:r>
+            <a:r>
+              <a:rPr lang="en-US" baseline="0" dirty="0" err="1" smtClean="0"/>
+              <a:t>NWebSec</a:t>
+            </a:r>
+            <a:r>
+              <a:rPr lang="en-US" baseline="0" dirty="0" smtClean="0"/>
+              <a:t> </a:t>
+            </a:r>
+            <a:r>
+              <a:rPr lang="en-US" baseline="0" dirty="0" err="1" smtClean="0"/>
+              <a:t>NuGet</a:t>
+            </a:r>
+            <a:r>
+              <a:rPr lang="en-US" baseline="0" dirty="0" smtClean="0"/>
+              <a:t> package.</a:t>
+            </a:r>
+          </a:p>
+          <a:p>
+            <a:endParaRPr lang="en-US" baseline="0" dirty="0" smtClean="0"/>
+          </a:p>
+          <a:p>
+            <a:r>
+              <a:rPr lang="en-US" baseline="0" dirty="0" smtClean="0"/>
+              <a:t>You can also add CSP policy information by using attributes like [</a:t>
+            </a:r>
+            <a:r>
+              <a:rPr lang="en-US" baseline="0" dirty="0" err="1" smtClean="0"/>
+              <a:t>CspScriptSrc</a:t>
+            </a:r>
+            <a:r>
+              <a:rPr lang="en-US" baseline="0" dirty="0" smtClean="0"/>
+              <a:t>] on controllers and/or actions, these have been provided by the </a:t>
+            </a:r>
+            <a:r>
+              <a:rPr lang="en-US" baseline="0" dirty="0" err="1" smtClean="0"/>
+              <a:t>NWebSec.Mvc</a:t>
+            </a:r>
+            <a:r>
+              <a:rPr lang="en-US" baseline="0" dirty="0" smtClean="0"/>
+              <a:t> </a:t>
+            </a:r>
+            <a:r>
+              <a:rPr lang="en-US" baseline="0" dirty="0" err="1" smtClean="0"/>
+              <a:t>NuGet</a:t>
+            </a:r>
+            <a:r>
+              <a:rPr lang="en-US" baseline="0" dirty="0" smtClean="0"/>
+              <a:t> package. Another thing provided by that package is the ability to add </a:t>
+            </a:r>
+            <a:r>
+              <a:rPr lang="en-US" baseline="0" dirty="0" err="1" smtClean="0"/>
+              <a:t>nonces</a:t>
+            </a:r>
+            <a:r>
+              <a:rPr lang="en-US" baseline="0" dirty="0" smtClean="0"/>
+              <a:t> to inline scripts and styles, so you can add @</a:t>
+            </a:r>
+            <a:r>
+              <a:rPr lang="en-US" baseline="0" dirty="0" err="1" smtClean="0"/>
+              <a:t>Html.</a:t>
+            </a:r>
+            <a:r>
+              <a:rPr lang="en-US" sz="1200" kern="1200" dirty="0" err="1" smtClean="0">
+                <a:solidFill>
+                  <a:schemeClr val="tx1"/>
+                </a:solidFill>
+                <a:latin typeface="+mn-lt"/>
+                <a:ea typeface="+mn-ea"/>
+                <a:cs typeface="+mn-cs"/>
+              </a:rPr>
+              <a:t>CspScriptNonce</a:t>
+            </a:r>
+            <a:r>
+              <a:rPr lang="en-US" baseline="0" dirty="0" smtClean="0"/>
+              <a:t>() to a script tag in, for example, the </a:t>
+            </a:r>
+            <a:r>
+              <a:rPr lang="en-US" baseline="0" dirty="0" err="1" smtClean="0"/>
+              <a:t>AjaxFormCsrf.cshtml</a:t>
+            </a:r>
+            <a:r>
+              <a:rPr lang="en-US" baseline="0" dirty="0" smtClean="0"/>
+              <a:t> file.</a:t>
+            </a:r>
+            <a:endParaRPr lang="en-US" dirty="0"/>
+          </a:p>
+        </p:txBody>
+      </p:sp>
+      <p:sp>
+        <p:nvSpPr>
+          <p:cNvPr id="4" name="Slide Number Placeholder 3"/>
+          <p:cNvSpPr>
+            <a:spLocks noGrp="1"/>
+          </p:cNvSpPr>
+          <p:nvPr>
+            <p:ph type="sldNum" sz="quarter" idx="10"/>
+          </p:nvPr>
+        </p:nvSpPr>
+        <p:spPr/>
+        <p:txBody>
+          <a:bodyPr/>
+          <a:lstStyle/>
+          <a:p>
+            <a:fld id="{32CEBC0F-1E37-42BF-8B35-640F92451C0B}" type="slidenum">
+              <a:rPr lang="en-US" smtClean="0"/>
+              <a:t>20</a:t>
+            </a:fld>
+            <a:endParaRPr lang="en-US"/>
+          </a:p>
+        </p:txBody>
+      </p:sp>
+    </p:spTree>
+    <p:extLst>
+      <p:ext uri="{BB962C8B-B14F-4D97-AF65-F5344CB8AC3E}">
+        <p14:creationId xmlns:p14="http://schemas.microsoft.com/office/powerpoint/2010/main" val="2205550606"/>
+      </p:ext>
+    </p:extLst>
+  </p:cSld>
+  <p:clrMapOvr>
+    <a:masterClrMapping/>
+  </p:clrMapOvr>
+</p:notes>
 </file>
 
 <file path=ppt/slideLayouts/slideLayout1.xml><?xml version="1.0" encoding="utf-8"?>
@@ -362,7 +2794,7 @@
           <a:p>
             <a:fld id="{96DFF08F-DC6B-4601-B491-B0F83F6DD2DA}" type="datetimeFigureOut">
               <a:rPr lang="en-US" dirty="0"/>
-              <a:t>6/1/2016</a:t>
+              <a:t>6/3/2016</a:t>
             </a:fld>
             <a:endParaRPr lang="en-US" dirty="0"/>
           </a:p>
@@ -565,7 +2997,7 @@
           <a:p>
             <a:fld id="{96DFF08F-DC6B-4601-B491-B0F83F6DD2DA}" type="datetimeFigureOut">
               <a:rPr lang="en-US" dirty="0"/>
-              <a:t>6/1/2016</a:t>
+              <a:t>6/3/2016</a:t>
             </a:fld>
             <a:endParaRPr lang="en-US" dirty="0"/>
           </a:p>
@@ -816,7 +3248,7 @@
           <a:p>
             <a:fld id="{96DFF08F-DC6B-4601-B491-B0F83F6DD2DA}" type="datetimeFigureOut">
               <a:rPr lang="en-US" dirty="0"/>
-              <a:t>6/1/2016</a:t>
+              <a:t>6/3/2016</a:t>
             </a:fld>
             <a:endParaRPr lang="en-US" dirty="0"/>
           </a:p>
@@ -981,7 +3413,7 @@
           <a:p>
             <a:fld id="{D62CEF3B-A037-46D0-B02C-1428F07E9383}" type="datetimeFigureOut">
               <a:rPr lang="en-US" dirty="0"/>
-              <a:t>6/1/2016</a:t>
+              <a:t>6/3/2016</a:t>
             </a:fld>
             <a:endParaRPr lang="en-US" dirty="0"/>
           </a:p>
@@ -1319,7 +3751,7 @@
           <a:p>
             <a:fld id="{96DFF08F-DC6B-4601-B491-B0F83F6DD2DA}" type="datetimeFigureOut">
               <a:rPr lang="en-US" dirty="0"/>
-              <a:t>6/1/2016</a:t>
+              <a:t>6/3/2016</a:t>
             </a:fld>
             <a:endParaRPr lang="en-US" dirty="0"/>
           </a:p>
@@ -1589,7 +4021,7 @@
           <a:p>
             <a:fld id="{96DFF08F-DC6B-4601-B491-B0F83F6DD2DA}" type="datetimeFigureOut">
               <a:rPr lang="en-US" dirty="0"/>
-              <a:t>6/1/2016</a:t>
+              <a:t>6/3/2016</a:t>
             </a:fld>
             <a:endParaRPr lang="en-US" dirty="0"/>
           </a:p>
@@ -1963,7 +4395,7 @@
           <a:p>
             <a:fld id="{96DFF08F-DC6B-4601-B491-B0F83F6DD2DA}" type="datetimeFigureOut">
               <a:rPr lang="en-US" dirty="0"/>
-              <a:t>6/1/2016</a:t>
+              <a:t>6/3/2016</a:t>
             </a:fld>
             <a:endParaRPr lang="en-US" dirty="0"/>
           </a:p>
@@ -2076,7 +4508,7 @@
           <a:p>
             <a:fld id="{96DFF08F-DC6B-4601-B491-B0F83F6DD2DA}" type="datetimeFigureOut">
               <a:rPr lang="en-US" dirty="0"/>
-              <a:t>6/1/2016</a:t>
+              <a:t>6/3/2016</a:t>
             </a:fld>
             <a:endParaRPr lang="en-US" dirty="0"/>
           </a:p>
@@ -2243,7 +4675,7 @@
             <a:fld id="{96DFF08F-DC6B-4601-B491-B0F83F6DD2DA}" type="datetimeFigureOut">
               <a:rPr lang="en-US" dirty="0"/>
               <a:pPr/>
-              <a:t>6/1/2016</a:t>
+              <a:t>6/3/2016</a:t>
             </a:fld>
             <a:endParaRPr lang="en-US" dirty="0"/>
           </a:p>
@@ -2594,7 +5026,7 @@
             <a:fld id="{96DFF08F-DC6B-4601-B491-B0F83F6DD2DA}" type="datetimeFigureOut">
               <a:rPr lang="en-US" dirty="0"/>
               <a:pPr/>
-              <a:t>6/1/2016</a:t>
+              <a:t>6/3/2016</a:t>
             </a:fld>
             <a:endParaRPr lang="en-US" dirty="0"/>
           </a:p>
@@ -2967,7 +5399,7 @@
           <a:p>
             <a:fld id="{96DFF08F-DC6B-4601-B491-B0F83F6DD2DA}" type="datetimeFigureOut">
               <a:rPr lang="en-US" dirty="0"/>
-              <a:t>6/1/2016</a:t>
+              <a:t>6/3/2016</a:t>
             </a:fld>
             <a:endParaRPr lang="en-US" dirty="0"/>
           </a:p>
@@ -3250,7 +5682,7 @@
             <a:fld id="{96DFF08F-DC6B-4601-B491-B0F83F6DD2DA}" type="datetimeFigureOut">
               <a:rPr lang="en-US" dirty="0"/>
               <a:pPr/>
-              <a:t>6/1/2016</a:t>
+              <a:t>6/3/2016</a:t>
             </a:fld>
             <a:endParaRPr lang="en-US" dirty="0"/>
           </a:p>
@@ -3826,6 +6258,14 @@
   <p:clrMapOvr>
     <a:masterClrMapping/>
   </p:clrMapOvr>
+  <mc:AlternateContent xmlns:mc="http://schemas.openxmlformats.org/markup-compatibility/2006">
+    <mc:Choice xmlns:p14="http://schemas.microsoft.com/office/powerpoint/2010/main" Requires="p14">
+      <p:transition spd="slow" p14:dur="2000"/>
+    </mc:Choice>
+    <mc:Fallback>
+      <p:transition spd="slow"/>
+    </mc:Fallback>
+  </mc:AlternateContent>
   <p:timing>
     <p:tnLst>
       <p:par>
@@ -3837,6 +6277,312 @@
 </file>
 
 <file path=ppt/slides/slide10.xml><?xml version="1.0" encoding="utf-8"?>
+<p:sld xmlns:a="http://schemas.openxmlformats.org/drawingml/2006/main" xmlns:r="http://schemas.openxmlformats.org/officeDocument/2006/relationships" xmlns:p="http://schemas.openxmlformats.org/presentationml/2006/main">
+  <p:cSld>
+    <p:spTree>
+      <p:nvGrpSpPr>
+        <p:cNvPr id="1" name=""/>
+        <p:cNvGrpSpPr/>
+        <p:nvPr/>
+      </p:nvGrpSpPr>
+      <p:grpSpPr>
+        <a:xfrm>
+          <a:off x="0" y="0"/>
+          <a:ext cx="0" cy="0"/>
+          <a:chOff x="0" y="0"/>
+          <a:chExt cx="0" cy="0"/>
+        </a:xfrm>
+      </p:grpSpPr>
+      <p:sp>
+        <p:nvSpPr>
+          <p:cNvPr id="4" name="Title 3"/>
+          <p:cNvSpPr>
+            <a:spLocks noGrp="1"/>
+          </p:cNvSpPr>
+          <p:nvPr>
+            <p:ph type="title"/>
+          </p:nvPr>
+        </p:nvSpPr>
+        <p:spPr/>
+        <p:txBody>
+          <a:bodyPr/>
+          <a:lstStyle/>
+          <a:p>
+            <a:r>
+              <a:rPr lang="en-US" dirty="0" smtClean="0"/>
+              <a:t>Cross-site request forgery (CSRF/XSRF)</a:t>
+            </a:r>
+            <a:endParaRPr lang="en-US" dirty="0"/>
+          </a:p>
+        </p:txBody>
+      </p:sp>
+      <p:sp>
+        <p:nvSpPr>
+          <p:cNvPr id="5" name="Content Placeholder 4"/>
+          <p:cNvSpPr>
+            <a:spLocks noGrp="1"/>
+          </p:cNvSpPr>
+          <p:nvPr>
+            <p:ph idx="1"/>
+          </p:nvPr>
+        </p:nvSpPr>
+        <p:spPr/>
+        <p:txBody>
+          <a:bodyPr/>
+          <a:lstStyle/>
+          <a:p>
+            <a:r>
+              <a:rPr lang="en-US" dirty="0" smtClean="0"/>
+              <a:t>Send form data (GET/POST) across domains</a:t>
+            </a:r>
+          </a:p>
+          <a:p>
+            <a:pPr lvl="1"/>
+            <a:r>
+              <a:rPr lang="en-US" dirty="0" smtClean="0"/>
+              <a:t>Because you’re sending data to the original domain, the browser will also send your cookies!</a:t>
+            </a:r>
+          </a:p>
+          <a:p>
+            <a:r>
+              <a:rPr lang="en-US" dirty="0" smtClean="0"/>
+              <a:t>MVC has protection out of the box</a:t>
+            </a:r>
+          </a:p>
+          <a:p>
+            <a:r>
+              <a:rPr lang="en-US" dirty="0" smtClean="0"/>
+              <a:t>… but it’s not always sufficient</a:t>
+            </a:r>
+            <a:endParaRPr lang="en-US" dirty="0"/>
+          </a:p>
+        </p:txBody>
+      </p:sp>
+    </p:spTree>
+    <p:extLst>
+      <p:ext uri="{BB962C8B-B14F-4D97-AF65-F5344CB8AC3E}">
+        <p14:creationId xmlns:p14="http://schemas.microsoft.com/office/powerpoint/2010/main" val="261841063"/>
+      </p:ext>
+    </p:extLst>
+  </p:cSld>
+  <p:clrMapOvr>
+    <a:masterClrMapping/>
+  </p:clrMapOvr>
+  <p:timing>
+    <p:tnLst>
+      <p:par>
+        <p:cTn id="1" dur="indefinite" restart="never" nodeType="tmRoot">
+          <p:childTnLst>
+            <p:seq concurrent="1" nextAc="seek">
+              <p:cTn id="2" dur="indefinite" nodeType="mainSeq">
+                <p:childTnLst>
+                  <p:par>
+                    <p:cTn id="3" fill="hold">
+                      <p:stCondLst>
+                        <p:cond delay="indefinite"/>
+                      </p:stCondLst>
+                      <p:childTnLst>
+                        <p:par>
+                          <p:cTn id="4" fill="hold">
+                            <p:stCondLst>
+                              <p:cond delay="0"/>
+                            </p:stCondLst>
+                            <p:childTnLst>
+                              <p:par>
+                                <p:cTn id="5" presetID="1" presetClass="entr" presetSubtype="0" fill="hold" grpId="0" nodeType="clickEffect">
+                                  <p:stCondLst>
+                                    <p:cond delay="0"/>
+                                  </p:stCondLst>
+                                  <p:childTnLst>
+                                    <p:set>
+                                      <p:cBhvr>
+                                        <p:cTn id="6" dur="1" fill="hold">
+                                          <p:stCondLst>
+                                            <p:cond delay="0"/>
+                                          </p:stCondLst>
+                                        </p:cTn>
+                                        <p:tgtEl>
+                                          <p:spTgt spid="5">
+                                            <p:txEl>
+                                              <p:pRg st="0" end="0"/>
+                                            </p:txEl>
+                                          </p:spTgt>
+                                        </p:tgtEl>
+                                        <p:attrNameLst>
+                                          <p:attrName>style.visibility</p:attrName>
+                                        </p:attrNameLst>
+                                      </p:cBhvr>
+                                      <p:to>
+                                        <p:strVal val="visible"/>
+                                      </p:to>
+                                    </p:set>
+                                  </p:childTnLst>
+                                </p:cTn>
+                              </p:par>
+                              <p:par>
+                                <p:cTn id="7" presetID="1" presetClass="entr" presetSubtype="0" fill="hold" grpId="0" nodeType="withEffect">
+                                  <p:stCondLst>
+                                    <p:cond delay="0"/>
+                                  </p:stCondLst>
+                                  <p:childTnLst>
+                                    <p:set>
+                                      <p:cBhvr>
+                                        <p:cTn id="8" dur="1" fill="hold">
+                                          <p:stCondLst>
+                                            <p:cond delay="0"/>
+                                          </p:stCondLst>
+                                        </p:cTn>
+                                        <p:tgtEl>
+                                          <p:spTgt spid="5">
+                                            <p:txEl>
+                                              <p:pRg st="1" end="1"/>
+                                            </p:txEl>
+                                          </p:spTgt>
+                                        </p:tgtEl>
+                                        <p:attrNameLst>
+                                          <p:attrName>style.visibility</p:attrName>
+                                        </p:attrNameLst>
+                                      </p:cBhvr>
+                                      <p:to>
+                                        <p:strVal val="visible"/>
+                                      </p:to>
+                                    </p:set>
+                                  </p:childTnLst>
+                                </p:cTn>
+                              </p:par>
+                            </p:childTnLst>
+                          </p:cTn>
+                        </p:par>
+                      </p:childTnLst>
+                    </p:cTn>
+                  </p:par>
+                  <p:par>
+                    <p:cTn id="9" fill="hold">
+                      <p:stCondLst>
+                        <p:cond delay="indefinite"/>
+                      </p:stCondLst>
+                      <p:childTnLst>
+                        <p:par>
+                          <p:cTn id="10" fill="hold">
+                            <p:stCondLst>
+                              <p:cond delay="0"/>
+                            </p:stCondLst>
+                            <p:childTnLst>
+                              <p:par>
+                                <p:cTn id="11" presetID="1" presetClass="entr" presetSubtype="0" fill="hold" grpId="0" nodeType="clickEffect">
+                                  <p:stCondLst>
+                                    <p:cond delay="0"/>
+                                  </p:stCondLst>
+                                  <p:childTnLst>
+                                    <p:set>
+                                      <p:cBhvr>
+                                        <p:cTn id="12" dur="1" fill="hold">
+                                          <p:stCondLst>
+                                            <p:cond delay="0"/>
+                                          </p:stCondLst>
+                                        </p:cTn>
+                                        <p:tgtEl>
+                                          <p:spTgt spid="5">
+                                            <p:txEl>
+                                              <p:pRg st="2" end="2"/>
+                                            </p:txEl>
+                                          </p:spTgt>
+                                        </p:tgtEl>
+                                        <p:attrNameLst>
+                                          <p:attrName>style.visibility</p:attrName>
+                                        </p:attrNameLst>
+                                      </p:cBhvr>
+                                      <p:to>
+                                        <p:strVal val="visible"/>
+                                      </p:to>
+                                    </p:set>
+                                  </p:childTnLst>
+                                </p:cTn>
+                              </p:par>
+                            </p:childTnLst>
+                          </p:cTn>
+                        </p:par>
+                      </p:childTnLst>
+                    </p:cTn>
+                  </p:par>
+                  <p:par>
+                    <p:cTn id="13" fill="hold">
+                      <p:stCondLst>
+                        <p:cond delay="indefinite"/>
+                      </p:stCondLst>
+                      <p:childTnLst>
+                        <p:par>
+                          <p:cTn id="14" fill="hold">
+                            <p:stCondLst>
+                              <p:cond delay="0"/>
+                            </p:stCondLst>
+                            <p:childTnLst>
+                              <p:par>
+                                <p:cTn id="15" presetID="1" presetClass="entr" presetSubtype="0" fill="hold" grpId="0" nodeType="clickEffect">
+                                  <p:stCondLst>
+                                    <p:cond delay="0"/>
+                                  </p:stCondLst>
+                                  <p:childTnLst>
+                                    <p:set>
+                                      <p:cBhvr>
+                                        <p:cTn id="16" dur="1" fill="hold">
+                                          <p:stCondLst>
+                                            <p:cond delay="0"/>
+                                          </p:stCondLst>
+                                        </p:cTn>
+                                        <p:tgtEl>
+                                          <p:spTgt spid="5">
+                                            <p:txEl>
+                                              <p:pRg st="3" end="3"/>
+                                            </p:txEl>
+                                          </p:spTgt>
+                                        </p:tgtEl>
+                                        <p:attrNameLst>
+                                          <p:attrName>style.visibility</p:attrName>
+                                        </p:attrNameLst>
+                                      </p:cBhvr>
+                                      <p:to>
+                                        <p:strVal val="visible"/>
+                                      </p:to>
+                                    </p:set>
+                                  </p:childTnLst>
+                                </p:cTn>
+                              </p:par>
+                            </p:childTnLst>
+                          </p:cTn>
+                        </p:par>
+                      </p:childTnLst>
+                    </p:cTn>
+                  </p:par>
+                </p:childTnLst>
+              </p:cTn>
+              <p:prevCondLst>
+                <p:cond evt="onPrev" delay="0">
+                  <p:tgtEl>
+                    <p:sldTgt/>
+                  </p:tgtEl>
+                </p:cond>
+              </p:prevCondLst>
+              <p:nextCondLst>
+                <p:cond evt="onNext" delay="0">
+                  <p:tgtEl>
+                    <p:sldTgt/>
+                  </p:tgtEl>
+                </p:cond>
+              </p:nextCondLst>
+            </p:seq>
+          </p:childTnLst>
+        </p:cTn>
+      </p:par>
+    </p:tnLst>
+    <p:bldLst>
+      <p:bldP spid="5" grpId="0" build="p"/>
+    </p:bldLst>
+  </p:timing>
+</p:sld>
+</file>
+
+<file path=ppt/slides/slide11.xml><?xml version="1.0" encoding="utf-8"?>
 <p:sld xmlns:a="http://schemas.openxmlformats.org/drawingml/2006/main" xmlns:r="http://schemas.openxmlformats.org/officeDocument/2006/relationships" xmlns:p="http://schemas.openxmlformats.org/presentationml/2006/main">
   <p:cSld>
     <p:bg>
@@ -3920,139 +6666,14 @@
   <p:clrMapOvr>
     <a:masterClrMapping/>
   </p:clrMapOvr>
-  <mc:AlternateContent xmlns:mc="http://schemas.openxmlformats.org/markup-compatibility/2006">
-    <mc:Choice xmlns:p14="http://schemas.microsoft.com/office/powerpoint/2010/main" Requires="p14">
+  <mc:AlternateContent xmlns:mc="http://schemas.openxmlformats.org/markup-compatibility/2006" xmlns:p14="http://schemas.microsoft.com/office/powerpoint/2010/main">
+    <mc:Choice Requires="p14">
       <p:transition p14:dur="0"/>
     </mc:Choice>
-    <mc:Fallback>
+    <mc:Fallback xmlns="">
       <p:transition/>
     </mc:Fallback>
   </mc:AlternateContent>
-  <p:timing>
-    <p:tnLst>
-      <p:par>
-        <p:cTn id="1" dur="indefinite" restart="never" nodeType="tmRoot"/>
-      </p:par>
-    </p:tnLst>
-  </p:timing>
-</p:sld>
-</file>
-
-<file path=ppt/slides/slide11.xml><?xml version="1.0" encoding="utf-8"?>
-<p:sld xmlns:a="http://schemas.openxmlformats.org/drawingml/2006/main" xmlns:r="http://schemas.openxmlformats.org/officeDocument/2006/relationships" xmlns:p="http://schemas.openxmlformats.org/presentationml/2006/main">
-  <p:cSld>
-    <p:spTree>
-      <p:nvGrpSpPr>
-        <p:cNvPr id="1" name=""/>
-        <p:cNvGrpSpPr/>
-        <p:nvPr/>
-      </p:nvGrpSpPr>
-      <p:grpSpPr>
-        <a:xfrm>
-          <a:off x="0" y="0"/>
-          <a:ext cx="0" cy="0"/>
-          <a:chOff x="0" y="0"/>
-          <a:chExt cx="0" cy="0"/>
-        </a:xfrm>
-      </p:grpSpPr>
-      <p:sp>
-        <p:nvSpPr>
-          <p:cNvPr id="4" name="Title 3"/>
-          <p:cNvSpPr>
-            <a:spLocks noGrp="1"/>
-          </p:cNvSpPr>
-          <p:nvPr>
-            <p:ph type="title"/>
-          </p:nvPr>
-        </p:nvSpPr>
-        <p:spPr/>
-        <p:txBody>
-          <a:bodyPr/>
-          <a:lstStyle/>
-          <a:p>
-            <a:r>
-              <a:rPr lang="en-US" dirty="0" smtClean="0"/>
-              <a:t>Cross-site request forgery (CSRF/XSRF)</a:t>
-            </a:r>
-            <a:endParaRPr lang="en-US" dirty="0"/>
-          </a:p>
-        </p:txBody>
-      </p:sp>
-      <p:sp>
-        <p:nvSpPr>
-          <p:cNvPr id="5" name="Content Placeholder 4"/>
-          <p:cNvSpPr>
-            <a:spLocks noGrp="1"/>
-          </p:cNvSpPr>
-          <p:nvPr>
-            <p:ph idx="1"/>
-          </p:nvPr>
-        </p:nvSpPr>
-        <p:spPr/>
-        <p:txBody>
-          <a:bodyPr/>
-          <a:lstStyle/>
-          <a:p>
-            <a:r>
-              <a:rPr lang="en-US" dirty="0" smtClean="0"/>
-              <a:t>Add [</a:t>
-            </a:r>
-            <a:r>
-              <a:rPr lang="en-US" dirty="0" err="1" smtClean="0"/>
-              <a:t>ValidateAntiForgeryToken</a:t>
-            </a:r>
-            <a:r>
-              <a:rPr lang="en-US" dirty="0" smtClean="0"/>
-              <a:t>] to actions, controllers or globally (custom implementation)</a:t>
-            </a:r>
-          </a:p>
-          <a:p>
-            <a:r>
-              <a:rPr lang="en-US" dirty="0" smtClean="0"/>
-              <a:t>Add @</a:t>
-            </a:r>
-            <a:r>
-              <a:rPr lang="en-US" dirty="0" err="1" smtClean="0"/>
-              <a:t>Html.AntiForgeryToken</a:t>
-            </a:r>
-            <a:r>
-              <a:rPr lang="en-US" dirty="0" smtClean="0"/>
-              <a:t>() in Razor views</a:t>
-            </a:r>
-          </a:p>
-          <a:p>
-            <a:r>
-              <a:rPr lang="en-US" dirty="0" smtClean="0"/>
-              <a:t>Set the correct user ID claim type in </a:t>
-            </a:r>
-            <a:r>
-              <a:rPr lang="en-US" dirty="0" err="1" smtClean="0"/>
-              <a:t>AntiForgeryConfig</a:t>
-            </a:r>
-            <a:r>
-              <a:rPr lang="en-US" dirty="0" smtClean="0"/>
-              <a:t> if necessary</a:t>
-            </a:r>
-          </a:p>
-          <a:p>
-            <a:r>
-              <a:rPr lang="en-US" dirty="0" smtClean="0"/>
-              <a:t>Use a custom implementation for dealing with AJAX CSRF issues</a:t>
-            </a:r>
-            <a:endParaRPr lang="en-US" dirty="0"/>
-          </a:p>
-        </p:txBody>
-      </p:sp>
-    </p:spTree>
-    <p:extLst>
-      <p:ext uri="{BB962C8B-B14F-4D97-AF65-F5344CB8AC3E}">
-        <p14:creationId xmlns:p14="http://schemas.microsoft.com/office/powerpoint/2010/main" val="3728775296"/>
-      </p:ext>
-    </p:extLst>
-  </p:cSld>
-  <p:clrMapOvr>
-    <a:masterClrMapping/>
-  </p:clrMapOvr>
   <p:timing>
     <p:tnLst>
       <p:par>
@@ -4097,6 +6718,149 @@
           <a:p>
             <a:r>
               <a:rPr lang="en-US" dirty="0" smtClean="0"/>
+              <a:t>Cross-site request forgery (CSRF/XSRF)</a:t>
+            </a:r>
+            <a:endParaRPr lang="en-US" dirty="0"/>
+          </a:p>
+        </p:txBody>
+      </p:sp>
+      <p:sp>
+        <p:nvSpPr>
+          <p:cNvPr id="5" name="Content Placeholder 4"/>
+          <p:cNvSpPr>
+            <a:spLocks noGrp="1"/>
+          </p:cNvSpPr>
+          <p:nvPr>
+            <p:ph idx="1"/>
+          </p:nvPr>
+        </p:nvSpPr>
+        <p:spPr/>
+        <p:txBody>
+          <a:bodyPr/>
+          <a:lstStyle/>
+          <a:p>
+            <a:r>
+              <a:rPr lang="en-US" dirty="0" smtClean="0"/>
+              <a:t>Add [</a:t>
+            </a:r>
+            <a:r>
+              <a:rPr lang="en-US" dirty="0" err="1" smtClean="0"/>
+              <a:t>ValidateAntiForgeryToken</a:t>
+            </a:r>
+            <a:r>
+              <a:rPr lang="en-US" dirty="0" smtClean="0"/>
+              <a:t>] to actions, controllers or globally (custom implementation)</a:t>
+            </a:r>
+          </a:p>
+          <a:p>
+            <a:r>
+              <a:rPr lang="en-US" dirty="0" smtClean="0"/>
+              <a:t>Add @</a:t>
+            </a:r>
+            <a:r>
+              <a:rPr lang="en-US" dirty="0" err="1" smtClean="0"/>
+              <a:t>Html.AntiForgeryToken</a:t>
+            </a:r>
+            <a:r>
+              <a:rPr lang="en-US" dirty="0" smtClean="0"/>
+              <a:t>() in Razor views</a:t>
+            </a:r>
+          </a:p>
+          <a:p>
+            <a:r>
+              <a:rPr lang="en-US" dirty="0" smtClean="0"/>
+              <a:t>Set the correct user ID claim type in </a:t>
+            </a:r>
+            <a:r>
+              <a:rPr lang="en-US" dirty="0" err="1" smtClean="0"/>
+              <a:t>AntiForgeryConfig</a:t>
+            </a:r>
+            <a:r>
+              <a:rPr lang="en-US" dirty="0" smtClean="0"/>
+              <a:t> if necessary</a:t>
+            </a:r>
+          </a:p>
+          <a:p>
+            <a:r>
+              <a:rPr lang="en-US" dirty="0" smtClean="0"/>
+              <a:t>Use a custom implementation for dealing with AJAX CSRF </a:t>
+            </a:r>
+            <a:r>
+              <a:rPr lang="en-US" dirty="0" smtClean="0"/>
+              <a:t>issues</a:t>
+            </a:r>
+          </a:p>
+          <a:p>
+            <a:r>
+              <a:rPr lang="en-US" dirty="0">
+                <a:hlinkClick r:id="rId3"/>
+              </a:rPr>
+              <a:t>http://</a:t>
+            </a:r>
+            <a:r>
+              <a:rPr lang="en-US" dirty="0" smtClean="0">
+                <a:hlinkClick r:id="rId3"/>
+              </a:rPr>
+              <a:t>www.asp.net/mvc/overview/security/xsrfcsrf-prevention-in-aspnet-mvc-and-web-pages</a:t>
+            </a:r>
+            <a:endParaRPr lang="en-US" dirty="0" smtClean="0"/>
+          </a:p>
+        </p:txBody>
+      </p:sp>
+    </p:spTree>
+    <p:extLst>
+      <p:ext uri="{BB962C8B-B14F-4D97-AF65-F5344CB8AC3E}">
+        <p14:creationId xmlns:p14="http://schemas.microsoft.com/office/powerpoint/2010/main" val="3728775296"/>
+      </p:ext>
+    </p:extLst>
+  </p:cSld>
+  <p:clrMapOvr>
+    <a:masterClrMapping/>
+  </p:clrMapOvr>
+  <p:timing>
+    <p:tnLst>
+      <p:par>
+        <p:cTn id="1" dur="indefinite" restart="never" nodeType="tmRoot"/>
+      </p:par>
+    </p:tnLst>
+  </p:timing>
+</p:sld>
+</file>
+
+<file path=ppt/slides/slide13.xml><?xml version="1.0" encoding="utf-8"?>
+<p:sld xmlns:a="http://schemas.openxmlformats.org/drawingml/2006/main" xmlns:r="http://schemas.openxmlformats.org/officeDocument/2006/relationships" xmlns:p="http://schemas.openxmlformats.org/presentationml/2006/main">
+  <p:cSld>
+    <p:spTree>
+      <p:nvGrpSpPr>
+        <p:cNvPr id="1" name=""/>
+        <p:cNvGrpSpPr/>
+        <p:nvPr/>
+      </p:nvGrpSpPr>
+      <p:grpSpPr>
+        <a:xfrm>
+          <a:off x="0" y="0"/>
+          <a:ext cx="0" cy="0"/>
+          <a:chOff x="0" y="0"/>
+          <a:chExt cx="0" cy="0"/>
+        </a:xfrm>
+      </p:grpSpPr>
+      <p:sp>
+        <p:nvSpPr>
+          <p:cNvPr id="4" name="Title 3"/>
+          <p:cNvSpPr>
+            <a:spLocks noGrp="1"/>
+          </p:cNvSpPr>
+          <p:nvPr>
+            <p:ph type="title"/>
+          </p:nvPr>
+        </p:nvSpPr>
+        <p:spPr/>
+        <p:txBody>
+          <a:bodyPr/>
+          <a:lstStyle/>
+          <a:p>
+            <a:r>
+              <a:rPr lang="en-US" dirty="0" smtClean="0"/>
               <a:t>Cross-origin resource sharing</a:t>
             </a:r>
             <a:endParaRPr lang="en-US" dirty="0"/>
@@ -4136,13 +6900,13 @@
   <p:clrMapOvr>
     <a:masterClrMapping/>
   </p:clrMapOvr>
-  <mc:AlternateContent xmlns:mc="http://schemas.openxmlformats.org/markup-compatibility/2006">
-    <mc:Choice xmlns:p14="http://schemas.microsoft.com/office/powerpoint/2010/main" Requires="p14">
+  <mc:AlternateContent xmlns:mc="http://schemas.openxmlformats.org/markup-compatibility/2006" xmlns:p14="http://schemas.microsoft.com/office/powerpoint/2010/main">
+    <mc:Choice Requires="p14">
       <p:transition spd="med" p14:dur="700">
         <p:fade/>
       </p:transition>
     </mc:Choice>
-    <mc:Fallback>
+    <mc:Fallback xmlns="">
       <p:transition spd="med">
         <p:fade/>
       </p:transition>
@@ -4158,7 +6922,7 @@
 </p:sld>
 </file>
 
-<file path=ppt/slides/slide13.xml><?xml version="1.0" encoding="utf-8"?>
+<file path=ppt/slides/slide14.xml><?xml version="1.0" encoding="utf-8"?>
 <p:sld xmlns:a="http://schemas.openxmlformats.org/drawingml/2006/main" xmlns:r="http://schemas.openxmlformats.org/officeDocument/2006/relationships" xmlns:p="http://schemas.openxmlformats.org/presentationml/2006/main">
   <p:cSld>
     <p:spTree>
@@ -4437,7 +7201,7 @@
 </p:sld>
 </file>
 
-<file path=ppt/slides/slide14.xml><?xml version="1.0" encoding="utf-8"?>
+<file path=ppt/slides/slide15.xml><?xml version="1.0" encoding="utf-8"?>
 <p:sld xmlns:a="http://schemas.openxmlformats.org/drawingml/2006/main" xmlns:r="http://schemas.openxmlformats.org/officeDocument/2006/relationships" xmlns:p="http://schemas.openxmlformats.org/presentationml/2006/main">
   <p:cSld>
     <p:spTree>
@@ -4488,7 +7252,7 @@
           </p:nvPr>
         </p:nvPicPr>
         <p:blipFill>
-          <a:blip r:embed="rId2">
+          <a:blip r:embed="rId3">
             <a:extLst>
               <a:ext uri="{28A0092B-C50C-407E-A947-70E740481C1C}">
                 <a14:useLocalDpi xmlns:a14="http://schemas.microsoft.com/office/drawing/2010/main" val="0"/>
@@ -4515,7 +7279,7 @@
           <p:nvPr/>
         </p:nvPicPr>
         <p:blipFill>
-          <a:blip r:embed="rId3">
+          <a:blip r:embed="rId4">
             <a:extLst>
               <a:ext uri="{28A0092B-C50C-407E-A947-70E740481C1C}">
                 <a14:useLocalDpi xmlns:a14="http://schemas.microsoft.com/office/drawing/2010/main" val="0"/>
@@ -4789,7 +7553,7 @@
 </p:sld>
 </file>
 
-<file path=ppt/slides/slide15.xml><?xml version="1.0" encoding="utf-8"?>
+<file path=ppt/slides/slide16.xml><?xml version="1.0" encoding="utf-8"?>
 <p:sld xmlns:a="http://schemas.openxmlformats.org/drawingml/2006/main" xmlns:r="http://schemas.openxmlformats.org/officeDocument/2006/relationships" xmlns:p="http://schemas.openxmlformats.org/presentationml/2006/main">
   <p:cSld>
     <p:bg>
@@ -4873,152 +7637,14 @@
   <p:clrMapOvr>
     <a:masterClrMapping/>
   </p:clrMapOvr>
-  <mc:AlternateContent xmlns:mc="http://schemas.openxmlformats.org/markup-compatibility/2006">
-    <mc:Choice xmlns:p14="http://schemas.microsoft.com/office/powerpoint/2010/main" Requires="p14">
+  <mc:AlternateContent xmlns:mc="http://schemas.openxmlformats.org/markup-compatibility/2006" xmlns:p14="http://schemas.microsoft.com/office/powerpoint/2010/main">
+    <mc:Choice Requires="p14">
       <p:transition p14:dur="0"/>
     </mc:Choice>
-    <mc:Fallback>
+    <mc:Fallback xmlns="">
       <p:transition/>
     </mc:Fallback>
   </mc:AlternateContent>
-  <p:timing>
-    <p:tnLst>
-      <p:par>
-        <p:cTn id="1" dur="indefinite" restart="never" nodeType="tmRoot"/>
-      </p:par>
-    </p:tnLst>
-  </p:timing>
-</p:sld>
-</file>
-
-<file path=ppt/slides/slide16.xml><?xml version="1.0" encoding="utf-8"?>
-<p:sld xmlns:a="http://schemas.openxmlformats.org/drawingml/2006/main" xmlns:r="http://schemas.openxmlformats.org/officeDocument/2006/relationships" xmlns:p="http://schemas.openxmlformats.org/presentationml/2006/main">
-  <p:cSld>
-    <p:spTree>
-      <p:nvGrpSpPr>
-        <p:cNvPr id="1" name=""/>
-        <p:cNvGrpSpPr/>
-        <p:nvPr/>
-      </p:nvGrpSpPr>
-      <p:grpSpPr>
-        <a:xfrm>
-          <a:off x="0" y="0"/>
-          <a:ext cx="0" cy="0"/>
-          <a:chOff x="0" y="0"/>
-          <a:chExt cx="0" cy="0"/>
-        </a:xfrm>
-      </p:grpSpPr>
-      <p:sp>
-        <p:nvSpPr>
-          <p:cNvPr id="4" name="Title 3"/>
-          <p:cNvSpPr>
-            <a:spLocks noGrp="1"/>
-          </p:cNvSpPr>
-          <p:nvPr>
-            <p:ph type="title"/>
-          </p:nvPr>
-        </p:nvSpPr>
-        <p:spPr/>
-        <p:txBody>
-          <a:bodyPr/>
-          <a:lstStyle/>
-          <a:p>
-            <a:r>
-              <a:rPr lang="en-US" dirty="0"/>
-              <a:t>Cross-origin resource sharing (CORS</a:t>
-            </a:r>
-            <a:r>
-              <a:rPr lang="en-US" dirty="0" smtClean="0"/>
-              <a:t>)</a:t>
-            </a:r>
-            <a:endParaRPr lang="en-US" dirty="0"/>
-          </a:p>
-        </p:txBody>
-      </p:sp>
-      <p:sp>
-        <p:nvSpPr>
-          <p:cNvPr id="5" name="Content Placeholder 4"/>
-          <p:cNvSpPr>
-            <a:spLocks noGrp="1"/>
-          </p:cNvSpPr>
-          <p:nvPr>
-            <p:ph idx="1"/>
-          </p:nvPr>
-        </p:nvSpPr>
-        <p:spPr/>
-        <p:txBody>
-          <a:bodyPr/>
-          <a:lstStyle/>
-          <a:p>
-            <a:r>
-              <a:rPr lang="en-US" dirty="0" smtClean="0"/>
-              <a:t>Install-Package </a:t>
-            </a:r>
-            <a:r>
-              <a:rPr lang="en-US" dirty="0" err="1" smtClean="0"/>
-              <a:t>Microsoft.AspNet.WebApi.Cors</a:t>
-            </a:r>
-            <a:endParaRPr lang="en-US" dirty="0" smtClean="0"/>
-          </a:p>
-          <a:p>
-            <a:r>
-              <a:rPr lang="en-US" dirty="0" smtClean="0"/>
-              <a:t>Add </a:t>
-            </a:r>
-            <a:r>
-              <a:rPr lang="en-US" dirty="0" err="1" smtClean="0"/>
-              <a:t>config.EnableCors</a:t>
-            </a:r>
-            <a:r>
-              <a:rPr lang="en-US" dirty="0" smtClean="0"/>
-              <a:t>();</a:t>
-            </a:r>
-          </a:p>
-          <a:p>
-            <a:r>
-              <a:rPr lang="en-US" dirty="0" smtClean="0"/>
-              <a:t>Add [</a:t>
-            </a:r>
-            <a:r>
-              <a:rPr lang="en-US" dirty="0" err="1" smtClean="0"/>
-              <a:t>EnableCors</a:t>
-            </a:r>
-            <a:r>
-              <a:rPr lang="en-US" dirty="0" smtClean="0"/>
-              <a:t>] on controllers/actions</a:t>
-            </a:r>
-          </a:p>
-          <a:p>
-            <a:r>
-              <a:rPr lang="en-US" dirty="0" smtClean="0"/>
-              <a:t>Use a custom implementation for configuration profiles, like the </a:t>
-            </a:r>
-            <a:r>
-              <a:rPr lang="en-US" dirty="0" err="1" smtClean="0"/>
-              <a:t>NuGet</a:t>
-            </a:r>
-            <a:r>
-              <a:rPr lang="en-US" dirty="0" smtClean="0"/>
-              <a:t> package </a:t>
-            </a:r>
-            <a:r>
-              <a:rPr lang="en-US" dirty="0" err="1" smtClean="0"/>
-              <a:t>Cors.ConfigProfiles</a:t>
-            </a:r>
-            <a:endParaRPr lang="en-US" dirty="0"/>
-          </a:p>
-        </p:txBody>
-      </p:sp>
-    </p:spTree>
-    <p:extLst>
-      <p:ext uri="{BB962C8B-B14F-4D97-AF65-F5344CB8AC3E}">
-        <p14:creationId xmlns:p14="http://schemas.microsoft.com/office/powerpoint/2010/main" val="2439009398"/>
-      </p:ext>
-    </p:extLst>
-  </p:cSld>
-  <p:clrMapOvr>
-    <a:masterClrMapping/>
-  </p:clrMapOvr>
   <p:timing>
     <p:tnLst>
       <p:par>
@@ -5062,6 +7688,167 @@
           <a:lstStyle/>
           <a:p>
             <a:r>
+              <a:rPr lang="en-US" dirty="0"/>
+              <a:t>Cross-origin resource sharing (CORS</a:t>
+            </a:r>
+            <a:r>
+              <a:rPr lang="en-US" dirty="0" smtClean="0"/>
+              <a:t>)</a:t>
+            </a:r>
+            <a:endParaRPr lang="en-US" dirty="0"/>
+          </a:p>
+        </p:txBody>
+      </p:sp>
+      <p:sp>
+        <p:nvSpPr>
+          <p:cNvPr id="5" name="Content Placeholder 4"/>
+          <p:cNvSpPr>
+            <a:spLocks noGrp="1"/>
+          </p:cNvSpPr>
+          <p:nvPr>
+            <p:ph idx="1"/>
+          </p:nvPr>
+        </p:nvSpPr>
+        <p:spPr/>
+        <p:txBody>
+          <a:bodyPr/>
+          <a:lstStyle/>
+          <a:p>
+            <a:r>
+              <a:rPr lang="en-US" dirty="0" smtClean="0"/>
+              <a:t>Install-Package </a:t>
+            </a:r>
+            <a:r>
+              <a:rPr lang="en-US" dirty="0" err="1" smtClean="0"/>
+              <a:t>Microsoft.AspNet.WebApi.Cors</a:t>
+            </a:r>
+            <a:endParaRPr lang="en-US" dirty="0" smtClean="0"/>
+          </a:p>
+          <a:p>
+            <a:r>
+              <a:rPr lang="en-US" dirty="0" smtClean="0"/>
+              <a:t>Add </a:t>
+            </a:r>
+            <a:r>
+              <a:rPr lang="en-US" dirty="0" err="1" smtClean="0"/>
+              <a:t>config.EnableCors</a:t>
+            </a:r>
+            <a:r>
+              <a:rPr lang="en-US" dirty="0" smtClean="0"/>
+              <a:t>();</a:t>
+            </a:r>
+          </a:p>
+          <a:p>
+            <a:r>
+              <a:rPr lang="en-US" dirty="0" smtClean="0"/>
+              <a:t>Add [</a:t>
+            </a:r>
+            <a:r>
+              <a:rPr lang="en-US" dirty="0" err="1" smtClean="0"/>
+              <a:t>EnableCors</a:t>
+            </a:r>
+            <a:r>
+              <a:rPr lang="en-US" dirty="0" smtClean="0"/>
+              <a:t>] or [</a:t>
+            </a:r>
+            <a:r>
+              <a:rPr lang="en-US" dirty="0" err="1" smtClean="0"/>
+              <a:t>DisableCors</a:t>
+            </a:r>
+            <a:r>
+              <a:rPr lang="en-US" dirty="0" smtClean="0"/>
+              <a:t>] on controllers/actions</a:t>
+            </a:r>
+          </a:p>
+          <a:p>
+            <a:r>
+              <a:rPr lang="en-US" dirty="0" smtClean="0"/>
+              <a:t>Use a custom implementation for configuration profiles, like the </a:t>
+            </a:r>
+            <a:r>
+              <a:rPr lang="en-US" dirty="0" err="1" smtClean="0"/>
+              <a:t>NuGet</a:t>
+            </a:r>
+            <a:r>
+              <a:rPr lang="en-US" dirty="0" smtClean="0"/>
+              <a:t> package </a:t>
+            </a:r>
+            <a:r>
+              <a:rPr lang="en-US" dirty="0" err="1" smtClean="0"/>
+              <a:t>Cors.ConfigProfiles</a:t>
+            </a:r>
+            <a:endParaRPr lang="en-US" dirty="0" smtClean="0"/>
+          </a:p>
+          <a:p>
+            <a:r>
+              <a:rPr lang="en-US" dirty="0">
+                <a:hlinkClick r:id="rId2"/>
+              </a:rPr>
+              <a:t>http://enable-cors.org</a:t>
+            </a:r>
+            <a:r>
+              <a:rPr lang="en-US" dirty="0" smtClean="0">
+                <a:hlinkClick r:id="rId2"/>
+              </a:rPr>
+              <a:t>/</a:t>
+            </a:r>
+            <a:endParaRPr lang="en-US" dirty="0" smtClean="0"/>
+          </a:p>
+        </p:txBody>
+      </p:sp>
+    </p:spTree>
+    <p:extLst>
+      <p:ext uri="{BB962C8B-B14F-4D97-AF65-F5344CB8AC3E}">
+        <p14:creationId xmlns:p14="http://schemas.microsoft.com/office/powerpoint/2010/main" val="2439009398"/>
+      </p:ext>
+    </p:extLst>
+  </p:cSld>
+  <p:clrMapOvr>
+    <a:masterClrMapping/>
+  </p:clrMapOvr>
+  <p:timing>
+    <p:tnLst>
+      <p:par>
+        <p:cTn id="1" dur="indefinite" restart="never" nodeType="tmRoot"/>
+      </p:par>
+    </p:tnLst>
+  </p:timing>
+</p:sld>
+</file>
+
+<file path=ppt/slides/slide18.xml><?xml version="1.0" encoding="utf-8"?>
+<p:sld xmlns:a="http://schemas.openxmlformats.org/drawingml/2006/main" xmlns:r="http://schemas.openxmlformats.org/officeDocument/2006/relationships" xmlns:p="http://schemas.openxmlformats.org/presentationml/2006/main">
+  <p:cSld>
+    <p:spTree>
+      <p:nvGrpSpPr>
+        <p:cNvPr id="1" name=""/>
+        <p:cNvGrpSpPr/>
+        <p:nvPr/>
+      </p:nvGrpSpPr>
+      <p:grpSpPr>
+        <a:xfrm>
+          <a:off x="0" y="0"/>
+          <a:ext cx="0" cy="0"/>
+          <a:chOff x="0" y="0"/>
+          <a:chExt cx="0" cy="0"/>
+        </a:xfrm>
+      </p:grpSpPr>
+      <p:sp>
+        <p:nvSpPr>
+          <p:cNvPr id="4" name="Title 3"/>
+          <p:cNvSpPr>
+            <a:spLocks noGrp="1"/>
+          </p:cNvSpPr>
+          <p:nvPr>
+            <p:ph type="title"/>
+          </p:nvPr>
+        </p:nvSpPr>
+        <p:spPr/>
+        <p:txBody>
+          <a:bodyPr/>
+          <a:lstStyle/>
+          <a:p>
+            <a:r>
               <a:rPr lang="en-US" dirty="0" smtClean="0"/>
               <a:t>Content security policy</a:t>
             </a:r>
@@ -5102,13 +7889,13 @@
   <p:clrMapOvr>
     <a:masterClrMapping/>
   </p:clrMapOvr>
-  <mc:AlternateContent xmlns:mc="http://schemas.openxmlformats.org/markup-compatibility/2006">
-    <mc:Choice xmlns:p14="http://schemas.microsoft.com/office/powerpoint/2010/main" Requires="p14">
+  <mc:AlternateContent xmlns:mc="http://schemas.openxmlformats.org/markup-compatibility/2006" xmlns:p14="http://schemas.microsoft.com/office/powerpoint/2010/main">
+    <mc:Choice Requires="p14">
       <p:transition spd="med" p14:dur="700">
         <p:fade/>
       </p:transition>
     </mc:Choice>
-    <mc:Fallback>
+    <mc:Fallback xmlns="">
       <p:transition spd="med">
         <p:fade/>
       </p:transition>
@@ -5124,7 +7911,7 @@
 </p:sld>
 </file>
 
-<file path=ppt/slides/slide18.xml><?xml version="1.0" encoding="utf-8"?>
+<file path=ppt/slides/slide19.xml><?xml version="1.0" encoding="utf-8"?>
 <p:sld xmlns:a="http://schemas.openxmlformats.org/drawingml/2006/main" xmlns:r="http://schemas.openxmlformats.org/officeDocument/2006/relationships" xmlns:p="http://schemas.openxmlformats.org/presentationml/2006/main">
   <p:cSld>
     <p:spTree>
@@ -5498,108 +8285,6 @@
 </p:sld>
 </file>
 
-<file path=ppt/slides/slide19.xml><?xml version="1.0" encoding="utf-8"?>
-<p:sld xmlns:a="http://schemas.openxmlformats.org/drawingml/2006/main" xmlns:r="http://schemas.openxmlformats.org/officeDocument/2006/relationships" xmlns:p="http://schemas.openxmlformats.org/presentationml/2006/main">
-  <p:cSld>
-    <p:bg>
-      <p:bgPr>
-        <a:solidFill>
-          <a:schemeClr val="accent2">
-            <a:lumMod val="20000"/>
-            <a:lumOff val="80000"/>
-          </a:schemeClr>
-        </a:solidFill>
-        <a:effectLst/>
-      </p:bgPr>
-    </p:bg>
-    <p:spTree>
-      <p:nvGrpSpPr>
-        <p:cNvPr id="1" name=""/>
-        <p:cNvGrpSpPr/>
-        <p:nvPr/>
-      </p:nvGrpSpPr>
-      <p:grpSpPr>
-        <a:xfrm>
-          <a:off x="0" y="0"/>
-          <a:ext cx="0" cy="0"/>
-          <a:chOff x="0" y="0"/>
-          <a:chExt cx="0" cy="0"/>
-        </a:xfrm>
-      </p:grpSpPr>
-      <p:sp>
-        <p:nvSpPr>
-          <p:cNvPr id="4" name="Title 3"/>
-          <p:cNvSpPr>
-            <a:spLocks noGrp="1"/>
-          </p:cNvSpPr>
-          <p:nvPr>
-            <p:ph type="title"/>
-          </p:nvPr>
-        </p:nvSpPr>
-        <p:spPr/>
-        <p:txBody>
-          <a:bodyPr/>
-          <a:lstStyle/>
-          <a:p>
-            <a:r>
-              <a:rPr lang="en-US" dirty="0" smtClean="0"/>
-              <a:t>Demo</a:t>
-            </a:r>
-            <a:endParaRPr lang="en-US" dirty="0"/>
-          </a:p>
-        </p:txBody>
-      </p:sp>
-      <p:sp>
-        <p:nvSpPr>
-          <p:cNvPr id="5" name="Text Placeholder 4"/>
-          <p:cNvSpPr>
-            <a:spLocks noGrp="1"/>
-          </p:cNvSpPr>
-          <p:nvPr>
-            <p:ph type="body" idx="1"/>
-          </p:nvPr>
-        </p:nvSpPr>
-        <p:spPr/>
-        <p:txBody>
-          <a:bodyPr/>
-          <a:lstStyle/>
-          <a:p>
-            <a:r>
-              <a:rPr lang="en-US" dirty="0" smtClean="0"/>
-              <a:t>CSP</a:t>
-            </a:r>
-            <a:endParaRPr lang="en-US" dirty="0"/>
-          </a:p>
-        </p:txBody>
-      </p:sp>
-    </p:spTree>
-    <p:extLst>
-      <p:ext uri="{BB962C8B-B14F-4D97-AF65-F5344CB8AC3E}">
-        <p14:creationId xmlns:p14="http://schemas.microsoft.com/office/powerpoint/2010/main" val="1217176806"/>
-      </p:ext>
-    </p:extLst>
-  </p:cSld>
-  <p:clrMapOvr>
-    <a:masterClrMapping/>
-  </p:clrMapOvr>
-  <mc:AlternateContent xmlns:mc="http://schemas.openxmlformats.org/markup-compatibility/2006">
-    <mc:Choice xmlns:p14="http://schemas.microsoft.com/office/powerpoint/2010/main" Requires="p14">
-      <p:transition p14:dur="0"/>
-    </mc:Choice>
-    <mc:Fallback>
-      <p:transition/>
-    </mc:Fallback>
-  </mc:AlternateContent>
-  <p:timing>
-    <p:tnLst>
-      <p:par>
-        <p:cTn id="1" dur="indefinite" restart="never" nodeType="tmRoot"/>
-      </p:par>
-    </p:tnLst>
-  </p:timing>
-</p:sld>
-</file>
-
 <file path=ppt/slides/slide2.xml><?xml version="1.0" encoding="utf-8"?>
 <p:sld xmlns:a="http://schemas.openxmlformats.org/drawingml/2006/main" xmlns:r="http://schemas.openxmlformats.org/officeDocument/2006/relationships" xmlns:p="http://schemas.openxmlformats.org/presentationml/2006/main">
   <p:cSld>
@@ -5947,6 +8632,17 @@
 <file path=ppt/slides/slide20.xml><?xml version="1.0" encoding="utf-8"?>
 <p:sld xmlns:a="http://schemas.openxmlformats.org/drawingml/2006/main" xmlns:r="http://schemas.openxmlformats.org/officeDocument/2006/relationships" xmlns:p="http://schemas.openxmlformats.org/presentationml/2006/main">
   <p:cSld>
+    <p:bg>
+      <p:bgPr>
+        <a:solidFill>
+          <a:schemeClr val="accent2">
+            <a:lumMod val="20000"/>
+            <a:lumOff val="80000"/>
+          </a:schemeClr>
+        </a:solidFill>
+        <a:effectLst/>
+      </p:bgPr>
+    </p:bg>
     <p:spTree>
       <p:nvGrpSpPr>
         <p:cNvPr id="1" name=""/>
@@ -5977,20 +8673,8 @@
           <a:lstStyle/>
           <a:p>
             <a:r>
-              <a:rPr lang="en-US" dirty="0"/>
-              <a:t>Content </a:t>
-            </a:r>
-            <a:r>
-              <a:rPr lang="en-US" dirty="0" smtClean="0"/>
-              <a:t>security policy </a:t>
-            </a:r>
-            <a:r>
-              <a:rPr lang="en-US" dirty="0"/>
-              <a:t>(CSP</a:t>
-            </a:r>
-            <a:r>
-              <a:rPr lang="en-US" dirty="0" smtClean="0"/>
-              <a:t>)</a:t>
+              <a:rPr lang="en-US" dirty="0" smtClean="0"/>
+              <a:t>Demo</a:t>
             </a:r>
             <a:endParaRPr lang="en-US" dirty="0"/>
           </a:p>
@@ -5998,98 +8682,45 @@
       </p:sp>
       <p:sp>
         <p:nvSpPr>
-          <p:cNvPr id="5" name="Content Placeholder 4"/>
-          <p:cNvSpPr>
-            <a:spLocks noGrp="1"/>
-          </p:cNvSpPr>
-          <p:nvPr>
-            <p:ph idx="1"/>
-          </p:nvPr>
-        </p:nvSpPr>
-        <p:spPr/>
-        <p:txBody>
-          <a:bodyPr/>
-          <a:lstStyle/>
-          <a:p>
-            <a:r>
-              <a:rPr lang="en-US" dirty="0" smtClean="0"/>
-              <a:t>Content-Security-Policy or Content-Security-Policy-Report-Only</a:t>
-            </a:r>
-          </a:p>
-          <a:p>
-            <a:r>
-              <a:rPr lang="en-US" dirty="0" smtClean="0"/>
-              <a:t>Add the Content-Security-Policy (or report only) header to </a:t>
-            </a:r>
-            <a:r>
-              <a:rPr lang="en-US" dirty="0" err="1" smtClean="0"/>
-              <a:t>web.config</a:t>
-            </a:r>
-            <a:endParaRPr lang="en-US" dirty="0" smtClean="0"/>
-          </a:p>
-          <a:p>
-            <a:r>
-              <a:rPr lang="en-US" dirty="0" smtClean="0"/>
-              <a:t>Or: Install-Package </a:t>
-            </a:r>
-            <a:r>
-              <a:rPr lang="en-US" dirty="0" err="1" smtClean="0"/>
-              <a:t>NWebSec</a:t>
-            </a:r>
-            <a:r>
-              <a:rPr lang="en-US" dirty="0" smtClean="0"/>
-              <a:t> + </a:t>
-            </a:r>
-            <a:r>
-              <a:rPr lang="en-US" dirty="0" err="1" smtClean="0"/>
-              <a:t>NWebSec.Mvc</a:t>
-            </a:r>
-            <a:endParaRPr lang="en-US" dirty="0" smtClean="0"/>
-          </a:p>
-          <a:p>
-            <a:r>
-              <a:rPr lang="en-US" dirty="0" smtClean="0"/>
-              <a:t>Use report-only to test, add report-</a:t>
-            </a:r>
-            <a:r>
-              <a:rPr lang="en-US" dirty="0" err="1" smtClean="0"/>
-              <a:t>uri</a:t>
-            </a:r>
-            <a:r>
-              <a:rPr lang="en-US" dirty="0" smtClean="0"/>
-              <a:t> in production</a:t>
-            </a:r>
-          </a:p>
-          <a:p>
-            <a:r>
-              <a:rPr lang="en-US" dirty="0" smtClean="0">
-                <a:hlinkClick r:id="rId2"/>
-              </a:rPr>
-              <a:t>http://content-security-policy.com/</a:t>
-            </a:r>
-            <a:endParaRPr lang="en-US" dirty="0" smtClean="0"/>
-          </a:p>
-          <a:p>
-            <a:r>
-              <a:rPr lang="en-US" dirty="0" smtClean="0">
-                <a:hlinkClick r:id="rId3"/>
-              </a:rPr>
-              <a:t>https://report-uri.io</a:t>
-            </a:r>
-            <a:endParaRPr lang="en-US" dirty="0" smtClean="0"/>
+          <p:cNvPr id="5" name="Text Placeholder 4"/>
+          <p:cNvSpPr>
+            <a:spLocks noGrp="1"/>
+          </p:cNvSpPr>
+          <p:nvPr>
+            <p:ph type="body" idx="1"/>
+          </p:nvPr>
+        </p:nvSpPr>
+        <p:spPr/>
+        <p:txBody>
+          <a:bodyPr/>
+          <a:lstStyle/>
+          <a:p>
+            <a:r>
+              <a:rPr lang="en-US" dirty="0" smtClean="0"/>
+              <a:t>CSP</a:t>
+            </a:r>
+            <a:endParaRPr lang="en-US" dirty="0"/>
           </a:p>
         </p:txBody>
       </p:sp>
     </p:spTree>
     <p:extLst>
       <p:ext uri="{BB962C8B-B14F-4D97-AF65-F5344CB8AC3E}">
-        <p14:creationId xmlns:p14="http://schemas.microsoft.com/office/powerpoint/2010/main" val="1207545825"/>
+        <p14:creationId xmlns:p14="http://schemas.microsoft.com/office/powerpoint/2010/main" val="1217176806"/>
       </p:ext>
     </p:extLst>
   </p:cSld>
   <p:clrMapOvr>
     <a:masterClrMapping/>
   </p:clrMapOvr>
+  <mc:AlternateContent xmlns:mc="http://schemas.openxmlformats.org/markup-compatibility/2006" xmlns:p14="http://schemas.microsoft.com/office/powerpoint/2010/main">
+    <mc:Choice Requires="p14">
+      <p:transition p14:dur="0"/>
+    </mc:Choice>
+    <mc:Fallback xmlns="">
+      <p:transition/>
+    </mc:Fallback>
+  </mc:AlternateContent>
   <p:timing>
     <p:tnLst>
       <p:par>
@@ -6133,6 +8764,189 @@
           <a:lstStyle/>
           <a:p>
             <a:r>
+              <a:rPr lang="en-US" dirty="0"/>
+              <a:t>Content </a:t>
+            </a:r>
+            <a:r>
+              <a:rPr lang="en-US" dirty="0" smtClean="0"/>
+              <a:t>security policy </a:t>
+            </a:r>
+            <a:r>
+              <a:rPr lang="en-US" dirty="0"/>
+              <a:t>(CSP</a:t>
+            </a:r>
+            <a:r>
+              <a:rPr lang="en-US" dirty="0" smtClean="0"/>
+              <a:t>)</a:t>
+            </a:r>
+            <a:endParaRPr lang="en-US" dirty="0"/>
+          </a:p>
+        </p:txBody>
+      </p:sp>
+      <p:sp>
+        <p:nvSpPr>
+          <p:cNvPr id="5" name="Content Placeholder 4"/>
+          <p:cNvSpPr>
+            <a:spLocks noGrp="1"/>
+          </p:cNvSpPr>
+          <p:nvPr>
+            <p:ph idx="1"/>
+          </p:nvPr>
+        </p:nvSpPr>
+        <p:spPr/>
+        <p:txBody>
+          <a:bodyPr/>
+          <a:lstStyle/>
+          <a:p>
+            <a:r>
+              <a:rPr lang="en-US" dirty="0" smtClean="0"/>
+              <a:t>Content-Security-Policy or Content-Security-Policy-Report-Only</a:t>
+            </a:r>
+          </a:p>
+          <a:p>
+            <a:r>
+              <a:rPr lang="en-US" dirty="0" smtClean="0"/>
+              <a:t>Add the Content-Security-Policy (or report only) header to </a:t>
+            </a:r>
+            <a:r>
+              <a:rPr lang="en-US" dirty="0" err="1" smtClean="0"/>
+              <a:t>web.config</a:t>
+            </a:r>
+            <a:endParaRPr lang="en-US" dirty="0" smtClean="0"/>
+          </a:p>
+          <a:p>
+            <a:r>
+              <a:rPr lang="en-US" dirty="0" smtClean="0"/>
+              <a:t>Or: Install-Package </a:t>
+            </a:r>
+            <a:r>
+              <a:rPr lang="en-US" dirty="0" err="1" smtClean="0"/>
+              <a:t>NWebSec</a:t>
+            </a:r>
+            <a:r>
+              <a:rPr lang="en-US" dirty="0" smtClean="0"/>
+              <a:t> + </a:t>
+            </a:r>
+            <a:r>
+              <a:rPr lang="en-US" dirty="0" err="1" smtClean="0"/>
+              <a:t>NWebSec.Mvc</a:t>
+            </a:r>
+            <a:endParaRPr lang="en-US" dirty="0" smtClean="0"/>
+          </a:p>
+          <a:p>
+            <a:r>
+              <a:rPr lang="en-US" dirty="0" smtClean="0"/>
+              <a:t>Use report-only to test, add report-</a:t>
+            </a:r>
+            <a:r>
+              <a:rPr lang="en-US" dirty="0" err="1" smtClean="0"/>
+              <a:t>uri</a:t>
+            </a:r>
+            <a:r>
+              <a:rPr lang="en-US" dirty="0" smtClean="0"/>
+              <a:t> in production</a:t>
+            </a:r>
+          </a:p>
+          <a:p>
+            <a:r>
+              <a:rPr lang="en-US" dirty="0" smtClean="0">
+                <a:hlinkClick r:id="rId2"/>
+              </a:rPr>
+              <a:t>http://content-security-policy.com</a:t>
+            </a:r>
+            <a:r>
+              <a:rPr lang="en-US" dirty="0" smtClean="0">
+                <a:hlinkClick r:id="rId2"/>
+              </a:rPr>
+              <a:t>/</a:t>
+            </a:r>
+            <a:endParaRPr lang="en-US" dirty="0" smtClean="0"/>
+          </a:p>
+          <a:p>
+            <a:r>
+              <a:rPr lang="en-US" dirty="0">
+                <a:hlinkClick r:id="rId3"/>
+              </a:rPr>
+              <a:t>http://www.html5rocks.com/en/tutorials/security/content-security-policy</a:t>
+            </a:r>
+            <a:r>
+              <a:rPr lang="en-US" dirty="0" smtClean="0">
+                <a:hlinkClick r:id="rId3"/>
+              </a:rPr>
+              <a:t>/</a:t>
+            </a:r>
+            <a:endParaRPr lang="en-US" dirty="0" smtClean="0"/>
+          </a:p>
+          <a:p>
+            <a:r>
+              <a:rPr lang="en-US" dirty="0" smtClean="0">
+                <a:hlinkClick r:id="rId4"/>
+              </a:rPr>
+              <a:t>https</a:t>
+            </a:r>
+            <a:r>
+              <a:rPr lang="en-US" dirty="0" smtClean="0">
+                <a:hlinkClick r:id="rId4"/>
+              </a:rPr>
+              <a:t>://report-uri.io</a:t>
+            </a:r>
+            <a:endParaRPr lang="en-US" dirty="0" smtClean="0"/>
+          </a:p>
+        </p:txBody>
+      </p:sp>
+    </p:spTree>
+    <p:extLst>
+      <p:ext uri="{BB962C8B-B14F-4D97-AF65-F5344CB8AC3E}">
+        <p14:creationId xmlns:p14="http://schemas.microsoft.com/office/powerpoint/2010/main" val="1207545825"/>
+      </p:ext>
+    </p:extLst>
+  </p:cSld>
+  <p:clrMapOvr>
+    <a:masterClrMapping/>
+  </p:clrMapOvr>
+  <p:timing>
+    <p:tnLst>
+      <p:par>
+        <p:cTn id="1" dur="indefinite" restart="never" nodeType="tmRoot"/>
+      </p:par>
+    </p:tnLst>
+  </p:timing>
+</p:sld>
+</file>
+
+<file path=ppt/slides/slide22.xml><?xml version="1.0" encoding="utf-8"?>
+<p:sld xmlns:a="http://schemas.openxmlformats.org/drawingml/2006/main" xmlns:r="http://schemas.openxmlformats.org/officeDocument/2006/relationships" xmlns:p="http://schemas.openxmlformats.org/presentationml/2006/main">
+  <p:cSld>
+    <p:spTree>
+      <p:nvGrpSpPr>
+        <p:cNvPr id="1" name=""/>
+        <p:cNvGrpSpPr/>
+        <p:nvPr/>
+      </p:nvGrpSpPr>
+      <p:grpSpPr>
+        <a:xfrm>
+          <a:off x="0" y="0"/>
+          <a:ext cx="0" cy="0"/>
+          <a:chOff x="0" y="0"/>
+          <a:chExt cx="0" cy="0"/>
+        </a:xfrm>
+      </p:grpSpPr>
+      <p:sp>
+        <p:nvSpPr>
+          <p:cNvPr id="4" name="Title 3"/>
+          <p:cNvSpPr>
+            <a:spLocks noGrp="1"/>
+          </p:cNvSpPr>
+          <p:nvPr>
+            <p:ph type="title"/>
+          </p:nvPr>
+        </p:nvSpPr>
+        <p:spPr/>
+        <p:txBody>
+          <a:bodyPr/>
+          <a:lstStyle/>
+          <a:p>
+            <a:r>
               <a:rPr lang="en-US" dirty="0" smtClean="0"/>
               <a:t>HTTP strict transport security</a:t>
             </a:r>
@@ -6173,13 +8987,13 @@
   <p:clrMapOvr>
     <a:masterClrMapping/>
   </p:clrMapOvr>
-  <mc:AlternateContent xmlns:mc="http://schemas.openxmlformats.org/markup-compatibility/2006">
-    <mc:Choice xmlns:p14="http://schemas.microsoft.com/office/powerpoint/2010/main" Requires="p14">
+  <mc:AlternateContent xmlns:mc="http://schemas.openxmlformats.org/markup-compatibility/2006" xmlns:p14="http://schemas.microsoft.com/office/powerpoint/2010/main">
+    <mc:Choice Requires="p14">
       <p:transition spd="med" p14:dur="700">
         <p:fade/>
       </p:transition>
     </mc:Choice>
-    <mc:Fallback>
+    <mc:Fallback xmlns="">
       <p:transition spd="med">
         <p:fade/>
       </p:transition>
@@ -6195,7 +9009,7 @@
 </p:sld>
 </file>
 
-<file path=ppt/slides/slide22.xml><?xml version="1.0" encoding="utf-8"?>
+<file path=ppt/slides/slide23.xml><?xml version="1.0" encoding="utf-8"?>
 <p:sld xmlns:a="http://schemas.openxmlformats.org/drawingml/2006/main" xmlns:r="http://schemas.openxmlformats.org/officeDocument/2006/relationships" xmlns:p="http://schemas.openxmlformats.org/presentationml/2006/main">
   <p:cSld>
     <p:spTree>
@@ -6352,7 +9166,7 @@
 </p:sld>
 </file>
 
-<file path=ppt/slides/slide23.xml><?xml version="1.0" encoding="utf-8"?>
+<file path=ppt/slides/slide24.xml><?xml version="1.0" encoding="utf-8"?>
 <p:sld xmlns:a="http://schemas.openxmlformats.org/drawingml/2006/main" xmlns:r="http://schemas.openxmlformats.org/officeDocument/2006/relationships" xmlns:p="http://schemas.openxmlformats.org/presentationml/2006/main">
   <p:cSld>
     <p:bg>
@@ -6436,133 +9250,14 @@
   <p:clrMapOvr>
     <a:masterClrMapping/>
   </p:clrMapOvr>
-  <mc:AlternateContent xmlns:mc="http://schemas.openxmlformats.org/markup-compatibility/2006">
-    <mc:Choice xmlns:p14="http://schemas.microsoft.com/office/powerpoint/2010/main" Requires="p14">
+  <mc:AlternateContent xmlns:mc="http://schemas.openxmlformats.org/markup-compatibility/2006" xmlns:p14="http://schemas.microsoft.com/office/powerpoint/2010/main">
+    <mc:Choice Requires="p14">
       <p:transition p14:dur="0"/>
     </mc:Choice>
-    <mc:Fallback>
+    <mc:Fallback xmlns="">
       <p:transition/>
     </mc:Fallback>
   </mc:AlternateContent>
-  <p:timing>
-    <p:tnLst>
-      <p:par>
-        <p:cTn id="1" dur="indefinite" restart="never" nodeType="tmRoot"/>
-      </p:par>
-    </p:tnLst>
-  </p:timing>
-</p:sld>
-</file>
-
-<file path=ppt/slides/slide24.xml><?xml version="1.0" encoding="utf-8"?>
-<p:sld xmlns:a="http://schemas.openxmlformats.org/drawingml/2006/main" xmlns:r="http://schemas.openxmlformats.org/officeDocument/2006/relationships" xmlns:p="http://schemas.openxmlformats.org/presentationml/2006/main">
-  <p:cSld>
-    <p:spTree>
-      <p:nvGrpSpPr>
-        <p:cNvPr id="1" name=""/>
-        <p:cNvGrpSpPr/>
-        <p:nvPr/>
-      </p:nvGrpSpPr>
-      <p:grpSpPr>
-        <a:xfrm>
-          <a:off x="0" y="0"/>
-          <a:ext cx="0" cy="0"/>
-          <a:chOff x="0" y="0"/>
-          <a:chExt cx="0" cy="0"/>
-        </a:xfrm>
-      </p:grpSpPr>
-      <p:sp>
-        <p:nvSpPr>
-          <p:cNvPr id="4" name="Title 3"/>
-          <p:cNvSpPr>
-            <a:spLocks noGrp="1"/>
-          </p:cNvSpPr>
-          <p:nvPr>
-            <p:ph type="title"/>
-          </p:nvPr>
-        </p:nvSpPr>
-        <p:spPr/>
-        <p:txBody>
-          <a:bodyPr/>
-          <a:lstStyle/>
-          <a:p>
-            <a:r>
-              <a:rPr lang="en-US" dirty="0" smtClean="0"/>
-              <a:t>HTTP strict transport security (HSTS)</a:t>
-            </a:r>
-            <a:endParaRPr lang="en-US" dirty="0"/>
-          </a:p>
-        </p:txBody>
-      </p:sp>
-      <p:sp>
-        <p:nvSpPr>
-          <p:cNvPr id="5" name="Content Placeholder 4"/>
-          <p:cNvSpPr>
-            <a:spLocks noGrp="1"/>
-          </p:cNvSpPr>
-          <p:nvPr>
-            <p:ph idx="1"/>
-          </p:nvPr>
-        </p:nvSpPr>
-        <p:spPr/>
-        <p:txBody>
-          <a:bodyPr/>
-          <a:lstStyle/>
-          <a:p>
-            <a:r>
-              <a:rPr lang="en-US" dirty="0" smtClean="0"/>
-              <a:t>Add the Strict-Transport-Security header in </a:t>
-            </a:r>
-            <a:r>
-              <a:rPr lang="en-US" dirty="0" err="1" smtClean="0"/>
-              <a:t>web.config</a:t>
-            </a:r>
-            <a:r>
-              <a:rPr lang="en-US" dirty="0" smtClean="0"/>
-              <a:t> (or use </a:t>
-            </a:r>
-            <a:r>
-              <a:rPr lang="en-US" dirty="0" err="1" smtClean="0"/>
-              <a:t>NWebSec</a:t>
-            </a:r>
-            <a:r>
-              <a:rPr lang="en-US" dirty="0" smtClean="0"/>
-              <a:t>)</a:t>
-            </a:r>
-          </a:p>
-          <a:p>
-            <a:r>
-              <a:rPr lang="en-US" dirty="0" smtClean="0"/>
-              <a:t>Preload! Browser will do a local redirect (307) without ever hitting the network!</a:t>
-            </a:r>
-          </a:p>
-          <a:p>
-            <a:r>
-              <a:rPr lang="en-US" dirty="0" smtClean="0">
-                <a:hlinkClick r:id="rId2"/>
-              </a:rPr>
-              <a:t>https://hstspreload.appspot.com/</a:t>
-            </a:r>
-            <a:endParaRPr lang="en-US" dirty="0" smtClean="0"/>
-          </a:p>
-          <a:p>
-            <a:r>
-              <a:rPr lang="en-US" dirty="0" smtClean="0"/>
-              <a:t>chrome://net-internals/#hsts</a:t>
-            </a:r>
-          </a:p>
-        </p:txBody>
-      </p:sp>
-    </p:spTree>
-    <p:extLst>
-      <p:ext uri="{BB962C8B-B14F-4D97-AF65-F5344CB8AC3E}">
-        <p14:creationId xmlns:p14="http://schemas.microsoft.com/office/powerpoint/2010/main" val="1070984892"/>
-      </p:ext>
-    </p:extLst>
-  </p:cSld>
-  <p:clrMapOvr>
-    <a:masterClrMapping/>
-  </p:clrMapOvr>
   <p:timing>
     <p:tnLst>
       <p:par>
@@ -6607,6 +9302,125 @@
           <a:p>
             <a:r>
               <a:rPr lang="en-US" dirty="0" smtClean="0"/>
+              <a:t>HTTP strict transport security (HSTS)</a:t>
+            </a:r>
+            <a:endParaRPr lang="en-US" dirty="0"/>
+          </a:p>
+        </p:txBody>
+      </p:sp>
+      <p:sp>
+        <p:nvSpPr>
+          <p:cNvPr id="5" name="Content Placeholder 4"/>
+          <p:cNvSpPr>
+            <a:spLocks noGrp="1"/>
+          </p:cNvSpPr>
+          <p:nvPr>
+            <p:ph idx="1"/>
+          </p:nvPr>
+        </p:nvSpPr>
+        <p:spPr/>
+        <p:txBody>
+          <a:bodyPr/>
+          <a:lstStyle/>
+          <a:p>
+            <a:r>
+              <a:rPr lang="en-US" dirty="0" smtClean="0"/>
+              <a:t>Add the Strict-Transport-Security header in </a:t>
+            </a:r>
+            <a:r>
+              <a:rPr lang="en-US" dirty="0" err="1" smtClean="0"/>
+              <a:t>web.config</a:t>
+            </a:r>
+            <a:r>
+              <a:rPr lang="en-US" dirty="0" smtClean="0"/>
+              <a:t> (or use </a:t>
+            </a:r>
+            <a:r>
+              <a:rPr lang="en-US" dirty="0" err="1" smtClean="0"/>
+              <a:t>NWebSec</a:t>
+            </a:r>
+            <a:r>
+              <a:rPr lang="en-US" dirty="0" smtClean="0"/>
+              <a:t>)</a:t>
+            </a:r>
+          </a:p>
+          <a:p>
+            <a:r>
+              <a:rPr lang="en-US" dirty="0" smtClean="0"/>
+              <a:t>Preload! Browser will do a local redirect (307) without ever hitting the network!</a:t>
+            </a:r>
+          </a:p>
+          <a:p>
+            <a:r>
+              <a:rPr lang="en-US" dirty="0" smtClean="0">
+                <a:hlinkClick r:id="rId3"/>
+              </a:rPr>
+              <a:t>https://hstspreload.appspot.com/</a:t>
+            </a:r>
+            <a:endParaRPr lang="en-US" dirty="0" smtClean="0"/>
+          </a:p>
+          <a:p>
+            <a:r>
+              <a:rPr lang="en-US" dirty="0" smtClean="0"/>
+              <a:t>chrome://net-internals/#hsts</a:t>
+            </a:r>
+          </a:p>
+        </p:txBody>
+      </p:sp>
+    </p:spTree>
+    <p:extLst>
+      <p:ext uri="{BB962C8B-B14F-4D97-AF65-F5344CB8AC3E}">
+        <p14:creationId xmlns:p14="http://schemas.microsoft.com/office/powerpoint/2010/main" val="1070984892"/>
+      </p:ext>
+    </p:extLst>
+  </p:cSld>
+  <p:clrMapOvr>
+    <a:masterClrMapping/>
+  </p:clrMapOvr>
+  <p:timing>
+    <p:tnLst>
+      <p:par>
+        <p:cTn id="1" dur="indefinite" restart="never" nodeType="tmRoot"/>
+      </p:par>
+    </p:tnLst>
+  </p:timing>
+</p:sld>
+</file>
+
+<file path=ppt/slides/slide26.xml><?xml version="1.0" encoding="utf-8"?>
+<p:sld xmlns:a="http://schemas.openxmlformats.org/drawingml/2006/main" xmlns:r="http://schemas.openxmlformats.org/officeDocument/2006/relationships" xmlns:p="http://schemas.openxmlformats.org/presentationml/2006/main">
+  <p:cSld>
+    <p:spTree>
+      <p:nvGrpSpPr>
+        <p:cNvPr id="1" name=""/>
+        <p:cNvGrpSpPr/>
+        <p:nvPr/>
+      </p:nvGrpSpPr>
+      <p:grpSpPr>
+        <a:xfrm>
+          <a:off x="0" y="0"/>
+          <a:ext cx="0" cy="0"/>
+          <a:chOff x="0" y="0"/>
+          <a:chExt cx="0" cy="0"/>
+        </a:xfrm>
+      </p:grpSpPr>
+      <p:sp>
+        <p:nvSpPr>
+          <p:cNvPr id="4" name="Title 3"/>
+          <p:cNvSpPr>
+            <a:spLocks noGrp="1"/>
+          </p:cNvSpPr>
+          <p:nvPr>
+            <p:ph type="title"/>
+          </p:nvPr>
+        </p:nvSpPr>
+        <p:spPr/>
+        <p:txBody>
+          <a:bodyPr/>
+          <a:lstStyle/>
+          <a:p>
+            <a:r>
+              <a:rPr lang="en-US" dirty="0" smtClean="0"/>
               <a:t>HTTP public key pinning</a:t>
             </a:r>
             <a:endParaRPr lang="en-US" dirty="0"/>
@@ -6646,13 +9460,13 @@
   <p:clrMapOvr>
     <a:masterClrMapping/>
   </p:clrMapOvr>
-  <mc:AlternateContent xmlns:mc="http://schemas.openxmlformats.org/markup-compatibility/2006">
-    <mc:Choice xmlns:p14="http://schemas.microsoft.com/office/powerpoint/2010/main" Requires="p14">
+  <mc:AlternateContent xmlns:mc="http://schemas.openxmlformats.org/markup-compatibility/2006" xmlns:p14="http://schemas.microsoft.com/office/powerpoint/2010/main">
+    <mc:Choice Requires="p14">
       <p:transition spd="med" p14:dur="700">
         <p:fade/>
       </p:transition>
     </mc:Choice>
-    <mc:Fallback>
+    <mc:Fallback xmlns="">
       <p:transition spd="med">
         <p:fade/>
       </p:transition>
@@ -6668,7 +9482,7 @@
 </p:sld>
 </file>
 
-<file path=ppt/slides/slide26.xml><?xml version="1.0" encoding="utf-8"?>
+<file path=ppt/slides/slide27.xml><?xml version="1.0" encoding="utf-8"?>
 <p:sld xmlns:a="http://schemas.openxmlformats.org/drawingml/2006/main" xmlns:r="http://schemas.openxmlformats.org/officeDocument/2006/relationships" xmlns:p="http://schemas.openxmlformats.org/presentationml/2006/main">
   <p:cSld>
     <p:spTree>
@@ -6935,7 +9749,7 @@
 </p:sld>
 </file>
 
-<file path=ppt/slides/slide27.xml><?xml version="1.0" encoding="utf-8"?>
+<file path=ppt/slides/slide28.xml><?xml version="1.0" encoding="utf-8"?>
 <p:sld xmlns:a="http://schemas.openxmlformats.org/drawingml/2006/main" xmlns:r="http://schemas.openxmlformats.org/officeDocument/2006/relationships" xmlns:p="http://schemas.openxmlformats.org/presentationml/2006/main">
   <p:cSld>
     <p:bg>
@@ -7019,151 +9833,14 @@
   <p:clrMapOvr>
     <a:masterClrMapping/>
   </p:clrMapOvr>
-  <mc:AlternateContent xmlns:mc="http://schemas.openxmlformats.org/markup-compatibility/2006">
-    <mc:Choice xmlns:p14="http://schemas.microsoft.com/office/powerpoint/2010/main" Requires="p14">
+  <mc:AlternateContent xmlns:mc="http://schemas.openxmlformats.org/markup-compatibility/2006" xmlns:p14="http://schemas.microsoft.com/office/powerpoint/2010/main">
+    <mc:Choice Requires="p14">
       <p:transition p14:dur="0"/>
     </mc:Choice>
-    <mc:Fallback>
+    <mc:Fallback xmlns="">
       <p:transition/>
     </mc:Fallback>
   </mc:AlternateContent>
-  <p:timing>
-    <p:tnLst>
-      <p:par>
-        <p:cTn id="1" dur="indefinite" restart="never" nodeType="tmRoot"/>
-      </p:par>
-    </p:tnLst>
-  </p:timing>
-</p:sld>
-</file>
-
-<file path=ppt/slides/slide28.xml><?xml version="1.0" encoding="utf-8"?>
-<p:sld xmlns:a="http://schemas.openxmlformats.org/drawingml/2006/main" xmlns:r="http://schemas.openxmlformats.org/officeDocument/2006/relationships" xmlns:p="http://schemas.openxmlformats.org/presentationml/2006/main">
-  <p:cSld>
-    <p:spTree>
-      <p:nvGrpSpPr>
-        <p:cNvPr id="1" name=""/>
-        <p:cNvGrpSpPr/>
-        <p:nvPr/>
-      </p:nvGrpSpPr>
-      <p:grpSpPr>
-        <a:xfrm>
-          <a:off x="0" y="0"/>
-          <a:ext cx="0" cy="0"/>
-          <a:chOff x="0" y="0"/>
-          <a:chExt cx="0" cy="0"/>
-        </a:xfrm>
-      </p:grpSpPr>
-      <p:sp>
-        <p:nvSpPr>
-          <p:cNvPr id="4" name="Title 3"/>
-          <p:cNvSpPr>
-            <a:spLocks noGrp="1"/>
-          </p:cNvSpPr>
-          <p:nvPr>
-            <p:ph type="title"/>
-          </p:nvPr>
-        </p:nvSpPr>
-        <p:spPr/>
-        <p:txBody>
-          <a:bodyPr/>
-          <a:lstStyle/>
-          <a:p>
-            <a:r>
-              <a:rPr lang="en-US" dirty="0" smtClean="0"/>
-              <a:t>HTTP public key pinning (HPKP)</a:t>
-            </a:r>
-            <a:endParaRPr lang="en-US" dirty="0"/>
-          </a:p>
-        </p:txBody>
-      </p:sp>
-      <p:sp>
-        <p:nvSpPr>
-          <p:cNvPr id="5" name="Content Placeholder 4"/>
-          <p:cNvSpPr>
-            <a:spLocks noGrp="1"/>
-          </p:cNvSpPr>
-          <p:nvPr>
-            <p:ph idx="1"/>
-          </p:nvPr>
-        </p:nvSpPr>
-        <p:spPr/>
-        <p:txBody>
-          <a:bodyPr/>
-          <a:lstStyle/>
-          <a:p>
-            <a:r>
-              <a:rPr lang="en-US" dirty="0" smtClean="0"/>
-              <a:t>Add the Public-Key-Pins header in </a:t>
-            </a:r>
-            <a:r>
-              <a:rPr lang="en-US" dirty="0" err="1" smtClean="0"/>
-              <a:t>web.config</a:t>
-            </a:r>
-            <a:r>
-              <a:rPr lang="en-US" dirty="0" smtClean="0"/>
-              <a:t> (or use </a:t>
-            </a:r>
-            <a:r>
-              <a:rPr lang="en-US" dirty="0" err="1" smtClean="0"/>
-              <a:t>NWebSec</a:t>
-            </a:r>
-            <a:r>
-              <a:rPr lang="en-US" dirty="0" smtClean="0"/>
-              <a:t>)</a:t>
-            </a:r>
-          </a:p>
-          <a:p>
-            <a:pPr lvl="1"/>
-            <a:r>
-              <a:rPr lang="en-US" dirty="0" smtClean="0"/>
-              <a:t>Use the Public-Key-Pins-Report-Only to test!</a:t>
-            </a:r>
-          </a:p>
-          <a:p>
-            <a:r>
-              <a:rPr lang="en-US" dirty="0" smtClean="0"/>
-              <a:t>You need at least two pins and a backup pin</a:t>
-            </a:r>
-          </a:p>
-          <a:p>
-            <a:r>
-              <a:rPr lang="en-US" dirty="0" smtClean="0"/>
-              <a:t>Can be hard to get it right, so start with report-only and a small max-age!</a:t>
-            </a:r>
-          </a:p>
-          <a:p>
-            <a:r>
-              <a:rPr lang="en-US" dirty="0" smtClean="0"/>
-              <a:t>Use report-</a:t>
-            </a:r>
-            <a:r>
-              <a:rPr lang="en-US" dirty="0" err="1" smtClean="0"/>
-              <a:t>uri</a:t>
-            </a:r>
-            <a:r>
-              <a:rPr lang="en-US" dirty="0" smtClean="0"/>
-              <a:t> in production!</a:t>
-            </a:r>
-          </a:p>
-          <a:p>
-            <a:r>
-              <a:rPr lang="en-US" dirty="0" smtClean="0"/>
-              <a:t>Doesn’t work/protect against locally trusted root certificates</a:t>
-            </a:r>
-          </a:p>
-        </p:txBody>
-      </p:sp>
-    </p:spTree>
-    <p:extLst>
-      <p:ext uri="{BB962C8B-B14F-4D97-AF65-F5344CB8AC3E}">
-        <p14:creationId xmlns:p14="http://schemas.microsoft.com/office/powerpoint/2010/main" val="2152578809"/>
-      </p:ext>
-    </p:extLst>
-  </p:cSld>
-  <p:clrMapOvr>
-    <a:masterClrMapping/>
-  </p:clrMapOvr>
   <p:timing>
     <p:tnLst>
       <p:par>
@@ -7208,7 +9885,7 @@
           <a:p>
             <a:r>
               <a:rPr lang="en-US" dirty="0" smtClean="0"/>
-              <a:t>Questions?</a:t>
+              <a:t>HTTP public key pinning (HPKP)</a:t>
             </a:r>
             <a:endParaRPr lang="en-US" dirty="0"/>
           </a:p>
@@ -7216,27 +9893,108 @@
       </p:sp>
       <p:sp>
         <p:nvSpPr>
-          <p:cNvPr id="5" name="Text Placeholder 4"/>
-          <p:cNvSpPr>
-            <a:spLocks noGrp="1"/>
-          </p:cNvSpPr>
-          <p:nvPr>
-            <p:ph type="body" idx="1"/>
-          </p:nvPr>
-        </p:nvSpPr>
-        <p:spPr/>
-        <p:txBody>
-          <a:bodyPr/>
-          <a:lstStyle/>
-          <a:p>
-            <a:endParaRPr lang="en-US"/>
+          <p:cNvPr id="5" name="Content Placeholder 4"/>
+          <p:cNvSpPr>
+            <a:spLocks noGrp="1"/>
+          </p:cNvSpPr>
+          <p:nvPr>
+            <p:ph idx="1"/>
+          </p:nvPr>
+        </p:nvSpPr>
+        <p:spPr/>
+        <p:txBody>
+          <a:bodyPr/>
+          <a:lstStyle/>
+          <a:p>
+            <a:r>
+              <a:rPr lang="en-US" dirty="0" smtClean="0"/>
+              <a:t>Add the Public-Key-Pins header in </a:t>
+            </a:r>
+            <a:r>
+              <a:rPr lang="en-US" dirty="0" err="1" smtClean="0"/>
+              <a:t>web.config</a:t>
+            </a:r>
+            <a:r>
+              <a:rPr lang="en-US" dirty="0" smtClean="0"/>
+              <a:t> (or use </a:t>
+            </a:r>
+            <a:r>
+              <a:rPr lang="en-US" dirty="0" err="1" smtClean="0"/>
+              <a:t>NWebSec</a:t>
+            </a:r>
+            <a:r>
+              <a:rPr lang="en-US" dirty="0" smtClean="0"/>
+              <a:t>)</a:t>
+            </a:r>
+          </a:p>
+          <a:p>
+            <a:pPr lvl="1"/>
+            <a:r>
+              <a:rPr lang="en-US" dirty="0" smtClean="0"/>
+              <a:t>Use the Public-Key-Pins-Report-Only to test!</a:t>
+            </a:r>
+          </a:p>
+          <a:p>
+            <a:r>
+              <a:rPr lang="en-US" dirty="0" smtClean="0"/>
+              <a:t>You need at least two </a:t>
+            </a:r>
+            <a:r>
+              <a:rPr lang="en-US" dirty="0" smtClean="0"/>
+              <a:t>pins</a:t>
+            </a:r>
+          </a:p>
+          <a:p>
+            <a:r>
+              <a:rPr lang="en-US" dirty="0" smtClean="0"/>
+              <a:t>You need at least one</a:t>
+            </a:r>
+            <a:r>
+              <a:rPr lang="en-US" dirty="0" smtClean="0"/>
+              <a:t> </a:t>
+            </a:r>
+            <a:r>
+              <a:rPr lang="en-US" dirty="0" smtClean="0"/>
+              <a:t>backup </a:t>
+            </a:r>
+            <a:r>
+              <a:rPr lang="en-US" dirty="0" smtClean="0"/>
+              <a:t>pin (which doesn’t apply to your current certificate chain)</a:t>
+            </a:r>
+            <a:endParaRPr lang="en-US" dirty="0" smtClean="0"/>
+          </a:p>
+          <a:p>
+            <a:r>
+              <a:rPr lang="en-US" dirty="0" smtClean="0"/>
+              <a:t>Can be hard to get it right, so start with report-only and a small max-age!</a:t>
+            </a:r>
+          </a:p>
+          <a:p>
+            <a:r>
+              <a:rPr lang="en-US" dirty="0" smtClean="0"/>
+              <a:t>Use report-</a:t>
+            </a:r>
+            <a:r>
+              <a:rPr lang="en-US" dirty="0" err="1" smtClean="0"/>
+              <a:t>uri</a:t>
+            </a:r>
+            <a:r>
+              <a:rPr lang="en-US" dirty="0" smtClean="0"/>
+              <a:t> in production!</a:t>
+            </a:r>
+          </a:p>
+          <a:p>
+            <a:r>
+              <a:rPr lang="en-US" dirty="0" smtClean="0"/>
+              <a:t>Doesn’t work/protect against locally trusted root certificates</a:t>
+            </a:r>
           </a:p>
         </p:txBody>
       </p:sp>
     </p:spTree>
     <p:extLst>
       <p:ext uri="{BB962C8B-B14F-4D97-AF65-F5344CB8AC3E}">
-        <p14:creationId xmlns:p14="http://schemas.microsoft.com/office/powerpoint/2010/main" val="3269332635"/>
+        <p14:creationId xmlns:p14="http://schemas.microsoft.com/office/powerpoint/2010/main" val="2152578809"/>
       </p:ext>
     </p:extLst>
   </p:cSld>
@@ -7310,6 +10068,12 @@
           <a:p>
             <a:r>
               <a:rPr lang="en-US" dirty="0" smtClean="0"/>
+              <a:t>Before we dive in…</a:t>
+            </a:r>
+          </a:p>
+          <a:p>
+            <a:r>
+              <a:rPr lang="en-US" dirty="0" smtClean="0"/>
               <a:t>XSS</a:t>
             </a:r>
           </a:p>
@@ -7333,16 +10097,34 @@
           </a:p>
           <a:p>
             <a:r>
-              <a:rPr lang="en-US" dirty="0" smtClean="0"/>
+              <a:rPr lang="en-US" dirty="0" smtClean="0">
+                <a:solidFill>
+                  <a:schemeClr val="accent2">
+                    <a:lumMod val="75000"/>
+                  </a:schemeClr>
+                </a:solidFill>
+              </a:rPr>
               <a:t>HSTS</a:t>
             </a:r>
           </a:p>
           <a:p>
             <a:r>
-              <a:rPr lang="en-US" dirty="0" smtClean="0"/>
+              <a:rPr lang="en-US" dirty="0" smtClean="0">
+                <a:solidFill>
+                  <a:schemeClr val="accent2">
+                    <a:lumMod val="75000"/>
+                  </a:schemeClr>
+                </a:solidFill>
+              </a:rPr>
               <a:t>HPKP</a:t>
             </a:r>
-            <a:endParaRPr lang="en-US" dirty="0"/>
+            <a:endParaRPr lang="en-US" dirty="0">
+              <a:solidFill>
+                <a:schemeClr val="accent2">
+                  <a:lumMod val="75000"/>
+                </a:schemeClr>
+              </a:solidFill>
+            </a:endParaRPr>
           </a:p>
         </p:txBody>
       </p:sp>
@@ -7400,6 +10182,85 @@
           <a:p>
             <a:r>
               <a:rPr lang="en-US" dirty="0" smtClean="0"/>
+              <a:t>Questions?</a:t>
+            </a:r>
+            <a:endParaRPr lang="en-US" dirty="0"/>
+          </a:p>
+        </p:txBody>
+      </p:sp>
+      <p:sp>
+        <p:nvSpPr>
+          <p:cNvPr id="5" name="Text Placeholder 4"/>
+          <p:cNvSpPr>
+            <a:spLocks noGrp="1"/>
+          </p:cNvSpPr>
+          <p:nvPr>
+            <p:ph type="body" idx="1"/>
+          </p:nvPr>
+        </p:nvSpPr>
+        <p:spPr/>
+        <p:txBody>
+          <a:bodyPr/>
+          <a:lstStyle/>
+          <a:p>
+            <a:endParaRPr lang="en-US"/>
+          </a:p>
+        </p:txBody>
+      </p:sp>
+    </p:spTree>
+    <p:extLst>
+      <p:ext uri="{BB962C8B-B14F-4D97-AF65-F5344CB8AC3E}">
+        <p14:creationId xmlns:p14="http://schemas.microsoft.com/office/powerpoint/2010/main" val="3269332635"/>
+      </p:ext>
+    </p:extLst>
+  </p:cSld>
+  <p:clrMapOvr>
+    <a:masterClrMapping/>
+  </p:clrMapOvr>
+  <p:timing>
+    <p:tnLst>
+      <p:par>
+        <p:cTn id="1" dur="indefinite" restart="never" nodeType="tmRoot"/>
+      </p:par>
+    </p:tnLst>
+  </p:timing>
+</p:sld>
+</file>
+
+<file path=ppt/slides/slide31.xml><?xml version="1.0" encoding="utf-8"?>
+<p:sld xmlns:a="http://schemas.openxmlformats.org/drawingml/2006/main" xmlns:r="http://schemas.openxmlformats.org/officeDocument/2006/relationships" xmlns:p="http://schemas.openxmlformats.org/presentationml/2006/main">
+  <p:cSld>
+    <p:spTree>
+      <p:nvGrpSpPr>
+        <p:cNvPr id="1" name=""/>
+        <p:cNvGrpSpPr/>
+        <p:nvPr/>
+      </p:nvGrpSpPr>
+      <p:grpSpPr>
+        <a:xfrm>
+          <a:off x="0" y="0"/>
+          <a:ext cx="0" cy="0"/>
+          <a:chOff x="0" y="0"/>
+          <a:chExt cx="0" cy="0"/>
+        </a:xfrm>
+      </p:grpSpPr>
+      <p:sp>
+        <p:nvSpPr>
+          <p:cNvPr id="4" name="Title 3"/>
+          <p:cNvSpPr>
+            <a:spLocks noGrp="1"/>
+          </p:cNvSpPr>
+          <p:nvPr>
+            <p:ph type="title"/>
+          </p:nvPr>
+        </p:nvSpPr>
+        <p:spPr/>
+        <p:txBody>
+          <a:bodyPr/>
+          <a:lstStyle/>
+          <a:p>
+            <a:r>
+              <a:rPr lang="en-US" dirty="0" smtClean="0"/>
               <a:t>Thank you!</a:t>
             </a:r>
             <a:endParaRPr lang="en-US" dirty="0"/>
@@ -7504,6 +10365,411 @@
           <a:p>
             <a:r>
               <a:rPr lang="en-US" dirty="0" smtClean="0"/>
+              <a:t>Before we dive in…</a:t>
+            </a:r>
+            <a:endParaRPr lang="en-US" dirty="0"/>
+          </a:p>
+        </p:txBody>
+      </p:sp>
+      <p:sp>
+        <p:nvSpPr>
+          <p:cNvPr id="5" name="Content Placeholder 4"/>
+          <p:cNvSpPr>
+            <a:spLocks noGrp="1"/>
+          </p:cNvSpPr>
+          <p:nvPr>
+            <p:ph idx="1"/>
+          </p:nvPr>
+        </p:nvSpPr>
+        <p:spPr/>
+        <p:txBody>
+          <a:bodyPr/>
+          <a:lstStyle/>
+          <a:p>
+            <a:r>
+              <a:rPr lang="en-US" dirty="0" smtClean="0"/>
+              <a:t>ASP.NET 4 + MVC/Web API 5</a:t>
+            </a:r>
+          </a:p>
+          <a:p>
+            <a:pPr lvl="1"/>
+            <a:r>
+              <a:rPr lang="en-US" dirty="0" smtClean="0"/>
+              <a:t>No </a:t>
+            </a:r>
+            <a:r>
+              <a:rPr lang="en-US" dirty="0" err="1" smtClean="0"/>
+              <a:t>WebForms</a:t>
+            </a:r>
+            <a:endParaRPr lang="en-US" dirty="0" smtClean="0"/>
+          </a:p>
+          <a:p>
+            <a:pPr lvl="1"/>
+            <a:r>
+              <a:rPr lang="en-US" dirty="0" smtClean="0"/>
+              <a:t>No ASP.NET Core RC2 Preview 4 beta 8</a:t>
+            </a:r>
+          </a:p>
+          <a:p>
+            <a:pPr lvl="1"/>
+            <a:r>
+              <a:rPr lang="en-US" dirty="0" smtClean="0"/>
+              <a:t>No Angular, React, …</a:t>
+            </a:r>
+            <a:endParaRPr lang="en-US" dirty="0"/>
+          </a:p>
+          <a:p>
+            <a:pPr marL="201168" lvl="1" indent="0">
+              <a:buNone/>
+            </a:pPr>
+            <a:endParaRPr lang="en-US" smtClean="0"/>
+          </a:p>
+          <a:p>
+            <a:pPr marL="201168" lvl="1" indent="0">
+              <a:buNone/>
+            </a:pPr>
+            <a:r>
+              <a:rPr lang="en-US" smtClean="0"/>
+              <a:t>Golden </a:t>
+            </a:r>
+            <a:r>
+              <a:rPr lang="en-US" dirty="0" smtClean="0"/>
+              <a:t>rule of security: Don’t rush it, take your time to do it right!</a:t>
+            </a:r>
+          </a:p>
+        </p:txBody>
+      </p:sp>
+    </p:spTree>
+    <p:extLst>
+      <p:ext uri="{BB962C8B-B14F-4D97-AF65-F5344CB8AC3E}">
+        <p14:creationId xmlns:p14="http://schemas.microsoft.com/office/powerpoint/2010/main" val="1925939529"/>
+      </p:ext>
+    </p:extLst>
+  </p:cSld>
+  <p:clrMapOvr>
+    <a:masterClrMapping/>
+  </p:clrMapOvr>
+  <p:timing>
+    <p:tnLst>
+      <p:par>
+        <p:cTn id="1" dur="indefinite" restart="never" nodeType="tmRoot">
+          <p:childTnLst>
+            <p:seq concurrent="1" nextAc="seek">
+              <p:cTn id="2" dur="indefinite" nodeType="mainSeq">
+                <p:childTnLst>
+                  <p:par>
+                    <p:cTn id="3" fill="hold">
+                      <p:stCondLst>
+                        <p:cond delay="indefinite"/>
+                      </p:stCondLst>
+                      <p:childTnLst>
+                        <p:par>
+                          <p:cTn id="4" fill="hold">
+                            <p:stCondLst>
+                              <p:cond delay="0"/>
+                            </p:stCondLst>
+                            <p:childTnLst>
+                              <p:par>
+                                <p:cTn id="5" presetID="10" presetClass="entr" presetSubtype="0" fill="hold" grpId="0" nodeType="clickEffect">
+                                  <p:stCondLst>
+                                    <p:cond delay="0"/>
+                                  </p:stCondLst>
+                                  <p:childTnLst>
+                                    <p:set>
+                                      <p:cBhvr>
+                                        <p:cTn id="6" dur="1" fill="hold">
+                                          <p:stCondLst>
+                                            <p:cond delay="0"/>
+                                          </p:stCondLst>
+                                        </p:cTn>
+                                        <p:tgtEl>
+                                          <p:spTgt spid="5">
+                                            <p:txEl>
+                                              <p:pRg st="0" end="0"/>
+                                            </p:txEl>
+                                          </p:spTgt>
+                                        </p:tgtEl>
+                                        <p:attrNameLst>
+                                          <p:attrName>style.visibility</p:attrName>
+                                        </p:attrNameLst>
+                                      </p:cBhvr>
+                                      <p:to>
+                                        <p:strVal val="visible"/>
+                                      </p:to>
+                                    </p:set>
+                                    <p:animEffect transition="in" filter="fade">
+                                      <p:cBhvr>
+                                        <p:cTn id="7" dur="500"/>
+                                        <p:tgtEl>
+                                          <p:spTgt spid="5">
+                                            <p:txEl>
+                                              <p:pRg st="0" end="0"/>
+                                            </p:txEl>
+                                          </p:spTgt>
+                                        </p:tgtEl>
+                                      </p:cBhvr>
+                                    </p:animEffect>
+                                  </p:childTnLst>
+                                </p:cTn>
+                              </p:par>
+                              <p:par>
+                                <p:cTn id="8" presetID="10" presetClass="entr" presetSubtype="0" fill="hold" grpId="0" nodeType="withEffect">
+                                  <p:stCondLst>
+                                    <p:cond delay="0"/>
+                                  </p:stCondLst>
+                                  <p:childTnLst>
+                                    <p:set>
+                                      <p:cBhvr>
+                                        <p:cTn id="9" dur="1" fill="hold">
+                                          <p:stCondLst>
+                                            <p:cond delay="0"/>
+                                          </p:stCondLst>
+                                        </p:cTn>
+                                        <p:tgtEl>
+                                          <p:spTgt spid="5">
+                                            <p:txEl>
+                                              <p:pRg st="1" end="1"/>
+                                            </p:txEl>
+                                          </p:spTgt>
+                                        </p:tgtEl>
+                                        <p:attrNameLst>
+                                          <p:attrName>style.visibility</p:attrName>
+                                        </p:attrNameLst>
+                                      </p:cBhvr>
+                                      <p:to>
+                                        <p:strVal val="visible"/>
+                                      </p:to>
+                                    </p:set>
+                                    <p:animEffect transition="in" filter="fade">
+                                      <p:cBhvr>
+                                        <p:cTn id="10" dur="500"/>
+                                        <p:tgtEl>
+                                          <p:spTgt spid="5">
+                                            <p:txEl>
+                                              <p:pRg st="1" end="1"/>
+                                            </p:txEl>
+                                          </p:spTgt>
+                                        </p:tgtEl>
+                                      </p:cBhvr>
+                                    </p:animEffect>
+                                  </p:childTnLst>
+                                </p:cTn>
+                              </p:par>
+                              <p:par>
+                                <p:cTn id="11" presetID="10" presetClass="entr" presetSubtype="0" fill="hold" grpId="0" nodeType="withEffect">
+                                  <p:stCondLst>
+                                    <p:cond delay="0"/>
+                                  </p:stCondLst>
+                                  <p:childTnLst>
+                                    <p:set>
+                                      <p:cBhvr>
+                                        <p:cTn id="12" dur="1" fill="hold">
+                                          <p:stCondLst>
+                                            <p:cond delay="0"/>
+                                          </p:stCondLst>
+                                        </p:cTn>
+                                        <p:tgtEl>
+                                          <p:spTgt spid="5">
+                                            <p:txEl>
+                                              <p:pRg st="2" end="2"/>
+                                            </p:txEl>
+                                          </p:spTgt>
+                                        </p:tgtEl>
+                                        <p:attrNameLst>
+                                          <p:attrName>style.visibility</p:attrName>
+                                        </p:attrNameLst>
+                                      </p:cBhvr>
+                                      <p:to>
+                                        <p:strVal val="visible"/>
+                                      </p:to>
+                                    </p:set>
+                                    <p:animEffect transition="in" filter="fade">
+                                      <p:cBhvr>
+                                        <p:cTn id="13" dur="500"/>
+                                        <p:tgtEl>
+                                          <p:spTgt spid="5">
+                                            <p:txEl>
+                                              <p:pRg st="2" end="2"/>
+                                            </p:txEl>
+                                          </p:spTgt>
+                                        </p:tgtEl>
+                                      </p:cBhvr>
+                                    </p:animEffect>
+                                  </p:childTnLst>
+                                </p:cTn>
+                              </p:par>
+                              <p:par>
+                                <p:cTn id="14" presetID="10" presetClass="entr" presetSubtype="0" fill="hold" grpId="0" nodeType="withEffect">
+                                  <p:stCondLst>
+                                    <p:cond delay="0"/>
+                                  </p:stCondLst>
+                                  <p:childTnLst>
+                                    <p:set>
+                                      <p:cBhvr>
+                                        <p:cTn id="15" dur="1" fill="hold">
+                                          <p:stCondLst>
+                                            <p:cond delay="0"/>
+                                          </p:stCondLst>
+                                        </p:cTn>
+                                        <p:tgtEl>
+                                          <p:spTgt spid="5">
+                                            <p:txEl>
+                                              <p:pRg st="3" end="3"/>
+                                            </p:txEl>
+                                          </p:spTgt>
+                                        </p:tgtEl>
+                                        <p:attrNameLst>
+                                          <p:attrName>style.visibility</p:attrName>
+                                        </p:attrNameLst>
+                                      </p:cBhvr>
+                                      <p:to>
+                                        <p:strVal val="visible"/>
+                                      </p:to>
+                                    </p:set>
+                                    <p:animEffect transition="in" filter="fade">
+                                      <p:cBhvr>
+                                        <p:cTn id="16" dur="500"/>
+                                        <p:tgtEl>
+                                          <p:spTgt spid="5">
+                                            <p:txEl>
+                                              <p:pRg st="3" end="3"/>
+                                            </p:txEl>
+                                          </p:spTgt>
+                                        </p:tgtEl>
+                                      </p:cBhvr>
+                                    </p:animEffect>
+                                  </p:childTnLst>
+                                </p:cTn>
+                              </p:par>
+                            </p:childTnLst>
+                          </p:cTn>
+                        </p:par>
+                      </p:childTnLst>
+                    </p:cTn>
+                  </p:par>
+                  <p:par>
+                    <p:cTn id="17" fill="hold">
+                      <p:stCondLst>
+                        <p:cond delay="indefinite"/>
+                      </p:stCondLst>
+                      <p:childTnLst>
+                        <p:par>
+                          <p:cTn id="18" fill="hold">
+                            <p:stCondLst>
+                              <p:cond delay="0"/>
+                            </p:stCondLst>
+                            <p:childTnLst>
+                              <p:par>
+                                <p:cTn id="19" presetID="10" presetClass="entr" presetSubtype="0" fill="hold" grpId="0" nodeType="clickEffect">
+                                  <p:stCondLst>
+                                    <p:cond delay="0"/>
+                                  </p:stCondLst>
+                                  <p:childTnLst>
+                                    <p:set>
+                                      <p:cBhvr>
+                                        <p:cTn id="20" dur="1" fill="hold">
+                                          <p:stCondLst>
+                                            <p:cond delay="0"/>
+                                          </p:stCondLst>
+                                        </p:cTn>
+                                        <p:tgtEl>
+                                          <p:spTgt spid="5">
+                                            <p:txEl>
+                                              <p:pRg st="5" end="5"/>
+                                            </p:txEl>
+                                          </p:spTgt>
+                                        </p:tgtEl>
+                                        <p:attrNameLst>
+                                          <p:attrName>style.visibility</p:attrName>
+                                        </p:attrNameLst>
+                                      </p:cBhvr>
+                                      <p:to>
+                                        <p:strVal val="visible"/>
+                                      </p:to>
+                                    </p:set>
+                                    <p:animEffect transition="in" filter="fade">
+                                      <p:cBhvr>
+                                        <p:cTn id="21" dur="500"/>
+                                        <p:tgtEl>
+                                          <p:spTgt spid="5">
+                                            <p:txEl>
+                                              <p:pRg st="5" end="5"/>
+                                            </p:txEl>
+                                          </p:spTgt>
+                                        </p:tgtEl>
+                                      </p:cBhvr>
+                                    </p:animEffect>
+                                  </p:childTnLst>
+                                </p:cTn>
+                              </p:par>
+                            </p:childTnLst>
+                          </p:cTn>
+                        </p:par>
+                      </p:childTnLst>
+                    </p:cTn>
+                  </p:par>
+                </p:childTnLst>
+              </p:cTn>
+              <p:prevCondLst>
+                <p:cond evt="onPrev" delay="0">
+                  <p:tgtEl>
+                    <p:sldTgt/>
+                  </p:tgtEl>
+                </p:cond>
+              </p:prevCondLst>
+              <p:nextCondLst>
+                <p:cond evt="onNext" delay="0">
+                  <p:tgtEl>
+                    <p:sldTgt/>
+                  </p:tgtEl>
+                </p:cond>
+              </p:nextCondLst>
+            </p:seq>
+          </p:childTnLst>
+        </p:cTn>
+      </p:par>
+    </p:tnLst>
+    <p:bldLst>
+      <p:bldP spid="5" grpId="0" uiExpand="1" build="p"/>
+    </p:bldLst>
+  </p:timing>
+</p:sld>
+</file>
+
+<file path=ppt/slides/slide5.xml><?xml version="1.0" encoding="utf-8"?>
+<p:sld xmlns:a="http://schemas.openxmlformats.org/drawingml/2006/main" xmlns:r="http://schemas.openxmlformats.org/officeDocument/2006/relationships" xmlns:p="http://schemas.openxmlformats.org/presentationml/2006/main">
+  <p:cSld>
+    <p:spTree>
+      <p:nvGrpSpPr>
+        <p:cNvPr id="1" name=""/>
+        <p:cNvGrpSpPr/>
+        <p:nvPr/>
+      </p:nvGrpSpPr>
+      <p:grpSpPr>
+        <a:xfrm>
+          <a:off x="0" y="0"/>
+          <a:ext cx="0" cy="0"/>
+          <a:chOff x="0" y="0"/>
+          <a:chExt cx="0" cy="0"/>
+        </a:xfrm>
+      </p:grpSpPr>
+      <p:sp>
+        <p:nvSpPr>
+          <p:cNvPr id="4" name="Title 3"/>
+          <p:cNvSpPr>
+            <a:spLocks noGrp="1"/>
+          </p:cNvSpPr>
+          <p:nvPr>
+            <p:ph type="title"/>
+          </p:nvPr>
+        </p:nvSpPr>
+        <p:spPr/>
+        <p:txBody>
+          <a:bodyPr/>
+          <a:lstStyle/>
+          <a:p>
+            <a:r>
+              <a:rPr lang="en-US" dirty="0" smtClean="0"/>
               <a:t>Cross-site scripting</a:t>
             </a:r>
             <a:endParaRPr lang="en-US" dirty="0"/>
@@ -7543,13 +10809,13 @@
   <p:clrMapOvr>
     <a:masterClrMapping/>
   </p:clrMapOvr>
-  <mc:AlternateContent xmlns:mc="http://schemas.openxmlformats.org/markup-compatibility/2006">
-    <mc:Choice xmlns:p14="http://schemas.microsoft.com/office/powerpoint/2010/main" Requires="p14">
+  <mc:AlternateContent xmlns:mc="http://schemas.openxmlformats.org/markup-compatibility/2006" xmlns:p14="http://schemas.microsoft.com/office/powerpoint/2010/main">
+    <mc:Choice Requires="p14">
       <p:transition spd="med" p14:dur="700">
         <p:fade/>
       </p:transition>
     </mc:Choice>
-    <mc:Fallback>
+    <mc:Fallback xmlns="">
       <p:transition spd="med">
         <p:fade/>
       </p:transition>
@@ -7565,7 +10831,7 @@
 </p:sld>
 </file>
 
-<file path=ppt/slides/slide5.xml><?xml version="1.0" encoding="utf-8"?>
+<file path=ppt/slides/slide6.xml><?xml version="1.0" encoding="utf-8"?>
 <p:sld xmlns:a="http://schemas.openxmlformats.org/drawingml/2006/main" xmlns:r="http://schemas.openxmlformats.org/officeDocument/2006/relationships" xmlns:p="http://schemas.openxmlformats.org/presentationml/2006/main">
   <p:cSld>
     <p:spTree>
@@ -7841,7 +11107,7 @@
 </p:sld>
 </file>
 
-<file path=ppt/slides/slide6.xml><?xml version="1.0" encoding="utf-8"?>
+<file path=ppt/slides/slide7.xml><?xml version="1.0" encoding="utf-8"?>
 <p:sld xmlns:a="http://schemas.openxmlformats.org/drawingml/2006/main" xmlns:r="http://schemas.openxmlformats.org/officeDocument/2006/relationships" xmlns:p="http://schemas.openxmlformats.org/presentationml/2006/main">
   <p:cSld>
     <p:bg>
@@ -7925,137 +11191,14 @@
   <p:clrMapOvr>
     <a:masterClrMapping/>
   </p:clrMapOvr>
-  <mc:AlternateContent xmlns:mc="http://schemas.openxmlformats.org/markup-compatibility/2006">
-    <mc:Choice xmlns:p14="http://schemas.microsoft.com/office/powerpoint/2010/main" Requires="p14">
+  <mc:AlternateContent xmlns:mc="http://schemas.openxmlformats.org/markup-compatibility/2006" xmlns:p14="http://schemas.microsoft.com/office/powerpoint/2010/main">
+    <mc:Choice Requires="p14">
       <p:transition p14:dur="0"/>
     </mc:Choice>
-    <mc:Fallback>
+    <mc:Fallback xmlns="">
       <p:transition/>
     </mc:Fallback>
   </mc:AlternateContent>
-  <p:timing>
-    <p:tnLst>
-      <p:par>
-        <p:cTn id="1" dur="indefinite" restart="never" nodeType="tmRoot"/>
-      </p:par>
-    </p:tnLst>
-  </p:timing>
-</p:sld>
-</file>
-
-<file path=ppt/slides/slide7.xml><?xml version="1.0" encoding="utf-8"?>
-<p:sld xmlns:a="http://schemas.openxmlformats.org/drawingml/2006/main" xmlns:r="http://schemas.openxmlformats.org/officeDocument/2006/relationships" xmlns:p="http://schemas.openxmlformats.org/presentationml/2006/main">
-  <p:cSld>
-    <p:spTree>
-      <p:nvGrpSpPr>
-        <p:cNvPr id="1" name=""/>
-        <p:cNvGrpSpPr/>
-        <p:nvPr/>
-      </p:nvGrpSpPr>
-      <p:grpSpPr>
-        <a:xfrm>
-          <a:off x="0" y="0"/>
-          <a:ext cx="0" cy="0"/>
-          <a:chOff x="0" y="0"/>
-          <a:chExt cx="0" cy="0"/>
-        </a:xfrm>
-      </p:grpSpPr>
-      <p:sp>
-        <p:nvSpPr>
-          <p:cNvPr id="4" name="Title 3"/>
-          <p:cNvSpPr>
-            <a:spLocks noGrp="1"/>
-          </p:cNvSpPr>
-          <p:nvPr>
-            <p:ph type="title"/>
-          </p:nvPr>
-        </p:nvSpPr>
-        <p:spPr/>
-        <p:txBody>
-          <a:bodyPr/>
-          <a:lstStyle/>
-          <a:p>
-            <a:r>
-              <a:rPr lang="en-US" dirty="0" smtClean="0"/>
-              <a:t>Cross-site scripting (XSS)</a:t>
-            </a:r>
-            <a:endParaRPr lang="en-US" dirty="0"/>
-          </a:p>
-        </p:txBody>
-      </p:sp>
-      <p:sp>
-        <p:nvSpPr>
-          <p:cNvPr id="5" name="Content Placeholder 4"/>
-          <p:cNvSpPr>
-            <a:spLocks noGrp="1"/>
-          </p:cNvSpPr>
-          <p:nvPr>
-            <p:ph idx="1"/>
-          </p:nvPr>
-        </p:nvSpPr>
-        <p:spPr/>
-        <p:txBody>
-          <a:bodyPr/>
-          <a:lstStyle/>
-          <a:p>
-            <a:r>
-              <a:rPr lang="en-US" dirty="0" smtClean="0"/>
-              <a:t>Disable per action (or controller): [</a:t>
-            </a:r>
-            <a:r>
-              <a:rPr lang="en-US" dirty="0" err="1" smtClean="0"/>
-              <a:t>ValidateInput</a:t>
-            </a:r>
-            <a:r>
-              <a:rPr lang="en-US" dirty="0" smtClean="0"/>
-              <a:t>(false)]</a:t>
-            </a:r>
-          </a:p>
-          <a:p>
-            <a:r>
-              <a:rPr lang="en-US" dirty="0" smtClean="0"/>
-              <a:t>Disable in model on property level: [</a:t>
-            </a:r>
-            <a:r>
-              <a:rPr lang="en-US" dirty="0" err="1" smtClean="0"/>
-              <a:t>AllowHtml</a:t>
-            </a:r>
-            <a:r>
-              <a:rPr lang="en-US" dirty="0" smtClean="0"/>
-              <a:t>]</a:t>
-            </a:r>
-          </a:p>
-          <a:p>
-            <a:r>
-              <a:rPr lang="en-US" dirty="0" smtClean="0"/>
-              <a:t>Use a custom solution to sanitize the input, or use a </a:t>
-            </a:r>
-            <a:r>
-              <a:rPr lang="en-US" dirty="0" err="1" smtClean="0"/>
-              <a:t>NuGet</a:t>
-            </a:r>
-            <a:r>
-              <a:rPr lang="en-US" dirty="0" smtClean="0"/>
-              <a:t> package like </a:t>
-            </a:r>
-            <a:r>
-              <a:rPr lang="en-US" dirty="0" err="1" smtClean="0"/>
-              <a:t>HtmlSanitizer</a:t>
-            </a:r>
-            <a:endParaRPr lang="en-US" dirty="0"/>
-          </a:p>
-        </p:txBody>
-      </p:sp>
-    </p:spTree>
-    <p:extLst>
-      <p:ext uri="{BB962C8B-B14F-4D97-AF65-F5344CB8AC3E}">
-        <p14:creationId xmlns:p14="http://schemas.microsoft.com/office/powerpoint/2010/main" val="4266601305"/>
-      </p:ext>
-    </p:extLst>
-  </p:cSld>
-  <p:clrMapOvr>
-    <a:masterClrMapping/>
-  </p:clrMapOvr>
   <p:timing>
     <p:tnLst>
       <p:par>
@@ -8100,7 +11243,7 @@
           <a:p>
             <a:r>
               <a:rPr lang="en-US" dirty="0" smtClean="0"/>
-              <a:t>Cross-site request forgery</a:t>
+              <a:t>Cross-site scripting (XSS)</a:t>
             </a:r>
             <a:endParaRPr lang="en-US" dirty="0"/>
           </a:p>
@@ -8108,22 +11251,76 @@
       </p:sp>
       <p:sp>
         <p:nvSpPr>
-          <p:cNvPr id="5" name="Text Placeholder 4"/>
-          <p:cNvSpPr>
-            <a:spLocks noGrp="1"/>
-          </p:cNvSpPr>
-          <p:nvPr>
-            <p:ph type="body" idx="1"/>
-          </p:nvPr>
-        </p:nvSpPr>
-        <p:spPr/>
-        <p:txBody>
-          <a:bodyPr/>
-          <a:lstStyle/>
-          <a:p>
-            <a:r>
-              <a:rPr lang="en-US" dirty="0" smtClean="0"/>
-              <a:t>CSRF/XSRF</a:t>
+          <p:cNvPr id="5" name="Content Placeholder 4"/>
+          <p:cNvSpPr>
+            <a:spLocks noGrp="1"/>
+          </p:cNvSpPr>
+          <p:nvPr>
+            <p:ph idx="1"/>
+          </p:nvPr>
+        </p:nvSpPr>
+        <p:spPr/>
+        <p:txBody>
+          <a:bodyPr/>
+          <a:lstStyle/>
+          <a:p>
+            <a:r>
+              <a:rPr lang="en-US" dirty="0" smtClean="0"/>
+              <a:t>Disable per action (or controller): [</a:t>
+            </a:r>
+            <a:r>
+              <a:rPr lang="en-US" dirty="0" err="1" smtClean="0"/>
+              <a:t>ValidateInput</a:t>
+            </a:r>
+            <a:r>
+              <a:rPr lang="en-US" dirty="0" smtClean="0"/>
+              <a:t>(false)]</a:t>
+            </a:r>
+          </a:p>
+          <a:p>
+            <a:r>
+              <a:rPr lang="en-US" dirty="0" smtClean="0"/>
+              <a:t>Disable in model on property level: [</a:t>
+            </a:r>
+            <a:r>
+              <a:rPr lang="en-US" dirty="0" err="1" smtClean="0"/>
+              <a:t>AllowHtml</a:t>
+            </a:r>
+            <a:r>
+              <a:rPr lang="en-US" dirty="0" smtClean="0"/>
+              <a:t>]</a:t>
+            </a:r>
+          </a:p>
+          <a:p>
+            <a:r>
+              <a:rPr lang="en-US" dirty="0" smtClean="0"/>
+              <a:t>Render HTML in view: @</a:t>
+            </a:r>
+            <a:r>
+              <a:rPr lang="en-US" dirty="0" err="1" smtClean="0"/>
+              <a:t>Html.Raw</a:t>
+            </a:r>
+            <a:r>
+              <a:rPr lang="en-US" dirty="0" smtClean="0"/>
+              <a:t>(…)</a:t>
+            </a:r>
+          </a:p>
+          <a:p>
+            <a:r>
+              <a:rPr lang="en-US" dirty="0" smtClean="0"/>
+              <a:t>Use a custom solution to sanitize the input, or use a </a:t>
+            </a:r>
+            <a:r>
+              <a:rPr lang="en-US" dirty="0" err="1" smtClean="0"/>
+              <a:t>NuGet</a:t>
+            </a:r>
+            <a:r>
+              <a:rPr lang="en-US" dirty="0" smtClean="0"/>
+              <a:t> package like </a:t>
+            </a:r>
+            <a:r>
+              <a:rPr lang="en-US" dirty="0" err="1" smtClean="0"/>
+              <a:t>HtmlSanitizer</a:t>
             </a:r>
             <a:endParaRPr lang="en-US" dirty="0"/>
           </a:p>
@@ -8132,25 +11329,13 @@
     </p:spTree>
     <p:extLst>
       <p:ext uri="{BB962C8B-B14F-4D97-AF65-F5344CB8AC3E}">
-        <p14:creationId xmlns:p14="http://schemas.microsoft.com/office/powerpoint/2010/main" val="597234630"/>
+        <p14:creationId xmlns:p14="http://schemas.microsoft.com/office/powerpoint/2010/main" val="4266601305"/>
       </p:ext>
     </p:extLst>
   </p:cSld>
   <p:clrMapOvr>
     <a:masterClrMapping/>
   </p:clrMapOvr>
-  <mc:AlternateContent xmlns:mc="http://schemas.openxmlformats.org/markup-compatibility/2006">
-    <mc:Choice xmlns:p14="http://schemas.microsoft.com/office/powerpoint/2010/main" Requires="p14">
-      <p:transition spd="med" p14:dur="700">
-        <p:fade/>
-      </p:transition>
-    </mc:Choice>
-    <mc:Fallback>
-      <p:transition spd="med">
-        <p:fade/>
-      </p:transition>
-    </mc:Fallback>
-  </mc:AlternateContent>
   <p:timing>
     <p:tnLst>
       <p:par>
@@ -8195,7 +11380,7 @@
           <a:p>
             <a:r>
               <a:rPr lang="en-US" dirty="0" smtClean="0"/>
-              <a:t>Cross-site request forgery (CSRF/XSRF)</a:t>
+              <a:t>Cross-site request forgery</a:t>
             </a:r>
             <a:endParaRPr lang="en-US" dirty="0"/>
           </a:p>
@@ -8203,41 +11388,22 @@
       </p:sp>
       <p:sp>
         <p:nvSpPr>
-          <p:cNvPr id="5" name="Content Placeholder 4"/>
-          <p:cNvSpPr>
-            <a:spLocks noGrp="1"/>
-          </p:cNvSpPr>
-          <p:nvPr>
-            <p:ph idx="1"/>
-          </p:nvPr>
-        </p:nvSpPr>
-        <p:spPr/>
-        <p:txBody>
-          <a:bodyPr/>
-          <a:lstStyle/>
-          <a:p>
-            <a:r>
-              <a:rPr lang="en-US" dirty="0" smtClean="0"/>
-              <a:t>Send form data (GET/POST) across domains</a:t>
-            </a:r>
-          </a:p>
-          <a:p>
-            <a:pPr lvl="1"/>
-            <a:r>
-              <a:rPr lang="en-US" dirty="0" smtClean="0"/>
-              <a:t>Because you’re sending data to the original domain, the browser will also send your cookies!</a:t>
-            </a:r>
-          </a:p>
-          <a:p>
-            <a:r>
-              <a:rPr lang="en-US" dirty="0" smtClean="0"/>
-              <a:t>MVC has protection out of the box</a:t>
-            </a:r>
-          </a:p>
-          <a:p>
-            <a:r>
-              <a:rPr lang="en-US" dirty="0" smtClean="0"/>
-              <a:t>… but it’s not always sufficient</a:t>
+          <p:cNvPr id="5" name="Text Placeholder 4"/>
+          <p:cNvSpPr>
+            <a:spLocks noGrp="1"/>
+          </p:cNvSpPr>
+          <p:nvPr>
+            <p:ph type="body" idx="1"/>
+          </p:nvPr>
+        </p:nvSpPr>
+        <p:spPr/>
+        <p:txBody>
+          <a:bodyPr/>
+          <a:lstStyle/>
+          <a:p>
+            <a:r>
+              <a:rPr lang="en-US" dirty="0" smtClean="0"/>
+              <a:t>CSRF/XSRF</a:t>
             </a:r>
             <a:endParaRPr lang="en-US" dirty="0"/>
           </a:p>
@@ -8246,223 +11412,31 @@
     </p:spTree>
     <p:extLst>
       <p:ext uri="{BB962C8B-B14F-4D97-AF65-F5344CB8AC3E}">
-        <p14:creationId xmlns:p14="http://schemas.microsoft.com/office/powerpoint/2010/main" val="261841063"/>
+        <p14:creationId xmlns:p14="http://schemas.microsoft.com/office/powerpoint/2010/main" val="597234630"/>
       </p:ext>
     </p:extLst>
   </p:cSld>
   <p:clrMapOvr>
     <a:masterClrMapping/>
   </p:clrMapOvr>
+  <mc:AlternateContent xmlns:mc="http://schemas.openxmlformats.org/markup-compatibility/2006" xmlns:p14="http://schemas.microsoft.com/office/powerpoint/2010/main">
+    <mc:Choice Requires="p14">
+      <p:transition spd="med" p14:dur="700">
+        <p:fade/>
+      </p:transition>
+    </mc:Choice>
+    <mc:Fallback xmlns="">
+      <p:transition spd="med">
+        <p:fade/>
+      </p:transition>
+    </mc:Fallback>
+  </mc:AlternateContent>
   <p:timing>
     <p:tnLst>
       <p:par>
-        <p:cTn id="1" dur="indefinite" restart="never" nodeType="tmRoot">
-          <p:childTnLst>
-            <p:seq concurrent="1" nextAc="seek">
-              <p:cTn id="2" dur="indefinite" nodeType="mainSeq">
-                <p:childTnLst>
-                  <p:par>
-                    <p:cTn id="3" fill="hold">
-                      <p:stCondLst>
-                        <p:cond delay="indefinite"/>
-                      </p:stCondLst>
-                      <p:childTnLst>
-                        <p:par>
-                          <p:cTn id="4" fill="hold">
-                            <p:stCondLst>
-                              <p:cond delay="0"/>
-                            </p:stCondLst>
-                            <p:childTnLst>
-                              <p:par>
-                                <p:cTn id="5" presetID="1" presetClass="entr" presetSubtype="0" fill="hold" grpId="0" nodeType="clickEffect">
-                                  <p:stCondLst>
-                                    <p:cond delay="0"/>
-                                  </p:stCondLst>
-                                  <p:childTnLst>
-                                    <p:set>
-                                      <p:cBhvr>
-                                        <p:cTn id="6" dur="1" fill="hold">
-                                          <p:stCondLst>
-                                            <p:cond delay="0"/>
-                                          </p:stCondLst>
-                                        </p:cTn>
-                                        <p:tgtEl>
-                                          <p:spTgt spid="5">
-                                            <p:txEl>
-                                              <p:pRg st="0" end="0"/>
-                                            </p:txEl>
-                                          </p:spTgt>
-                                        </p:tgtEl>
-                                        <p:attrNameLst>
-                                          <p:attrName>style.visibility</p:attrName>
-                                        </p:attrNameLst>
-                                      </p:cBhvr>
-                                      <p:to>
-                                        <p:strVal val="visible"/>
-                                      </p:to>
-                                    </p:set>
-                                  </p:childTnLst>
-                                </p:cTn>
-                              </p:par>
-                              <p:par>
-                                <p:cTn id="7" presetID="1" presetClass="entr" presetSubtype="0" fill="hold" grpId="0" nodeType="withEffect">
-                                  <p:stCondLst>
-                                    <p:cond delay="0"/>
-                                  </p:stCondLst>
-                                  <p:childTnLst>
-                                    <p:set>
-                                      <p:cBhvr>
-                                        <p:cTn id="8" dur="1" fill="hold">
-                                          <p:stCondLst>
-                                            <p:cond delay="0"/>
-                                          </p:stCondLst>
-                                        </p:cTn>
-                                        <p:tgtEl>
-                                          <p:spTgt spid="5">
-                                            <p:txEl>
-                                              <p:pRg st="1" end="1"/>
-                                            </p:txEl>
-                                          </p:spTgt>
-                                        </p:tgtEl>
-                                        <p:attrNameLst>
-                                          <p:attrName>style.visibility</p:attrName>
-                                        </p:attrNameLst>
-                                      </p:cBhvr>
-                                      <p:to>
-                                        <p:strVal val="visible"/>
-                                      </p:to>
-                                    </p:set>
-                                  </p:childTnLst>
-                                </p:cTn>
-                              </p:par>
-                            </p:childTnLst>
-                          </p:cTn>
-                        </p:par>
-                      </p:childTnLst>
-                    </p:cTn>
-                  </p:par>
-                  <p:par>
-                    <p:cTn id="9" fill="hold">
-                      <p:stCondLst>
-                        <p:cond delay="indefinite"/>
-                      </p:stCondLst>
-                      <p:childTnLst>
-                        <p:par>
-                          <p:cTn id="10" fill="hold">
-                            <p:stCondLst>
-                              <p:cond delay="0"/>
-                            </p:stCondLst>
-                            <p:childTnLst>
-                              <p:par>
-                                <p:cTn id="11" presetID="1" presetClass="entr" presetSubtype="0" fill="hold" grpId="0" nodeType="clickEffect">
-                                  <p:stCondLst>
-                                    <p:cond delay="0"/>
-                                  </p:stCondLst>
-                                  <p:childTnLst>
-                                    <p:set>
-                                      <p:cBhvr>
-                                        <p:cTn id="12" dur="1" fill="hold">
-                                          <p:stCondLst>
-                                            <p:cond delay="0"/>
-                                          </p:stCondLst>
-                                        </p:cTn>
-                                        <p:tgtEl>
-                                          <p:spTgt spid="5">
-                                            <p:txEl>
-                                              <p:pRg st="2" end="2"/>
-                                            </p:txEl>
-                                          </p:spTgt>
-                                        </p:tgtEl>
-                                        <p:attrNameLst>
-                                          <p:attrName>style.visibility</p:attrName>
-                                        </p:attrNameLst>
-                                      </p:cBhvr>
-                                      <p:to>
-                                        <p:strVal val="visible"/>
-                                      </p:to>
-                                    </p:set>
-                                  </p:childTnLst>
-                                </p:cTn>
-                              </p:par>
-                            </p:childTnLst>
-                          </p:cTn>
-                        </p:par>
-                      </p:childTnLst>
-                    </p:cTn>
-                  </p:par>
-                  <p:par>
-                    <p:cTn id="13" fill="hold">
-                      <p:stCondLst>
-                        <p:cond delay="indefinite"/>
-                      </p:stCondLst>
-                      <p:childTnLst>
-                        <p:par>
-                          <p:cTn id="14" fill="hold">
-                            <p:stCondLst>
-                              <p:cond delay="0"/>
-                            </p:stCondLst>
-                            <p:childTnLst>
-                              <p:par>
-                                <p:cTn id="15" presetID="1" presetClass="entr" presetSubtype="0" fill="hold" grpId="0" nodeType="clickEffect">
-                                  <p:stCondLst>
-                                    <p:cond delay="0"/>
-                                  </p:stCondLst>
-                                  <p:childTnLst>
-                                    <p:set>
-                                      <p:cBhvr>
-                                        <p:cTn id="16" dur="1" fill="hold">
-                                          <p:stCondLst>
-                                            <p:cond delay="0"/>
-                                          </p:stCondLst>
-                                        </p:cTn>
-                                        <p:tgtEl>
-                                          <p:spTgt spid="5">
-                                            <p:txEl>
-                                              <p:pRg st="3" end="3"/>
-                                            </p:txEl>
-                                          </p:spTgt>
-                                        </p:tgtEl>
-                                        <p:attrNameLst>
-                                          <p:attrName>style.visibility</p:attrName>
-                                        </p:attrNameLst>
-                                      </p:cBhvr>
-                                      <p:to>
-                                        <p:strVal val="visible"/>
-                                      </p:to>
-                                    </p:set>
-                                  </p:childTnLst>
-                                </p:cTn>
-                              </p:par>
-                            </p:childTnLst>
-                          </p:cTn>
-                        </p:par>
-                      </p:childTnLst>
-                    </p:cTn>
-                  </p:par>
-                </p:childTnLst>
-              </p:cTn>
-              <p:prevCondLst>
-                <p:cond evt="onPrev" delay="0">
-                  <p:tgtEl>
-                    <p:sldTgt/>
-                  </p:tgtEl>
-                </p:cond>
-              </p:prevCondLst>
-              <p:nextCondLst>
-                <p:cond evt="onNext" delay="0">
-                  <p:tgtEl>
-                    <p:sldTgt/>
-                  </p:tgtEl>
-                </p:cond>
-              </p:nextCondLst>
-            </p:seq>
-          </p:childTnLst>
-        </p:cTn>
+        <p:cTn id="1" dur="indefinite" restart="never" nodeType="tmRoot"/>
       </p:par>
     </p:tnLst>
-    <p:bldLst>
-      <p:bldP spid="5" grpId="0" build="p"/>
-    </p:bldLst>
   </p:timing>
 </p:sld>
 </file>
@@ -8748,4 +11722,265 @@
     </a:ext>
   </a:extLst>
 </a:theme>
+</file>
+
+<file path=ppt/theme/theme2.xml><?xml version="1.0" encoding="utf-8"?>
+<a:theme xmlns:a="http://schemas.openxmlformats.org/drawingml/2006/main" name="Office Theme">
+  <a:themeElements>
+    <a:clrScheme name="Office">
+      <a:dk1>
+        <a:sysClr val="windowText" lastClr="000000"/>
+      </a:dk1>
+      <a:lt1>
+        <a:sysClr val="window" lastClr="FFFFFF"/>
+      </a:lt1>
+      <a:dk2>
+        <a:srgbClr val="44546A"/>
+      </a:dk2>
+      <a:lt2>
+        <a:srgbClr val="E7E6E6"/>
+      </a:lt2>
+      <a:accent1>
+        <a:srgbClr val="5B9BD5"/>
+      </a:accent1>
+      <a:accent2>
+        <a:srgbClr val="ED7D31"/>
+      </a:accent2>
+      <a:accent3>
+        <a:srgbClr val="A5A5A5"/>
+      </a:accent3>
+      <a:accent4>
+        <a:srgbClr val="FFC000"/>
+      </a:accent4>
+      <a:accent5>
+        <a:srgbClr val="4472C4"/>
+      </a:accent5>
+      <a:accent6>
+        <a:srgbClr val="70AD47"/>
+      </a:accent6>
+      <a:hlink>
+        <a:srgbClr val="0563C1"/>
+      </a:hlink>
+      <a:folHlink>
+        <a:srgbClr val="954F72"/>
+      </a:folHlink>
+    </a:clrScheme>
+    <a:fontScheme name="Office">
+      <a:majorFont>
+        <a:latin typeface="Calibri Light" panose="020F0302020204030204"/>
+        <a:ea typeface=""/>
+        <a:cs typeface=""/>
+        <a:font script="Jpan" typeface="ＭＳ Ｐゴシック"/>
+        <a:font script="Hang" typeface="맑은 고딕"/>
+        <a:font script="Hans" typeface="宋体"/>
+        <a:font script="Hant" typeface="新細明體"/>
+        <a:font script="Arab" typeface="Times New Roman"/>
+        <a:font script="Hebr" typeface="Times New Roman"/>
+        <a:font script="Thai" typeface="Angsana New"/>
+        <a:font script="Ethi" typeface="Nyala"/>
+        <a:font script="Beng" typeface="Vrinda"/>
+        <a:font script="Gujr" typeface="Shruti"/>
+        <a:font script="Khmr" typeface="MoolBoran"/>
+        <a:font script="Knda" typeface="Tunga"/>
+        <a:font script="Guru" typeface="Raavi"/>
+        <a:font script="Cans" typeface="Euphemia"/>
+        <a:font script="Cher" typeface="Plantagenet Cherokee"/>
+        <a:font script="Yiii" typeface="Microsoft Yi Baiti"/>
+        <a:font script="Tibt" typeface="Microsoft Himalaya"/>
+        <a:font script="Thaa" typeface="MV Boli"/>
+        <a:font script="Deva" typeface="Mangal"/>
+        <a:font script="Telu" typeface="Gautami"/>
+        <a:font script="Taml" typeface="Latha"/>
+        <a:font script="Syrc" typeface="Estrangelo Edessa"/>
+        <a:font script="Orya" typeface="Kalinga"/>
+        <a:font script="Mlym" typeface="Kartika"/>
+        <a:font script="Laoo" typeface="DokChampa"/>
+        <a:font script="Sinh" typeface="Iskoola Pota"/>
+        <a:font script="Mong" typeface="Mongolian Baiti"/>
+        <a:font script="Viet" typeface="Times New Roman"/>
+        <a:font script="Uigh" typeface="Microsoft Uighur"/>
+        <a:font script="Geor" typeface="Sylfaen"/>
+      </a:majorFont>
+      <a:minorFont>
+        <a:latin typeface="Calibri" panose="020F0502020204030204"/>
+        <a:ea typeface=""/>
+        <a:cs typeface=""/>
+        <a:font script="Jpan" typeface="ＭＳ Ｐゴシック"/>
+        <a:font script="Hang" typeface="맑은 고딕"/>
+        <a:font script="Hans" typeface="宋体"/>
+        <a:font script="Hant" typeface="新細明體"/>
+        <a:font script="Arab" typeface="Arial"/>
+        <a:font script="Hebr" typeface="Arial"/>
+        <a:font script="Thai" typeface="Cordia New"/>
+        <a:font script="Ethi" typeface="Nyala"/>
+        <a:font script="Beng" typeface="Vrinda"/>
+        <a:font script="Gujr" typeface="Shruti"/>
+        <a:font script="Khmr" typeface="DaunPenh"/>
+        <a:font script="Knda" typeface="Tunga"/>
+        <a:font script="Guru" typeface="Raavi"/>
+        <a:font script="Cans" typeface="Euphemia"/>
+        <a:font script="Cher" typeface="Plantagenet Cherokee"/>
+        <a:font script="Yiii" typeface="Microsoft Yi Baiti"/>
+        <a:font script="Tibt" typeface="Microsoft Himalaya"/>
+        <a:font script="Thaa" typeface="MV Boli"/>
+        <a:font script="Deva" typeface="Mangal"/>
+        <a:font script="Telu" typeface="Gautami"/>
+        <a:font script="Taml" typeface="Latha"/>
+        <a:font script="Syrc" typeface="Estrangelo Edessa"/>
+        <a:font script="Orya" typeface="Kalinga"/>
+        <a:font script="Mlym" typeface="Kartika"/>
+        <a:font script="Laoo" typeface="DokChampa"/>
+        <a:font script="Sinh" typeface="Iskoola Pota"/>
+        <a:font script="Mong" typeface="Mongolian Baiti"/>
+        <a:font script="Viet" typeface="Arial"/>
+        <a:font script="Uigh" typeface="Microsoft Uighur"/>
+        <a:font script="Geor" typeface="Sylfaen"/>
+      </a:minorFont>
+    </a:fontScheme>
+    <a:fmtScheme name="Office">
+      <a:fillStyleLst>
+        <a:solidFill>
+          <a:schemeClr val="phClr"/>
+        </a:solidFill>
+        <a:gradFill rotWithShape="1">
+          <a:gsLst>
+            <a:gs pos="0">
+              <a:schemeClr val="phClr">
+                <a:lumMod val="110000"/>
+                <a:satMod val="105000"/>
+                <a:tint val="67000"/>
+              </a:schemeClr>
+            </a:gs>
+            <a:gs pos="50000">
+              <a:schemeClr val="phClr">
+                <a:lumMod val="105000"/>
+                <a:satMod val="103000"/>
+                <a:tint val="73000"/>
+              </a:schemeClr>
+            </a:gs>
+            <a:gs pos="100000">
+              <a:schemeClr val="phClr">
+                <a:lumMod val="105000"/>
+                <a:satMod val="109000"/>
+                <a:tint val="81000"/>
+              </a:schemeClr>
+            </a:gs>
+          </a:gsLst>
+          <a:lin ang="5400000" scaled="0"/>
+        </a:gradFill>
+        <a:gradFill rotWithShape="1">
+          <a:gsLst>
+            <a:gs pos="0">
+              <a:schemeClr val="phClr">
+                <a:satMod val="103000"/>
+                <a:lumMod val="102000"/>
+                <a:tint val="94000"/>
+              </a:schemeClr>
+            </a:gs>
+            <a:gs pos="50000">
+              <a:schemeClr val="phClr">
+                <a:satMod val="110000"/>
+                <a:lumMod val="100000"/>
+                <a:shade val="100000"/>
+              </a:schemeClr>
+            </a:gs>
+            <a:gs pos="100000">
+              <a:schemeClr val="phClr">
+                <a:lumMod val="99000"/>
+                <a:satMod val="120000"/>
+                <a:shade val="78000"/>
+              </a:schemeClr>
+            </a:gs>
+          </a:gsLst>
+          <a:lin ang="5400000" scaled="0"/>
+        </a:gradFill>
+      </a:fillStyleLst>
+      <a:lnStyleLst>
+        <a:ln w="6350" cap="flat" cmpd="sng" algn="ctr">
+          <a:solidFill>
+            <a:schemeClr val="phClr"/>
+          </a:solidFill>
+          <a:prstDash val="solid"/>
+          <a:miter lim="800000"/>
+        </a:ln>
+        <a:ln w="12700" cap="flat" cmpd="sng" algn="ctr">
+          <a:solidFill>
+            <a:schemeClr val="phClr"/>
+          </a:solidFill>
+          <a:prstDash val="solid"/>
+          <a:miter lim="800000"/>
+        </a:ln>
+        <a:ln w="19050" cap="flat" cmpd="sng" algn="ctr">
+          <a:solidFill>
+            <a:schemeClr val="phClr"/>
+          </a:solidFill>
+          <a:prstDash val="solid"/>
+          <a:miter lim="800000"/>
+        </a:ln>
+      </a:lnStyleLst>
+      <a:effectStyleLst>
+        <a:effectStyle>
+          <a:effectLst/>
+        </a:effectStyle>
+        <a:effectStyle>
+          <a:effectLst/>
+        </a:effectStyle>
+        <a:effectStyle>
+          <a:effectLst>
+            <a:outerShdw blurRad="57150" dist="19050" dir="5400000" algn="ctr" rotWithShape="0">
+              <a:srgbClr val="000000">
+                <a:alpha val="63000"/>
+              </a:srgbClr>
+            </a:outerShdw>
+          </a:effectLst>
+        </a:effectStyle>
+      </a:effectStyleLst>
+      <a:bgFillStyleLst>
+        <a:solidFill>
+          <a:schemeClr val="phClr"/>
+        </a:solidFill>
+        <a:solidFill>
+          <a:schemeClr val="phClr">
+            <a:tint val="95000"/>
+            <a:satMod val="170000"/>
+          </a:schemeClr>
+        </a:solidFill>
+        <a:gradFill rotWithShape="1">
+          <a:gsLst>
+            <a:gs pos="0">
+              <a:schemeClr val="phClr">
+                <a:tint val="93000"/>
+                <a:satMod val="150000"/>
+                <a:shade val="98000"/>
+                <a:lumMod val="102000"/>
+              </a:schemeClr>
+            </a:gs>
+            <a:gs pos="50000">
+              <a:schemeClr val="phClr">
+                <a:tint val="98000"/>
+                <a:satMod val="130000"/>
+                <a:shade val="90000"/>
+                <a:lumMod val="103000"/>
+              </a:schemeClr>
+            </a:gs>
+            <a:gs pos="100000">
+              <a:schemeClr val="phClr">
+                <a:shade val="63000"/>
+                <a:satMod val="120000"/>
+              </a:schemeClr>
+            </a:gs>
+          </a:gsLst>
+          <a:lin ang="5400000" scaled="0"/>
+        </a:gradFill>
+      </a:bgFillStyleLst>
+    </a:fmtScheme>
+  </a:themeElements>
+  <a:objectDefaults/>
+  <a:extraClrSchemeLst/>
+  <a:extLst>
+    <a:ext uri="{05A4C25C-085E-4340-85A3-A5531E510DB2}">
+      <thm15:themeFamily xmlns:thm15="http://schemas.microsoft.com/office/thememl/2012/main" name="Office Theme" id="{62F939B6-93AF-4DB8-9C6B-D6C7DFDC589F}" vid="{4A3C46E8-61CC-4603-A589-7422A47A8E4A}"/>
+    </a:ext>
+  </a:extLst>
+</a:theme>
 </file>